--- a/presentation.pptx
+++ b/presentation.pptx
@@ -2,10 +2,18 @@
 <file path=ppt/presentation.xml><?xml version="1.0" encoding="utf-8"?>
 <p:presentation xmlns:a="http://schemas.openxmlformats.org/drawingml/2006/main" xmlns:r="http://schemas.openxmlformats.org/officeDocument/2006/relationships" xmlns:p="http://schemas.openxmlformats.org/presentationml/2006/main" saveSubsetFonts="1">
   <p:sldMasterIdLst>
-    <p:sldMasterId id="2147483648" r:id="rId1"/>
+    <p:sldMasterId id="2147483684" r:id="rId1"/>
   </p:sldMasterIdLst>
   <p:sldIdLst>
-    <p:sldId id="256" r:id="rId2"/>
+    <p:sldId id="257" r:id="rId2"/>
+    <p:sldId id="258" r:id="rId3"/>
+    <p:sldId id="259" r:id="rId4"/>
+    <p:sldId id="260" r:id="rId5"/>
+    <p:sldId id="261" r:id="rId6"/>
+    <p:sldId id="262" r:id="rId7"/>
+    <p:sldId id="263" r:id="rId8"/>
+    <p:sldId id="264" r:id="rId9"/>
+    <p:sldId id="265" r:id="rId10"/>
   </p:sldIdLst>
   <p:sldSz cx="12192000" cy="6858000"/>
   <p:notesSz cx="6858000" cy="9144000"/>
@@ -104,11 +112,16 @@
       </a:defRPr>
     </a:lvl9pPr>
   </p:defaultTextStyle>
+  <p:extLst>
+    <p:ext uri="{EFAFB233-063F-42B5-8137-9DF3F51BA10A}">
+      <p15:sldGuideLst xmlns:p15="http://schemas.microsoft.com/office/powerpoint/2012/main"/>
+    </p:ext>
+  </p:extLst>
 </p:presentation>
 </file>
 
 <file path=ppt/slideLayouts/slideLayout1.xml><?xml version="1.0" encoding="utf-8"?>
-<p:sldLayout xmlns:a="http://schemas.openxmlformats.org/drawingml/2006/main" xmlns:r="http://schemas.openxmlformats.org/officeDocument/2006/relationships" xmlns:p="http://schemas.openxmlformats.org/presentationml/2006/main" type="title" preserve="1">
+<p:sldLayout xmlns:a="http://schemas.openxmlformats.org/drawingml/2006/main" xmlns:r="http://schemas.openxmlformats.org/officeDocument/2006/relationships" xmlns:p="http://schemas.openxmlformats.org/presentationml/2006/main" showMasterSp="0" type="title" preserve="1">
   <p:cSld name="Diapositive de titre">
     <p:spTree>
       <p:nvGrpSpPr>
@@ -124,15 +137,539 @@
           <a:chExt cx="0" cy="0"/>
         </a:xfrm>
       </p:grpSpPr>
-      <p:sp>
-        <p:nvSpPr>
-          <p:cNvPr id="2" name="Titre 1">
-            <a:extLst>
-              <a:ext uri="{FF2B5EF4-FFF2-40B4-BE49-F238E27FC236}">
-                <a16:creationId xmlns:a16="http://schemas.microsoft.com/office/drawing/2014/main" id="{E904711D-14E2-47D8-AF9E-0F87CE75C9FB}"/>
-              </a:ext>
-            </a:extLst>
-          </p:cNvPr>
+      <p:grpSp>
+        <p:nvGrpSpPr>
+          <p:cNvPr id="7" name="Group 6"/>
+          <p:cNvGrpSpPr/>
+          <p:nvPr/>
+        </p:nvGrpSpPr>
+        <p:grpSpPr>
+          <a:xfrm>
+            <a:off x="0" y="-8467"/>
+            <a:ext cx="12192000" cy="6866467"/>
+            <a:chOff x="0" y="-8467"/>
+            <a:chExt cx="12192000" cy="6866467"/>
+          </a:xfrm>
+        </p:grpSpPr>
+        <p:cxnSp>
+          <p:nvCxnSpPr>
+            <p:cNvPr id="32" name="Straight Connector 31"/>
+            <p:cNvCxnSpPr/>
+            <p:nvPr/>
+          </p:nvCxnSpPr>
+          <p:spPr>
+            <a:xfrm>
+              <a:off x="9371012" y="0"/>
+              <a:ext cx="1219200" cy="6858000"/>
+            </a:xfrm>
+            <a:prstGeom prst="line">
+              <a:avLst/>
+            </a:prstGeom>
+            <a:ln w="9525">
+              <a:solidFill>
+                <a:schemeClr val="bg1">
+                  <a:lumMod val="75000"/>
+                </a:schemeClr>
+              </a:solidFill>
+            </a:ln>
+          </p:spPr>
+          <p:style>
+            <a:lnRef idx="2">
+              <a:schemeClr val="accent1"/>
+            </a:lnRef>
+            <a:fillRef idx="0">
+              <a:schemeClr val="accent1"/>
+            </a:fillRef>
+            <a:effectRef idx="1">
+              <a:schemeClr val="accent1"/>
+            </a:effectRef>
+            <a:fontRef idx="minor">
+              <a:schemeClr val="tx1"/>
+            </a:fontRef>
+          </p:style>
+        </p:cxnSp>
+        <p:cxnSp>
+          <p:nvCxnSpPr>
+            <p:cNvPr id="21" name="Straight Connector 20"/>
+            <p:cNvCxnSpPr/>
+            <p:nvPr/>
+          </p:nvCxnSpPr>
+          <p:spPr>
+            <a:xfrm flipH="1">
+              <a:off x="7425267" y="3681413"/>
+              <a:ext cx="4763558" cy="3176587"/>
+            </a:xfrm>
+            <a:prstGeom prst="line">
+              <a:avLst/>
+            </a:prstGeom>
+            <a:ln w="9525">
+              <a:solidFill>
+                <a:schemeClr val="bg1">
+                  <a:lumMod val="85000"/>
+                </a:schemeClr>
+              </a:solidFill>
+            </a:ln>
+          </p:spPr>
+          <p:style>
+            <a:lnRef idx="2">
+              <a:schemeClr val="accent1"/>
+            </a:lnRef>
+            <a:fillRef idx="0">
+              <a:schemeClr val="accent1"/>
+            </a:fillRef>
+            <a:effectRef idx="1">
+              <a:schemeClr val="accent1"/>
+            </a:effectRef>
+            <a:fontRef idx="minor">
+              <a:schemeClr val="tx1"/>
+            </a:fontRef>
+          </p:style>
+        </p:cxnSp>
+        <p:sp>
+          <p:nvSpPr>
+            <p:cNvPr id="24" name="Rectangle 23"/>
+            <p:cNvSpPr/>
+            <p:nvPr/>
+          </p:nvSpPr>
+          <p:spPr>
+            <a:xfrm>
+              <a:off x="9181476" y="-8467"/>
+              <a:ext cx="3007349" cy="6866467"/>
+            </a:xfrm>
+            <a:custGeom>
+              <a:avLst/>
+              <a:gdLst/>
+              <a:ahLst/>
+              <a:cxnLst/>
+              <a:rect l="l" t="t" r="r" b="b"/>
+              <a:pathLst>
+                <a:path w="3007349" h="6866467">
+                  <a:moveTo>
+                    <a:pt x="2045532" y="0"/>
+                  </a:moveTo>
+                  <a:lnTo>
+                    <a:pt x="3007349" y="0"/>
+                  </a:lnTo>
+                  <a:lnTo>
+                    <a:pt x="3007349" y="6866467"/>
+                  </a:lnTo>
+                  <a:lnTo>
+                    <a:pt x="0" y="6866467"/>
+                  </a:lnTo>
+                  <a:lnTo>
+                    <a:pt x="2045532" y="0"/>
+                  </a:lnTo>
+                  <a:close/>
+                </a:path>
+              </a:pathLst>
+            </a:custGeom>
+            <a:solidFill>
+              <a:schemeClr val="accent1">
+                <a:alpha val="30000"/>
+              </a:schemeClr>
+            </a:solidFill>
+            <a:ln>
+              <a:noFill/>
+            </a:ln>
+            <a:effectLst/>
+          </p:spPr>
+          <p:style>
+            <a:lnRef idx="1">
+              <a:schemeClr val="accent1"/>
+            </a:lnRef>
+            <a:fillRef idx="3">
+              <a:schemeClr val="accent1"/>
+            </a:fillRef>
+            <a:effectRef idx="2">
+              <a:schemeClr val="accent1"/>
+            </a:effectRef>
+            <a:fontRef idx="minor">
+              <a:schemeClr val="lt1"/>
+            </a:fontRef>
+          </p:style>
+        </p:sp>
+        <p:sp>
+          <p:nvSpPr>
+            <p:cNvPr id="26" name="Rectangle 25"/>
+            <p:cNvSpPr/>
+            <p:nvPr/>
+          </p:nvSpPr>
+          <p:spPr>
+            <a:xfrm>
+              <a:off x="9603442" y="-8467"/>
+              <a:ext cx="2588558" cy="6866467"/>
+            </a:xfrm>
+            <a:custGeom>
+              <a:avLst/>
+              <a:gdLst/>
+              <a:ahLst/>
+              <a:cxnLst/>
+              <a:rect l="l" t="t" r="r" b="b"/>
+              <a:pathLst>
+                <a:path w="2573311" h="6866467">
+                  <a:moveTo>
+                    <a:pt x="0" y="0"/>
+                  </a:moveTo>
+                  <a:lnTo>
+                    <a:pt x="2573311" y="0"/>
+                  </a:lnTo>
+                  <a:lnTo>
+                    <a:pt x="2573311" y="6866467"/>
+                  </a:lnTo>
+                  <a:lnTo>
+                    <a:pt x="1202336" y="6866467"/>
+                  </a:lnTo>
+                  <a:lnTo>
+                    <a:pt x="0" y="0"/>
+                  </a:lnTo>
+                  <a:close/>
+                </a:path>
+              </a:pathLst>
+            </a:custGeom>
+            <a:solidFill>
+              <a:schemeClr val="accent1">
+                <a:alpha val="20000"/>
+              </a:schemeClr>
+            </a:solidFill>
+            <a:ln>
+              <a:noFill/>
+            </a:ln>
+            <a:effectLst/>
+          </p:spPr>
+          <p:style>
+            <a:lnRef idx="1">
+              <a:schemeClr val="accent1"/>
+            </a:lnRef>
+            <a:fillRef idx="3">
+              <a:schemeClr val="accent1"/>
+            </a:fillRef>
+            <a:effectRef idx="2">
+              <a:schemeClr val="accent1"/>
+            </a:effectRef>
+            <a:fontRef idx="minor">
+              <a:schemeClr val="lt1"/>
+            </a:fontRef>
+          </p:style>
+        </p:sp>
+        <p:sp>
+          <p:nvSpPr>
+            <p:cNvPr id="27" name="Isosceles Triangle 26"/>
+            <p:cNvSpPr/>
+            <p:nvPr/>
+          </p:nvSpPr>
+          <p:spPr>
+            <a:xfrm>
+              <a:off x="8932333" y="3048000"/>
+              <a:ext cx="3259667" cy="3810000"/>
+            </a:xfrm>
+            <a:prstGeom prst="triangle">
+              <a:avLst>
+                <a:gd name="adj" fmla="val 100000"/>
+              </a:avLst>
+            </a:prstGeom>
+            <a:solidFill>
+              <a:schemeClr val="accent2">
+                <a:alpha val="72000"/>
+              </a:schemeClr>
+            </a:solidFill>
+            <a:ln>
+              <a:noFill/>
+            </a:ln>
+            <a:effectLst/>
+          </p:spPr>
+          <p:style>
+            <a:lnRef idx="1">
+              <a:schemeClr val="accent1"/>
+            </a:lnRef>
+            <a:fillRef idx="3">
+              <a:schemeClr val="accent1"/>
+            </a:fillRef>
+            <a:effectRef idx="2">
+              <a:schemeClr val="accent1"/>
+            </a:effectRef>
+            <a:fontRef idx="minor">
+              <a:schemeClr val="lt1"/>
+            </a:fontRef>
+          </p:style>
+        </p:sp>
+        <p:sp>
+          <p:nvSpPr>
+            <p:cNvPr id="28" name="Rectangle 27"/>
+            <p:cNvSpPr/>
+            <p:nvPr/>
+          </p:nvSpPr>
+          <p:spPr>
+            <a:xfrm>
+              <a:off x="9334500" y="-8467"/>
+              <a:ext cx="2854326" cy="6866467"/>
+            </a:xfrm>
+            <a:custGeom>
+              <a:avLst/>
+              <a:gdLst/>
+              <a:ahLst/>
+              <a:cxnLst/>
+              <a:rect l="l" t="t" r="r" b="b"/>
+              <a:pathLst>
+                <a:path w="2858013" h="6866467">
+                  <a:moveTo>
+                    <a:pt x="0" y="0"/>
+                  </a:moveTo>
+                  <a:lnTo>
+                    <a:pt x="2858013" y="0"/>
+                  </a:lnTo>
+                  <a:lnTo>
+                    <a:pt x="2858013" y="6866467"/>
+                  </a:lnTo>
+                  <a:lnTo>
+                    <a:pt x="2473942" y="6866467"/>
+                  </a:lnTo>
+                  <a:lnTo>
+                    <a:pt x="0" y="0"/>
+                  </a:lnTo>
+                  <a:close/>
+                </a:path>
+              </a:pathLst>
+            </a:custGeom>
+            <a:solidFill>
+              <a:schemeClr val="accent2">
+                <a:lumMod val="75000"/>
+                <a:alpha val="70000"/>
+              </a:schemeClr>
+            </a:solidFill>
+            <a:ln>
+              <a:noFill/>
+            </a:ln>
+            <a:effectLst/>
+          </p:spPr>
+          <p:style>
+            <a:lnRef idx="1">
+              <a:schemeClr val="accent1"/>
+            </a:lnRef>
+            <a:fillRef idx="3">
+              <a:schemeClr val="accent1"/>
+            </a:fillRef>
+            <a:effectRef idx="2">
+              <a:schemeClr val="accent1"/>
+            </a:effectRef>
+            <a:fontRef idx="minor">
+              <a:schemeClr val="lt1"/>
+            </a:fontRef>
+          </p:style>
+        </p:sp>
+        <p:sp>
+          <p:nvSpPr>
+            <p:cNvPr id="29" name="Rectangle 28"/>
+            <p:cNvSpPr/>
+            <p:nvPr/>
+          </p:nvSpPr>
+          <p:spPr>
+            <a:xfrm>
+              <a:off x="10898730" y="-8467"/>
+              <a:ext cx="1290094" cy="6866467"/>
+            </a:xfrm>
+            <a:custGeom>
+              <a:avLst/>
+              <a:gdLst/>
+              <a:ahLst/>
+              <a:cxnLst/>
+              <a:rect l="l" t="t" r="r" b="b"/>
+              <a:pathLst>
+                <a:path w="1290094" h="6858000">
+                  <a:moveTo>
+                    <a:pt x="1019735" y="0"/>
+                  </a:moveTo>
+                  <a:lnTo>
+                    <a:pt x="1290094" y="0"/>
+                  </a:lnTo>
+                  <a:lnTo>
+                    <a:pt x="1290094" y="6858000"/>
+                  </a:lnTo>
+                  <a:lnTo>
+                    <a:pt x="0" y="6858000"/>
+                  </a:lnTo>
+                  <a:lnTo>
+                    <a:pt x="1019735" y="0"/>
+                  </a:lnTo>
+                  <a:close/>
+                </a:path>
+              </a:pathLst>
+            </a:custGeom>
+            <a:solidFill>
+              <a:schemeClr val="accent1">
+                <a:lumMod val="60000"/>
+                <a:lumOff val="40000"/>
+                <a:alpha val="70000"/>
+              </a:schemeClr>
+            </a:solidFill>
+            <a:ln>
+              <a:noFill/>
+            </a:ln>
+            <a:effectLst/>
+          </p:spPr>
+          <p:style>
+            <a:lnRef idx="1">
+              <a:schemeClr val="accent1"/>
+            </a:lnRef>
+            <a:fillRef idx="3">
+              <a:schemeClr val="accent1"/>
+            </a:fillRef>
+            <a:effectRef idx="2">
+              <a:schemeClr val="accent1"/>
+            </a:effectRef>
+            <a:fontRef idx="minor">
+              <a:schemeClr val="lt1"/>
+            </a:fontRef>
+          </p:style>
+        </p:sp>
+        <p:sp>
+          <p:nvSpPr>
+            <p:cNvPr id="30" name="Rectangle 29"/>
+            <p:cNvSpPr/>
+            <p:nvPr/>
+          </p:nvSpPr>
+          <p:spPr>
+            <a:xfrm>
+              <a:off x="10938999" y="-8467"/>
+              <a:ext cx="1249825" cy="6866467"/>
+            </a:xfrm>
+            <a:custGeom>
+              <a:avLst/>
+              <a:gdLst/>
+              <a:ahLst/>
+              <a:cxnLst/>
+              <a:rect l="l" t="t" r="r" b="b"/>
+              <a:pathLst>
+                <a:path w="1249825" h="6858000">
+                  <a:moveTo>
+                    <a:pt x="0" y="0"/>
+                  </a:moveTo>
+                  <a:lnTo>
+                    <a:pt x="1249825" y="0"/>
+                  </a:lnTo>
+                  <a:lnTo>
+                    <a:pt x="1249825" y="6858000"/>
+                  </a:lnTo>
+                  <a:lnTo>
+                    <a:pt x="1109382" y="6858000"/>
+                  </a:lnTo>
+                  <a:lnTo>
+                    <a:pt x="0" y="0"/>
+                  </a:lnTo>
+                  <a:close/>
+                </a:path>
+              </a:pathLst>
+            </a:custGeom>
+            <a:solidFill>
+              <a:schemeClr val="accent1">
+                <a:alpha val="65000"/>
+              </a:schemeClr>
+            </a:solidFill>
+            <a:ln>
+              <a:noFill/>
+            </a:ln>
+            <a:effectLst/>
+          </p:spPr>
+          <p:style>
+            <a:lnRef idx="1">
+              <a:schemeClr val="accent1"/>
+            </a:lnRef>
+            <a:fillRef idx="3">
+              <a:schemeClr val="accent1"/>
+            </a:fillRef>
+            <a:effectRef idx="2">
+              <a:schemeClr val="accent1"/>
+            </a:effectRef>
+            <a:fontRef idx="minor">
+              <a:schemeClr val="lt1"/>
+            </a:fontRef>
+          </p:style>
+        </p:sp>
+        <p:sp>
+          <p:nvSpPr>
+            <p:cNvPr id="31" name="Isosceles Triangle 30"/>
+            <p:cNvSpPr/>
+            <p:nvPr/>
+          </p:nvSpPr>
+          <p:spPr>
+            <a:xfrm>
+              <a:off x="10371666" y="3589867"/>
+              <a:ext cx="1817159" cy="3268133"/>
+            </a:xfrm>
+            <a:prstGeom prst="triangle">
+              <a:avLst>
+                <a:gd name="adj" fmla="val 100000"/>
+              </a:avLst>
+            </a:prstGeom>
+            <a:solidFill>
+              <a:schemeClr val="accent1">
+                <a:alpha val="80000"/>
+              </a:schemeClr>
+            </a:solidFill>
+            <a:ln>
+              <a:noFill/>
+            </a:ln>
+            <a:effectLst/>
+          </p:spPr>
+          <p:style>
+            <a:lnRef idx="1">
+              <a:schemeClr val="accent1"/>
+            </a:lnRef>
+            <a:fillRef idx="3">
+              <a:schemeClr val="accent1"/>
+            </a:fillRef>
+            <a:effectRef idx="2">
+              <a:schemeClr val="accent1"/>
+            </a:effectRef>
+            <a:fontRef idx="minor">
+              <a:schemeClr val="lt1"/>
+            </a:fontRef>
+          </p:style>
+        </p:sp>
+        <p:sp>
+          <p:nvSpPr>
+            <p:cNvPr id="19" name="Isosceles Triangle 18"/>
+            <p:cNvSpPr/>
+            <p:nvPr/>
+          </p:nvSpPr>
+          <p:spPr>
+            <a:xfrm rot="10800000">
+              <a:off x="0" y="0"/>
+              <a:ext cx="842596" cy="5666154"/>
+            </a:xfrm>
+            <a:prstGeom prst="triangle">
+              <a:avLst>
+                <a:gd name="adj" fmla="val 100000"/>
+              </a:avLst>
+            </a:prstGeom>
+            <a:solidFill>
+              <a:schemeClr val="accent1">
+                <a:alpha val="85000"/>
+              </a:schemeClr>
+            </a:solidFill>
+            <a:ln>
+              <a:noFill/>
+            </a:ln>
+            <a:effectLst/>
+          </p:spPr>
+          <p:style>
+            <a:lnRef idx="1">
+              <a:schemeClr val="accent1"/>
+            </a:lnRef>
+            <a:fillRef idx="3">
+              <a:schemeClr val="accent1"/>
+            </a:fillRef>
+            <a:effectRef idx="2">
+              <a:schemeClr val="accent1"/>
+            </a:effectRef>
+            <a:fontRef idx="minor">
+              <a:schemeClr val="lt1"/>
+            </a:fontRef>
+          </p:style>
+        </p:sp>
+      </p:grpSp>
+      <p:sp>
+        <p:nvSpPr>
+          <p:cNvPr id="2" name="Title 1"/>
           <p:cNvSpPr>
             <a:spLocks noGrp="1"/>
           </p:cNvSpPr>
@@ -142,15 +679,21 @@
         </p:nvSpPr>
         <p:spPr>
           <a:xfrm>
-            <a:off x="1524000" y="1122363"/>
-            <a:ext cx="9144000" cy="2387600"/>
+            <a:off x="1507067" y="2404534"/>
+            <a:ext cx="7766936" cy="1646302"/>
           </a:xfrm>
         </p:spPr>
         <p:txBody>
-          <a:bodyPr anchor="b"/>
+          <a:bodyPr anchor="b">
+            <a:noAutofit/>
+          </a:bodyPr>
           <a:lstStyle>
-            <a:lvl1pPr algn="ctr">
-              <a:defRPr sz="6000"/>
+            <a:lvl1pPr algn="r">
+              <a:defRPr sz="5400">
+                <a:solidFill>
+                  <a:schemeClr val="accent1"/>
+                </a:solidFill>
+              </a:defRPr>
             </a:lvl1pPr>
           </a:lstStyle>
           <a:p>
@@ -158,19 +701,13 @@
               <a:rPr lang="fr-FR"/>
               <a:t>Modifiez le style du titre</a:t>
             </a:r>
-            <a:endParaRPr lang="en-GB"/>
-          </a:p>
-        </p:txBody>
-      </p:sp>
-      <p:sp>
-        <p:nvSpPr>
-          <p:cNvPr id="3" name="Sous-titre 2">
-            <a:extLst>
-              <a:ext uri="{FF2B5EF4-FFF2-40B4-BE49-F238E27FC236}">
-                <a16:creationId xmlns:a16="http://schemas.microsoft.com/office/drawing/2014/main" id="{AA029FFA-5924-41F3-9E5A-1D60A84FFE7D}"/>
-              </a:ext>
-            </a:extLst>
-          </p:cNvPr>
+            <a:endParaRPr lang="en-US" dirty="0"/>
+          </a:p>
+        </p:txBody>
+      </p:sp>
+      <p:sp>
+        <p:nvSpPr>
+          <p:cNvPr id="3" name="Subtitle 2"/>
           <p:cNvSpPr>
             <a:spLocks noGrp="1"/>
           </p:cNvSpPr>
@@ -180,48 +717,103 @@
         </p:nvSpPr>
         <p:spPr>
           <a:xfrm>
-            <a:off x="1524000" y="3602038"/>
-            <a:ext cx="9144000" cy="1655762"/>
+            <a:off x="1507067" y="4050833"/>
+            <a:ext cx="7766936" cy="1096899"/>
           </a:xfrm>
         </p:spPr>
         <p:txBody>
-          <a:bodyPr/>
+          <a:bodyPr anchor="t"/>
           <a:lstStyle>
-            <a:lvl1pPr marL="0" indent="0" algn="ctr">
-              <a:buNone/>
-              <a:defRPr sz="2400"/>
+            <a:lvl1pPr marL="0" indent="0" algn="r">
+              <a:buNone/>
+              <a:defRPr>
+                <a:solidFill>
+                  <a:schemeClr val="tx1">
+                    <a:lumMod val="50000"/>
+                    <a:lumOff val="50000"/>
+                  </a:schemeClr>
+                </a:solidFill>
+              </a:defRPr>
             </a:lvl1pPr>
             <a:lvl2pPr marL="457200" indent="0" algn="ctr">
               <a:buNone/>
-              <a:defRPr sz="2000"/>
+              <a:defRPr>
+                <a:solidFill>
+                  <a:schemeClr val="tx1">
+                    <a:tint val="75000"/>
+                  </a:schemeClr>
+                </a:solidFill>
+              </a:defRPr>
             </a:lvl2pPr>
             <a:lvl3pPr marL="914400" indent="0" algn="ctr">
               <a:buNone/>
-              <a:defRPr sz="1800"/>
+              <a:defRPr>
+                <a:solidFill>
+                  <a:schemeClr val="tx1">
+                    <a:tint val="75000"/>
+                  </a:schemeClr>
+                </a:solidFill>
+              </a:defRPr>
             </a:lvl3pPr>
             <a:lvl4pPr marL="1371600" indent="0" algn="ctr">
               <a:buNone/>
-              <a:defRPr sz="1600"/>
+              <a:defRPr>
+                <a:solidFill>
+                  <a:schemeClr val="tx1">
+                    <a:tint val="75000"/>
+                  </a:schemeClr>
+                </a:solidFill>
+              </a:defRPr>
             </a:lvl4pPr>
             <a:lvl5pPr marL="1828800" indent="0" algn="ctr">
               <a:buNone/>
-              <a:defRPr sz="1600"/>
+              <a:defRPr>
+                <a:solidFill>
+                  <a:schemeClr val="tx1">
+                    <a:tint val="75000"/>
+                  </a:schemeClr>
+                </a:solidFill>
+              </a:defRPr>
             </a:lvl5pPr>
             <a:lvl6pPr marL="2286000" indent="0" algn="ctr">
               <a:buNone/>
-              <a:defRPr sz="1600"/>
+              <a:defRPr>
+                <a:solidFill>
+                  <a:schemeClr val="tx1">
+                    <a:tint val="75000"/>
+                  </a:schemeClr>
+                </a:solidFill>
+              </a:defRPr>
             </a:lvl6pPr>
             <a:lvl7pPr marL="2743200" indent="0" algn="ctr">
               <a:buNone/>
-              <a:defRPr sz="1600"/>
+              <a:defRPr>
+                <a:solidFill>
+                  <a:schemeClr val="tx1">
+                    <a:tint val="75000"/>
+                  </a:schemeClr>
+                </a:solidFill>
+              </a:defRPr>
             </a:lvl7pPr>
             <a:lvl8pPr marL="3200400" indent="0" algn="ctr">
               <a:buNone/>
-              <a:defRPr sz="1600"/>
+              <a:defRPr>
+                <a:solidFill>
+                  <a:schemeClr val="tx1">
+                    <a:tint val="75000"/>
+                  </a:schemeClr>
+                </a:solidFill>
+              </a:defRPr>
             </a:lvl8pPr>
             <a:lvl9pPr marL="3657600" indent="0" algn="ctr">
               <a:buNone/>
-              <a:defRPr sz="1600"/>
+              <a:defRPr>
+                <a:solidFill>
+                  <a:schemeClr val="tx1">
+                    <a:tint val="75000"/>
+                  </a:schemeClr>
+                </a:solidFill>
+              </a:defRPr>
             </a:lvl9pPr>
           </a:lstStyle>
           <a:p>
@@ -229,19 +821,13 @@
               <a:rPr lang="fr-FR"/>
               <a:t>Modifiez le style des sous-titres du masque</a:t>
             </a:r>
-            <a:endParaRPr lang="en-GB"/>
-          </a:p>
-        </p:txBody>
-      </p:sp>
-      <p:sp>
-        <p:nvSpPr>
-          <p:cNvPr id="4" name="Espace réservé de la date 3">
-            <a:extLst>
-              <a:ext uri="{FF2B5EF4-FFF2-40B4-BE49-F238E27FC236}">
-                <a16:creationId xmlns:a16="http://schemas.microsoft.com/office/drawing/2014/main" id="{F2FF004F-C2D6-43C9-8499-93626F47D8E1}"/>
-              </a:ext>
-            </a:extLst>
-          </p:cNvPr>
+            <a:endParaRPr lang="en-US" dirty="0"/>
+          </a:p>
+        </p:txBody>
+      </p:sp>
+      <p:sp>
+        <p:nvSpPr>
+          <p:cNvPr id="4" name="Date Placeholder 3"/>
           <p:cNvSpPr>
             <a:spLocks noGrp="1"/>
           </p:cNvSpPr>
@@ -254,23 +840,18 @@
           <a:bodyPr/>
           <a:lstStyle/>
           <a:p>
-            <a:fld id="{B157BCDE-2F30-4221-9502-D38802CDED20}" type="datetimeFigureOut">
-              <a:rPr lang="en-GB" smtClean="0"/>
-              <a:t>11/01/2019</a:t>
+            <a:fld id="{B61BEF0D-F0BB-DE4B-95CE-6DB70DBA9567}" type="datetimeFigureOut">
+              <a:rPr lang="en-US" dirty="0"/>
+              <a:pPr/>
+              <a:t>1/13/2019</a:t>
             </a:fld>
-            <a:endParaRPr lang="en-GB"/>
-          </a:p>
-        </p:txBody>
-      </p:sp>
-      <p:sp>
-        <p:nvSpPr>
-          <p:cNvPr id="5" name="Espace réservé du pied de page 4">
-            <a:extLst>
-              <a:ext uri="{FF2B5EF4-FFF2-40B4-BE49-F238E27FC236}">
-                <a16:creationId xmlns:a16="http://schemas.microsoft.com/office/drawing/2014/main" id="{BD329325-8D76-4352-B947-10521090CCC0}"/>
-              </a:ext>
-            </a:extLst>
-          </p:cNvPr>
+            <a:endParaRPr lang="en-US" dirty="0"/>
+          </a:p>
+        </p:txBody>
+      </p:sp>
+      <p:sp>
+        <p:nvSpPr>
+          <p:cNvPr id="5" name="Footer Placeholder 4"/>
           <p:cNvSpPr>
             <a:spLocks noGrp="1"/>
           </p:cNvSpPr>
@@ -283,19 +864,13 @@
           <a:bodyPr/>
           <a:lstStyle/>
           <a:p>
-            <a:endParaRPr lang="en-GB"/>
-          </a:p>
-        </p:txBody>
-      </p:sp>
-      <p:sp>
-        <p:nvSpPr>
-          <p:cNvPr id="6" name="Espace réservé du numéro de diapositive 5">
-            <a:extLst>
-              <a:ext uri="{FF2B5EF4-FFF2-40B4-BE49-F238E27FC236}">
-                <a16:creationId xmlns:a16="http://schemas.microsoft.com/office/drawing/2014/main" id="{94CF44B7-8E89-46B2-A1BC-4F1D05B33D04}"/>
-              </a:ext>
-            </a:extLst>
-          </p:cNvPr>
+            <a:endParaRPr lang="en-US" dirty="0"/>
+          </a:p>
+        </p:txBody>
+      </p:sp>
+      <p:sp>
+        <p:nvSpPr>
+          <p:cNvPr id="6" name="Slide Number Placeholder 5"/>
           <p:cNvSpPr>
             <a:spLocks noGrp="1"/>
           </p:cNvSpPr>
@@ -308,18 +883,19 @@
           <a:bodyPr/>
           <a:lstStyle/>
           <a:p>
-            <a:fld id="{1D5F62B4-F5A1-45C6-B17A-BAFED77DDBA3}" type="slidenum">
-              <a:rPr lang="en-GB" smtClean="0"/>
+            <a:fld id="{D57F1E4F-1CFF-5643-939E-217C01CDF565}" type="slidenum">
+              <a:rPr lang="en-US" dirty="0"/>
+              <a:pPr/>
               <a:t>‹N°›</a:t>
             </a:fld>
-            <a:endParaRPr lang="en-GB"/>
+            <a:endParaRPr lang="en-US" dirty="0"/>
           </a:p>
         </p:txBody>
       </p:sp>
     </p:spTree>
     <p:extLst>
       <p:ext uri="{BB962C8B-B14F-4D97-AF65-F5344CB8AC3E}">
-        <p14:creationId xmlns:p14="http://schemas.microsoft.com/office/powerpoint/2010/main" val="2254662394"/>
+        <p14:creationId xmlns:p14="http://schemas.microsoft.com/office/powerpoint/2010/main" val="2777229048"/>
       </p:ext>
     </p:extLst>
   </p:cSld>
@@ -330,6 +906,1629 @@
 </file>
 
 <file path=ppt/slideLayouts/slideLayout10.xml><?xml version="1.0" encoding="utf-8"?>
+<p:sldLayout xmlns:a="http://schemas.openxmlformats.org/drawingml/2006/main" xmlns:r="http://schemas.openxmlformats.org/officeDocument/2006/relationships" xmlns:p="http://schemas.openxmlformats.org/presentationml/2006/main" preserve="1">
+  <p:cSld name="Titre et légende">
+    <p:spTree>
+      <p:nvGrpSpPr>
+        <p:cNvPr id="1" name=""/>
+        <p:cNvGrpSpPr/>
+        <p:nvPr/>
+      </p:nvGrpSpPr>
+      <p:grpSpPr>
+        <a:xfrm>
+          <a:off x="0" y="0"/>
+          <a:ext cx="0" cy="0"/>
+          <a:chOff x="0" y="0"/>
+          <a:chExt cx="0" cy="0"/>
+        </a:xfrm>
+      </p:grpSpPr>
+      <p:sp>
+        <p:nvSpPr>
+          <p:cNvPr id="2" name="Title 1"/>
+          <p:cNvSpPr>
+            <a:spLocks noGrp="1"/>
+          </p:cNvSpPr>
+          <p:nvPr>
+            <p:ph type="title"/>
+          </p:nvPr>
+        </p:nvSpPr>
+        <p:spPr>
+          <a:xfrm>
+            <a:off x="677335" y="609600"/>
+            <a:ext cx="8596668" cy="3403600"/>
+          </a:xfrm>
+        </p:spPr>
+        <p:txBody>
+          <a:bodyPr anchor="ctr">
+            <a:normAutofit/>
+          </a:bodyPr>
+          <a:lstStyle>
+            <a:lvl1pPr algn="l">
+              <a:defRPr sz="4400" b="0" cap="none"/>
+            </a:lvl1pPr>
+          </a:lstStyle>
+          <a:p>
+            <a:r>
+              <a:rPr lang="fr-FR"/>
+              <a:t>Modifiez le style du titre</a:t>
+            </a:r>
+            <a:endParaRPr lang="en-US" dirty="0"/>
+          </a:p>
+        </p:txBody>
+      </p:sp>
+      <p:sp>
+        <p:nvSpPr>
+          <p:cNvPr id="3" name="Text Placeholder 2"/>
+          <p:cNvSpPr>
+            <a:spLocks noGrp="1"/>
+          </p:cNvSpPr>
+          <p:nvPr>
+            <p:ph type="body" idx="1"/>
+          </p:nvPr>
+        </p:nvSpPr>
+        <p:spPr>
+          <a:xfrm>
+            <a:off x="677335" y="4470400"/>
+            <a:ext cx="8596668" cy="1570962"/>
+          </a:xfrm>
+        </p:spPr>
+        <p:txBody>
+          <a:bodyPr anchor="ctr">
+            <a:normAutofit/>
+          </a:bodyPr>
+          <a:lstStyle>
+            <a:lvl1pPr marL="0" indent="0" algn="l">
+              <a:buNone/>
+              <a:defRPr sz="1800">
+                <a:solidFill>
+                  <a:schemeClr val="tx1">
+                    <a:lumMod val="75000"/>
+                    <a:lumOff val="25000"/>
+                  </a:schemeClr>
+                </a:solidFill>
+              </a:defRPr>
+            </a:lvl1pPr>
+            <a:lvl2pPr marL="457200" indent="0">
+              <a:buNone/>
+              <a:defRPr sz="1800">
+                <a:solidFill>
+                  <a:schemeClr val="tx1">
+                    <a:tint val="75000"/>
+                  </a:schemeClr>
+                </a:solidFill>
+              </a:defRPr>
+            </a:lvl2pPr>
+            <a:lvl3pPr marL="914400" indent="0">
+              <a:buNone/>
+              <a:defRPr sz="1600">
+                <a:solidFill>
+                  <a:schemeClr val="tx1">
+                    <a:tint val="75000"/>
+                  </a:schemeClr>
+                </a:solidFill>
+              </a:defRPr>
+            </a:lvl3pPr>
+            <a:lvl4pPr marL="1371600" indent="0">
+              <a:buNone/>
+              <a:defRPr sz="1400">
+                <a:solidFill>
+                  <a:schemeClr val="tx1">
+                    <a:tint val="75000"/>
+                  </a:schemeClr>
+                </a:solidFill>
+              </a:defRPr>
+            </a:lvl4pPr>
+            <a:lvl5pPr marL="1828800" indent="0">
+              <a:buNone/>
+              <a:defRPr sz="1400">
+                <a:solidFill>
+                  <a:schemeClr val="tx1">
+                    <a:tint val="75000"/>
+                  </a:schemeClr>
+                </a:solidFill>
+              </a:defRPr>
+            </a:lvl5pPr>
+            <a:lvl6pPr marL="2286000" indent="0">
+              <a:buNone/>
+              <a:defRPr sz="1400">
+                <a:solidFill>
+                  <a:schemeClr val="tx1">
+                    <a:tint val="75000"/>
+                  </a:schemeClr>
+                </a:solidFill>
+              </a:defRPr>
+            </a:lvl6pPr>
+            <a:lvl7pPr marL="2743200" indent="0">
+              <a:buNone/>
+              <a:defRPr sz="1400">
+                <a:solidFill>
+                  <a:schemeClr val="tx1">
+                    <a:tint val="75000"/>
+                  </a:schemeClr>
+                </a:solidFill>
+              </a:defRPr>
+            </a:lvl7pPr>
+            <a:lvl8pPr marL="3200400" indent="0">
+              <a:buNone/>
+              <a:defRPr sz="1400">
+                <a:solidFill>
+                  <a:schemeClr val="tx1">
+                    <a:tint val="75000"/>
+                  </a:schemeClr>
+                </a:solidFill>
+              </a:defRPr>
+            </a:lvl8pPr>
+            <a:lvl9pPr marL="3657600" indent="0">
+              <a:buNone/>
+              <a:defRPr sz="1400">
+                <a:solidFill>
+                  <a:schemeClr val="tx1">
+                    <a:tint val="75000"/>
+                  </a:schemeClr>
+                </a:solidFill>
+              </a:defRPr>
+            </a:lvl9pPr>
+          </a:lstStyle>
+          <a:p>
+            <a:pPr lvl="0"/>
+            <a:r>
+              <a:rPr lang="fr-FR"/>
+              <a:t>Modifier les styles du texte du masque</a:t>
+            </a:r>
+          </a:p>
+        </p:txBody>
+      </p:sp>
+      <p:sp>
+        <p:nvSpPr>
+          <p:cNvPr id="4" name="Date Placeholder 3"/>
+          <p:cNvSpPr>
+            <a:spLocks noGrp="1"/>
+          </p:cNvSpPr>
+          <p:nvPr>
+            <p:ph type="dt" sz="half" idx="10"/>
+          </p:nvPr>
+        </p:nvSpPr>
+        <p:spPr/>
+        <p:txBody>
+          <a:bodyPr/>
+          <a:lstStyle/>
+          <a:p>
+            <a:fld id="{B61BEF0D-F0BB-DE4B-95CE-6DB70DBA9567}" type="datetimeFigureOut">
+              <a:rPr lang="en-US" dirty="0"/>
+              <a:pPr/>
+              <a:t>1/13/2019</a:t>
+            </a:fld>
+            <a:endParaRPr lang="en-US" dirty="0"/>
+          </a:p>
+        </p:txBody>
+      </p:sp>
+      <p:sp>
+        <p:nvSpPr>
+          <p:cNvPr id="5" name="Footer Placeholder 4"/>
+          <p:cNvSpPr>
+            <a:spLocks noGrp="1"/>
+          </p:cNvSpPr>
+          <p:nvPr>
+            <p:ph type="ftr" sz="quarter" idx="11"/>
+          </p:nvPr>
+        </p:nvSpPr>
+        <p:spPr/>
+        <p:txBody>
+          <a:bodyPr/>
+          <a:lstStyle/>
+          <a:p>
+            <a:endParaRPr lang="en-US" dirty="0"/>
+          </a:p>
+        </p:txBody>
+      </p:sp>
+      <p:sp>
+        <p:nvSpPr>
+          <p:cNvPr id="6" name="Slide Number Placeholder 5"/>
+          <p:cNvSpPr>
+            <a:spLocks noGrp="1"/>
+          </p:cNvSpPr>
+          <p:nvPr>
+            <p:ph type="sldNum" sz="quarter" idx="12"/>
+          </p:nvPr>
+        </p:nvSpPr>
+        <p:spPr/>
+        <p:txBody>
+          <a:bodyPr/>
+          <a:lstStyle/>
+          <a:p>
+            <a:fld id="{D57F1E4F-1CFF-5643-939E-217C01CDF565}" type="slidenum">
+              <a:rPr lang="en-US" dirty="0"/>
+              <a:pPr/>
+              <a:t>‹N°›</a:t>
+            </a:fld>
+            <a:endParaRPr lang="en-US" dirty="0"/>
+          </a:p>
+        </p:txBody>
+      </p:sp>
+    </p:spTree>
+    <p:extLst>
+      <p:ext uri="{BB962C8B-B14F-4D97-AF65-F5344CB8AC3E}">
+        <p14:creationId xmlns:p14="http://schemas.microsoft.com/office/powerpoint/2010/main" val="2060749189"/>
+      </p:ext>
+    </p:extLst>
+  </p:cSld>
+  <p:clrMapOvr>
+    <a:masterClrMapping/>
+  </p:clrMapOvr>
+</p:sldLayout>
+</file>
+
+<file path=ppt/slideLayouts/slideLayout11.xml><?xml version="1.0" encoding="utf-8"?>
+<p:sldLayout xmlns:a="http://schemas.openxmlformats.org/drawingml/2006/main" xmlns:r="http://schemas.openxmlformats.org/officeDocument/2006/relationships" xmlns:p="http://schemas.openxmlformats.org/presentationml/2006/main" preserve="1">
+  <p:cSld name="Citation avec légende">
+    <p:spTree>
+      <p:nvGrpSpPr>
+        <p:cNvPr id="1" name=""/>
+        <p:cNvGrpSpPr/>
+        <p:nvPr/>
+      </p:nvGrpSpPr>
+      <p:grpSpPr>
+        <a:xfrm>
+          <a:off x="0" y="0"/>
+          <a:ext cx="0" cy="0"/>
+          <a:chOff x="0" y="0"/>
+          <a:chExt cx="0" cy="0"/>
+        </a:xfrm>
+      </p:grpSpPr>
+      <p:sp>
+        <p:nvSpPr>
+          <p:cNvPr id="2" name="Title 1"/>
+          <p:cNvSpPr>
+            <a:spLocks noGrp="1"/>
+          </p:cNvSpPr>
+          <p:nvPr>
+            <p:ph type="title"/>
+          </p:nvPr>
+        </p:nvSpPr>
+        <p:spPr>
+          <a:xfrm>
+            <a:off x="931334" y="609600"/>
+            <a:ext cx="8094134" cy="3022600"/>
+          </a:xfrm>
+        </p:spPr>
+        <p:txBody>
+          <a:bodyPr anchor="ctr">
+            <a:normAutofit/>
+          </a:bodyPr>
+          <a:lstStyle>
+            <a:lvl1pPr algn="l">
+              <a:defRPr sz="4400" b="0" cap="none"/>
+            </a:lvl1pPr>
+          </a:lstStyle>
+          <a:p>
+            <a:r>
+              <a:rPr lang="fr-FR"/>
+              <a:t>Modifiez le style du titre</a:t>
+            </a:r>
+            <a:endParaRPr lang="en-US" dirty="0"/>
+          </a:p>
+        </p:txBody>
+      </p:sp>
+      <p:sp>
+        <p:nvSpPr>
+          <p:cNvPr id="23" name="Text Placeholder 9"/>
+          <p:cNvSpPr>
+            <a:spLocks noGrp="1"/>
+          </p:cNvSpPr>
+          <p:nvPr>
+            <p:ph type="body" sz="quarter" idx="13"/>
+          </p:nvPr>
+        </p:nvSpPr>
+        <p:spPr>
+          <a:xfrm>
+            <a:off x="1366139" y="3632200"/>
+            <a:ext cx="7224524" cy="381000"/>
+          </a:xfrm>
+        </p:spPr>
+        <p:txBody>
+          <a:bodyPr anchor="ctr">
+            <a:noAutofit/>
+          </a:bodyPr>
+          <a:lstStyle>
+            <a:lvl1pPr marL="0" indent="0">
+              <a:buFontTx/>
+              <a:buNone/>
+              <a:defRPr sz="1600">
+                <a:solidFill>
+                  <a:schemeClr val="tx1">
+                    <a:lumMod val="50000"/>
+                    <a:lumOff val="50000"/>
+                  </a:schemeClr>
+                </a:solidFill>
+              </a:defRPr>
+            </a:lvl1pPr>
+            <a:lvl2pPr marL="457200" indent="0">
+              <a:buFontTx/>
+              <a:buNone/>
+              <a:defRPr/>
+            </a:lvl2pPr>
+            <a:lvl3pPr marL="914400" indent="0">
+              <a:buFontTx/>
+              <a:buNone/>
+              <a:defRPr/>
+            </a:lvl3pPr>
+            <a:lvl4pPr marL="1371600" indent="0">
+              <a:buFontTx/>
+              <a:buNone/>
+              <a:defRPr/>
+            </a:lvl4pPr>
+            <a:lvl5pPr marL="1828800" indent="0">
+              <a:buFontTx/>
+              <a:buNone/>
+              <a:defRPr/>
+            </a:lvl5pPr>
+          </a:lstStyle>
+          <a:p>
+            <a:pPr lvl="0"/>
+            <a:r>
+              <a:rPr lang="fr-FR"/>
+              <a:t>Modifier les styles du texte du masque</a:t>
+            </a:r>
+          </a:p>
+        </p:txBody>
+      </p:sp>
+      <p:sp>
+        <p:nvSpPr>
+          <p:cNvPr id="3" name="Text Placeholder 2"/>
+          <p:cNvSpPr>
+            <a:spLocks noGrp="1"/>
+          </p:cNvSpPr>
+          <p:nvPr>
+            <p:ph type="body" idx="1"/>
+          </p:nvPr>
+        </p:nvSpPr>
+        <p:spPr>
+          <a:xfrm>
+            <a:off x="677335" y="4470400"/>
+            <a:ext cx="8596668" cy="1570962"/>
+          </a:xfrm>
+        </p:spPr>
+        <p:txBody>
+          <a:bodyPr anchor="ctr">
+            <a:normAutofit/>
+          </a:bodyPr>
+          <a:lstStyle>
+            <a:lvl1pPr marL="0" indent="0" algn="l">
+              <a:buNone/>
+              <a:defRPr sz="1800">
+                <a:solidFill>
+                  <a:schemeClr val="tx1">
+                    <a:lumMod val="75000"/>
+                    <a:lumOff val="25000"/>
+                  </a:schemeClr>
+                </a:solidFill>
+              </a:defRPr>
+            </a:lvl1pPr>
+            <a:lvl2pPr marL="457200" indent="0">
+              <a:buNone/>
+              <a:defRPr sz="1800">
+                <a:solidFill>
+                  <a:schemeClr val="tx1">
+                    <a:tint val="75000"/>
+                  </a:schemeClr>
+                </a:solidFill>
+              </a:defRPr>
+            </a:lvl2pPr>
+            <a:lvl3pPr marL="914400" indent="0">
+              <a:buNone/>
+              <a:defRPr sz="1600">
+                <a:solidFill>
+                  <a:schemeClr val="tx1">
+                    <a:tint val="75000"/>
+                  </a:schemeClr>
+                </a:solidFill>
+              </a:defRPr>
+            </a:lvl3pPr>
+            <a:lvl4pPr marL="1371600" indent="0">
+              <a:buNone/>
+              <a:defRPr sz="1400">
+                <a:solidFill>
+                  <a:schemeClr val="tx1">
+                    <a:tint val="75000"/>
+                  </a:schemeClr>
+                </a:solidFill>
+              </a:defRPr>
+            </a:lvl4pPr>
+            <a:lvl5pPr marL="1828800" indent="0">
+              <a:buNone/>
+              <a:defRPr sz="1400">
+                <a:solidFill>
+                  <a:schemeClr val="tx1">
+                    <a:tint val="75000"/>
+                  </a:schemeClr>
+                </a:solidFill>
+              </a:defRPr>
+            </a:lvl5pPr>
+            <a:lvl6pPr marL="2286000" indent="0">
+              <a:buNone/>
+              <a:defRPr sz="1400">
+                <a:solidFill>
+                  <a:schemeClr val="tx1">
+                    <a:tint val="75000"/>
+                  </a:schemeClr>
+                </a:solidFill>
+              </a:defRPr>
+            </a:lvl6pPr>
+            <a:lvl7pPr marL="2743200" indent="0">
+              <a:buNone/>
+              <a:defRPr sz="1400">
+                <a:solidFill>
+                  <a:schemeClr val="tx1">
+                    <a:tint val="75000"/>
+                  </a:schemeClr>
+                </a:solidFill>
+              </a:defRPr>
+            </a:lvl7pPr>
+            <a:lvl8pPr marL="3200400" indent="0">
+              <a:buNone/>
+              <a:defRPr sz="1400">
+                <a:solidFill>
+                  <a:schemeClr val="tx1">
+                    <a:tint val="75000"/>
+                  </a:schemeClr>
+                </a:solidFill>
+              </a:defRPr>
+            </a:lvl8pPr>
+            <a:lvl9pPr marL="3657600" indent="0">
+              <a:buNone/>
+              <a:defRPr sz="1400">
+                <a:solidFill>
+                  <a:schemeClr val="tx1">
+                    <a:tint val="75000"/>
+                  </a:schemeClr>
+                </a:solidFill>
+              </a:defRPr>
+            </a:lvl9pPr>
+          </a:lstStyle>
+          <a:p>
+            <a:pPr lvl="0"/>
+            <a:r>
+              <a:rPr lang="fr-FR"/>
+              <a:t>Modifier les styles du texte du masque</a:t>
+            </a:r>
+          </a:p>
+        </p:txBody>
+      </p:sp>
+      <p:sp>
+        <p:nvSpPr>
+          <p:cNvPr id="4" name="Date Placeholder 3"/>
+          <p:cNvSpPr>
+            <a:spLocks noGrp="1"/>
+          </p:cNvSpPr>
+          <p:nvPr>
+            <p:ph type="dt" sz="half" idx="10"/>
+          </p:nvPr>
+        </p:nvSpPr>
+        <p:spPr/>
+        <p:txBody>
+          <a:bodyPr/>
+          <a:lstStyle/>
+          <a:p>
+            <a:fld id="{B61BEF0D-F0BB-DE4B-95CE-6DB70DBA9567}" type="datetimeFigureOut">
+              <a:rPr lang="en-US" dirty="0"/>
+              <a:pPr/>
+              <a:t>1/13/2019</a:t>
+            </a:fld>
+            <a:endParaRPr lang="en-US" dirty="0"/>
+          </a:p>
+        </p:txBody>
+      </p:sp>
+      <p:sp>
+        <p:nvSpPr>
+          <p:cNvPr id="5" name="Footer Placeholder 4"/>
+          <p:cNvSpPr>
+            <a:spLocks noGrp="1"/>
+          </p:cNvSpPr>
+          <p:nvPr>
+            <p:ph type="ftr" sz="quarter" idx="11"/>
+          </p:nvPr>
+        </p:nvSpPr>
+        <p:spPr/>
+        <p:txBody>
+          <a:bodyPr/>
+          <a:lstStyle/>
+          <a:p>
+            <a:endParaRPr lang="en-US" dirty="0"/>
+          </a:p>
+        </p:txBody>
+      </p:sp>
+      <p:sp>
+        <p:nvSpPr>
+          <p:cNvPr id="6" name="Slide Number Placeholder 5"/>
+          <p:cNvSpPr>
+            <a:spLocks noGrp="1"/>
+          </p:cNvSpPr>
+          <p:nvPr>
+            <p:ph type="sldNum" sz="quarter" idx="12"/>
+          </p:nvPr>
+        </p:nvSpPr>
+        <p:spPr/>
+        <p:txBody>
+          <a:bodyPr/>
+          <a:lstStyle/>
+          <a:p>
+            <a:fld id="{D57F1E4F-1CFF-5643-939E-217C01CDF565}" type="slidenum">
+              <a:rPr lang="en-US" dirty="0"/>
+              <a:pPr/>
+              <a:t>‹N°›</a:t>
+            </a:fld>
+            <a:endParaRPr lang="en-US" dirty="0"/>
+          </a:p>
+        </p:txBody>
+      </p:sp>
+      <p:sp>
+        <p:nvSpPr>
+          <p:cNvPr id="20" name="TextBox 19"/>
+          <p:cNvSpPr txBox="1"/>
+          <p:nvPr/>
+        </p:nvSpPr>
+        <p:spPr>
+          <a:xfrm>
+            <a:off x="541870" y="790378"/>
+            <a:ext cx="609600" cy="584776"/>
+          </a:xfrm>
+          <a:prstGeom prst="rect">
+            <a:avLst/>
+          </a:prstGeom>
+        </p:spPr>
+        <p:txBody>
+          <a:bodyPr vert="horz" lIns="91440" tIns="45720" rIns="91440" bIns="45720" rtlCol="0" anchor="ctr">
+            <a:noAutofit/>
+          </a:bodyPr>
+          <a:lstStyle/>
+          <a:p>
+            <a:pPr lvl="0"/>
+            <a:r>
+              <a:rPr lang="en-US" sz="8000" baseline="0" dirty="0">
+                <a:ln w="3175" cmpd="sng">
+                  <a:noFill/>
+                </a:ln>
+                <a:solidFill>
+                  <a:schemeClr val="accent1">
+                    <a:lumMod val="60000"/>
+                    <a:lumOff val="40000"/>
+                  </a:schemeClr>
+                </a:solidFill>
+                <a:effectLst/>
+                <a:latin typeface="Arial"/>
+              </a:rPr>
+              <a:t>“</a:t>
+            </a:r>
+          </a:p>
+        </p:txBody>
+      </p:sp>
+      <p:sp>
+        <p:nvSpPr>
+          <p:cNvPr id="22" name="TextBox 21"/>
+          <p:cNvSpPr txBox="1"/>
+          <p:nvPr/>
+        </p:nvSpPr>
+        <p:spPr>
+          <a:xfrm>
+            <a:off x="8893011" y="2886556"/>
+            <a:ext cx="609600" cy="584776"/>
+          </a:xfrm>
+          <a:prstGeom prst="rect">
+            <a:avLst/>
+          </a:prstGeom>
+        </p:spPr>
+        <p:txBody>
+          <a:bodyPr vert="horz" lIns="91440" tIns="45720" rIns="91440" bIns="45720" rtlCol="0" anchor="ctr">
+            <a:noAutofit/>
+          </a:bodyPr>
+          <a:lstStyle/>
+          <a:p>
+            <a:pPr lvl="0"/>
+            <a:r>
+              <a:rPr lang="en-US" sz="8000" baseline="0" dirty="0">
+                <a:ln w="3175" cmpd="sng">
+                  <a:noFill/>
+                </a:ln>
+                <a:solidFill>
+                  <a:schemeClr val="accent1">
+                    <a:lumMod val="60000"/>
+                    <a:lumOff val="40000"/>
+                  </a:schemeClr>
+                </a:solidFill>
+                <a:latin typeface="Arial"/>
+              </a:rPr>
+              <a:t>”</a:t>
+            </a:r>
+            <a:endParaRPr lang="en-US" dirty="0">
+              <a:solidFill>
+                <a:schemeClr val="accent1">
+                  <a:lumMod val="60000"/>
+                  <a:lumOff val="40000"/>
+                </a:schemeClr>
+              </a:solidFill>
+              <a:latin typeface="Arial"/>
+            </a:endParaRPr>
+          </a:p>
+        </p:txBody>
+      </p:sp>
+    </p:spTree>
+    <p:extLst>
+      <p:ext uri="{BB962C8B-B14F-4D97-AF65-F5344CB8AC3E}">
+        <p14:creationId xmlns:p14="http://schemas.microsoft.com/office/powerpoint/2010/main" val="2299239886"/>
+      </p:ext>
+    </p:extLst>
+  </p:cSld>
+  <p:clrMapOvr>
+    <a:masterClrMapping/>
+  </p:clrMapOvr>
+</p:sldLayout>
+</file>
+
+<file path=ppt/slideLayouts/slideLayout12.xml><?xml version="1.0" encoding="utf-8"?>
+<p:sldLayout xmlns:a="http://schemas.openxmlformats.org/drawingml/2006/main" xmlns:r="http://schemas.openxmlformats.org/officeDocument/2006/relationships" xmlns:p="http://schemas.openxmlformats.org/presentationml/2006/main" preserve="1">
+  <p:cSld name="Carte nom">
+    <p:spTree>
+      <p:nvGrpSpPr>
+        <p:cNvPr id="1" name=""/>
+        <p:cNvGrpSpPr/>
+        <p:nvPr/>
+      </p:nvGrpSpPr>
+      <p:grpSpPr>
+        <a:xfrm>
+          <a:off x="0" y="0"/>
+          <a:ext cx="0" cy="0"/>
+          <a:chOff x="0" y="0"/>
+          <a:chExt cx="0" cy="0"/>
+        </a:xfrm>
+      </p:grpSpPr>
+      <p:sp>
+        <p:nvSpPr>
+          <p:cNvPr id="2" name="Title 1"/>
+          <p:cNvSpPr>
+            <a:spLocks noGrp="1"/>
+          </p:cNvSpPr>
+          <p:nvPr>
+            <p:ph type="title"/>
+          </p:nvPr>
+        </p:nvSpPr>
+        <p:spPr>
+          <a:xfrm>
+            <a:off x="677335" y="1931988"/>
+            <a:ext cx="8596668" cy="2595460"/>
+          </a:xfrm>
+        </p:spPr>
+        <p:txBody>
+          <a:bodyPr anchor="b">
+            <a:normAutofit/>
+          </a:bodyPr>
+          <a:lstStyle>
+            <a:lvl1pPr algn="l">
+              <a:defRPr sz="4400" b="0" cap="none"/>
+            </a:lvl1pPr>
+          </a:lstStyle>
+          <a:p>
+            <a:r>
+              <a:rPr lang="fr-FR"/>
+              <a:t>Modifiez le style du titre</a:t>
+            </a:r>
+            <a:endParaRPr lang="en-US" dirty="0"/>
+          </a:p>
+        </p:txBody>
+      </p:sp>
+      <p:sp>
+        <p:nvSpPr>
+          <p:cNvPr id="3" name="Text Placeholder 2"/>
+          <p:cNvSpPr>
+            <a:spLocks noGrp="1"/>
+          </p:cNvSpPr>
+          <p:nvPr>
+            <p:ph type="body" idx="1"/>
+          </p:nvPr>
+        </p:nvSpPr>
+        <p:spPr>
+          <a:xfrm>
+            <a:off x="677335" y="4527448"/>
+            <a:ext cx="8596668" cy="1513914"/>
+          </a:xfrm>
+        </p:spPr>
+        <p:txBody>
+          <a:bodyPr anchor="t">
+            <a:normAutofit/>
+          </a:bodyPr>
+          <a:lstStyle>
+            <a:lvl1pPr marL="0" indent="0" algn="l">
+              <a:buNone/>
+              <a:defRPr sz="1800">
+                <a:solidFill>
+                  <a:schemeClr val="tx1">
+                    <a:lumMod val="75000"/>
+                    <a:lumOff val="25000"/>
+                  </a:schemeClr>
+                </a:solidFill>
+              </a:defRPr>
+            </a:lvl1pPr>
+            <a:lvl2pPr marL="457200" indent="0">
+              <a:buNone/>
+              <a:defRPr sz="1800">
+                <a:solidFill>
+                  <a:schemeClr val="tx1">
+                    <a:tint val="75000"/>
+                  </a:schemeClr>
+                </a:solidFill>
+              </a:defRPr>
+            </a:lvl2pPr>
+            <a:lvl3pPr marL="914400" indent="0">
+              <a:buNone/>
+              <a:defRPr sz="1600">
+                <a:solidFill>
+                  <a:schemeClr val="tx1">
+                    <a:tint val="75000"/>
+                  </a:schemeClr>
+                </a:solidFill>
+              </a:defRPr>
+            </a:lvl3pPr>
+            <a:lvl4pPr marL="1371600" indent="0">
+              <a:buNone/>
+              <a:defRPr sz="1400">
+                <a:solidFill>
+                  <a:schemeClr val="tx1">
+                    <a:tint val="75000"/>
+                  </a:schemeClr>
+                </a:solidFill>
+              </a:defRPr>
+            </a:lvl4pPr>
+            <a:lvl5pPr marL="1828800" indent="0">
+              <a:buNone/>
+              <a:defRPr sz="1400">
+                <a:solidFill>
+                  <a:schemeClr val="tx1">
+                    <a:tint val="75000"/>
+                  </a:schemeClr>
+                </a:solidFill>
+              </a:defRPr>
+            </a:lvl5pPr>
+            <a:lvl6pPr marL="2286000" indent="0">
+              <a:buNone/>
+              <a:defRPr sz="1400">
+                <a:solidFill>
+                  <a:schemeClr val="tx1">
+                    <a:tint val="75000"/>
+                  </a:schemeClr>
+                </a:solidFill>
+              </a:defRPr>
+            </a:lvl6pPr>
+            <a:lvl7pPr marL="2743200" indent="0">
+              <a:buNone/>
+              <a:defRPr sz="1400">
+                <a:solidFill>
+                  <a:schemeClr val="tx1">
+                    <a:tint val="75000"/>
+                  </a:schemeClr>
+                </a:solidFill>
+              </a:defRPr>
+            </a:lvl7pPr>
+            <a:lvl8pPr marL="3200400" indent="0">
+              <a:buNone/>
+              <a:defRPr sz="1400">
+                <a:solidFill>
+                  <a:schemeClr val="tx1">
+                    <a:tint val="75000"/>
+                  </a:schemeClr>
+                </a:solidFill>
+              </a:defRPr>
+            </a:lvl8pPr>
+            <a:lvl9pPr marL="3657600" indent="0">
+              <a:buNone/>
+              <a:defRPr sz="1400">
+                <a:solidFill>
+                  <a:schemeClr val="tx1">
+                    <a:tint val="75000"/>
+                  </a:schemeClr>
+                </a:solidFill>
+              </a:defRPr>
+            </a:lvl9pPr>
+          </a:lstStyle>
+          <a:p>
+            <a:pPr lvl="0"/>
+            <a:r>
+              <a:rPr lang="fr-FR"/>
+              <a:t>Modifier les styles du texte du masque</a:t>
+            </a:r>
+          </a:p>
+        </p:txBody>
+      </p:sp>
+      <p:sp>
+        <p:nvSpPr>
+          <p:cNvPr id="4" name="Date Placeholder 3"/>
+          <p:cNvSpPr>
+            <a:spLocks noGrp="1"/>
+          </p:cNvSpPr>
+          <p:nvPr>
+            <p:ph type="dt" sz="half" idx="10"/>
+          </p:nvPr>
+        </p:nvSpPr>
+        <p:spPr/>
+        <p:txBody>
+          <a:bodyPr/>
+          <a:lstStyle/>
+          <a:p>
+            <a:fld id="{B61BEF0D-F0BB-DE4B-95CE-6DB70DBA9567}" type="datetimeFigureOut">
+              <a:rPr lang="en-US" dirty="0"/>
+              <a:pPr/>
+              <a:t>1/13/2019</a:t>
+            </a:fld>
+            <a:endParaRPr lang="en-US" dirty="0"/>
+          </a:p>
+        </p:txBody>
+      </p:sp>
+      <p:sp>
+        <p:nvSpPr>
+          <p:cNvPr id="5" name="Footer Placeholder 4"/>
+          <p:cNvSpPr>
+            <a:spLocks noGrp="1"/>
+          </p:cNvSpPr>
+          <p:nvPr>
+            <p:ph type="ftr" sz="quarter" idx="11"/>
+          </p:nvPr>
+        </p:nvSpPr>
+        <p:spPr/>
+        <p:txBody>
+          <a:bodyPr/>
+          <a:lstStyle/>
+          <a:p>
+            <a:endParaRPr lang="en-US" dirty="0"/>
+          </a:p>
+        </p:txBody>
+      </p:sp>
+      <p:sp>
+        <p:nvSpPr>
+          <p:cNvPr id="6" name="Slide Number Placeholder 5"/>
+          <p:cNvSpPr>
+            <a:spLocks noGrp="1"/>
+          </p:cNvSpPr>
+          <p:nvPr>
+            <p:ph type="sldNum" sz="quarter" idx="12"/>
+          </p:nvPr>
+        </p:nvSpPr>
+        <p:spPr/>
+        <p:txBody>
+          <a:bodyPr/>
+          <a:lstStyle/>
+          <a:p>
+            <a:fld id="{D57F1E4F-1CFF-5643-939E-217C01CDF565}" type="slidenum">
+              <a:rPr lang="en-US" dirty="0"/>
+              <a:pPr/>
+              <a:t>‹N°›</a:t>
+            </a:fld>
+            <a:endParaRPr lang="en-US" dirty="0"/>
+          </a:p>
+        </p:txBody>
+      </p:sp>
+    </p:spTree>
+    <p:extLst>
+      <p:ext uri="{BB962C8B-B14F-4D97-AF65-F5344CB8AC3E}">
+        <p14:creationId xmlns:p14="http://schemas.microsoft.com/office/powerpoint/2010/main" val="442091792"/>
+      </p:ext>
+    </p:extLst>
+  </p:cSld>
+  <p:clrMapOvr>
+    <a:masterClrMapping/>
+  </p:clrMapOvr>
+</p:sldLayout>
+</file>
+
+<file path=ppt/slideLayouts/slideLayout13.xml><?xml version="1.0" encoding="utf-8"?>
+<p:sldLayout xmlns:a="http://schemas.openxmlformats.org/drawingml/2006/main" xmlns:r="http://schemas.openxmlformats.org/officeDocument/2006/relationships" xmlns:p="http://schemas.openxmlformats.org/presentationml/2006/main" preserve="1">
+  <p:cSld name="Carte nom citation">
+    <p:spTree>
+      <p:nvGrpSpPr>
+        <p:cNvPr id="1" name=""/>
+        <p:cNvGrpSpPr/>
+        <p:nvPr/>
+      </p:nvGrpSpPr>
+      <p:grpSpPr>
+        <a:xfrm>
+          <a:off x="0" y="0"/>
+          <a:ext cx="0" cy="0"/>
+          <a:chOff x="0" y="0"/>
+          <a:chExt cx="0" cy="0"/>
+        </a:xfrm>
+      </p:grpSpPr>
+      <p:sp>
+        <p:nvSpPr>
+          <p:cNvPr id="2" name="Title 1"/>
+          <p:cNvSpPr>
+            <a:spLocks noGrp="1"/>
+          </p:cNvSpPr>
+          <p:nvPr>
+            <p:ph type="title"/>
+          </p:nvPr>
+        </p:nvSpPr>
+        <p:spPr>
+          <a:xfrm>
+            <a:off x="931334" y="609600"/>
+            <a:ext cx="8094134" cy="3022600"/>
+          </a:xfrm>
+        </p:spPr>
+        <p:txBody>
+          <a:bodyPr anchor="ctr">
+            <a:normAutofit/>
+          </a:bodyPr>
+          <a:lstStyle>
+            <a:lvl1pPr algn="l">
+              <a:defRPr sz="4400" b="0" cap="none"/>
+            </a:lvl1pPr>
+          </a:lstStyle>
+          <a:p>
+            <a:r>
+              <a:rPr lang="fr-FR"/>
+              <a:t>Modifiez le style du titre</a:t>
+            </a:r>
+            <a:endParaRPr lang="en-US" dirty="0"/>
+          </a:p>
+        </p:txBody>
+      </p:sp>
+      <p:sp>
+        <p:nvSpPr>
+          <p:cNvPr id="23" name="Text Placeholder 9"/>
+          <p:cNvSpPr>
+            <a:spLocks noGrp="1"/>
+          </p:cNvSpPr>
+          <p:nvPr>
+            <p:ph type="body" sz="quarter" idx="13"/>
+          </p:nvPr>
+        </p:nvSpPr>
+        <p:spPr>
+          <a:xfrm>
+            <a:off x="677332" y="4013200"/>
+            <a:ext cx="8596669" cy="514248"/>
+          </a:xfrm>
+        </p:spPr>
+        <p:txBody>
+          <a:bodyPr anchor="b">
+            <a:noAutofit/>
+          </a:bodyPr>
+          <a:lstStyle>
+            <a:lvl1pPr marL="0" indent="0">
+              <a:buFontTx/>
+              <a:buNone/>
+              <a:defRPr sz="2400">
+                <a:solidFill>
+                  <a:schemeClr val="tx1">
+                    <a:lumMod val="75000"/>
+                    <a:lumOff val="25000"/>
+                  </a:schemeClr>
+                </a:solidFill>
+              </a:defRPr>
+            </a:lvl1pPr>
+            <a:lvl2pPr marL="457200" indent="0">
+              <a:buFontTx/>
+              <a:buNone/>
+              <a:defRPr/>
+            </a:lvl2pPr>
+            <a:lvl3pPr marL="914400" indent="0">
+              <a:buFontTx/>
+              <a:buNone/>
+              <a:defRPr/>
+            </a:lvl3pPr>
+            <a:lvl4pPr marL="1371600" indent="0">
+              <a:buFontTx/>
+              <a:buNone/>
+              <a:defRPr/>
+            </a:lvl4pPr>
+            <a:lvl5pPr marL="1828800" indent="0">
+              <a:buFontTx/>
+              <a:buNone/>
+              <a:defRPr/>
+            </a:lvl5pPr>
+          </a:lstStyle>
+          <a:p>
+            <a:pPr lvl="0"/>
+            <a:r>
+              <a:rPr lang="fr-FR"/>
+              <a:t>Modifier les styles du texte du masque</a:t>
+            </a:r>
+          </a:p>
+        </p:txBody>
+      </p:sp>
+      <p:sp>
+        <p:nvSpPr>
+          <p:cNvPr id="3" name="Text Placeholder 2"/>
+          <p:cNvSpPr>
+            <a:spLocks noGrp="1"/>
+          </p:cNvSpPr>
+          <p:nvPr>
+            <p:ph type="body" idx="1"/>
+          </p:nvPr>
+        </p:nvSpPr>
+        <p:spPr>
+          <a:xfrm>
+            <a:off x="677335" y="4527448"/>
+            <a:ext cx="8596668" cy="1513914"/>
+          </a:xfrm>
+        </p:spPr>
+        <p:txBody>
+          <a:bodyPr anchor="t">
+            <a:normAutofit/>
+          </a:bodyPr>
+          <a:lstStyle>
+            <a:lvl1pPr marL="0" indent="0" algn="l">
+              <a:buNone/>
+              <a:defRPr sz="1800">
+                <a:solidFill>
+                  <a:schemeClr val="tx1">
+                    <a:lumMod val="50000"/>
+                    <a:lumOff val="50000"/>
+                  </a:schemeClr>
+                </a:solidFill>
+              </a:defRPr>
+            </a:lvl1pPr>
+            <a:lvl2pPr marL="457200" indent="0">
+              <a:buNone/>
+              <a:defRPr sz="1800">
+                <a:solidFill>
+                  <a:schemeClr val="tx1">
+                    <a:tint val="75000"/>
+                  </a:schemeClr>
+                </a:solidFill>
+              </a:defRPr>
+            </a:lvl2pPr>
+            <a:lvl3pPr marL="914400" indent="0">
+              <a:buNone/>
+              <a:defRPr sz="1600">
+                <a:solidFill>
+                  <a:schemeClr val="tx1">
+                    <a:tint val="75000"/>
+                  </a:schemeClr>
+                </a:solidFill>
+              </a:defRPr>
+            </a:lvl3pPr>
+            <a:lvl4pPr marL="1371600" indent="0">
+              <a:buNone/>
+              <a:defRPr sz="1400">
+                <a:solidFill>
+                  <a:schemeClr val="tx1">
+                    <a:tint val="75000"/>
+                  </a:schemeClr>
+                </a:solidFill>
+              </a:defRPr>
+            </a:lvl4pPr>
+            <a:lvl5pPr marL="1828800" indent="0">
+              <a:buNone/>
+              <a:defRPr sz="1400">
+                <a:solidFill>
+                  <a:schemeClr val="tx1">
+                    <a:tint val="75000"/>
+                  </a:schemeClr>
+                </a:solidFill>
+              </a:defRPr>
+            </a:lvl5pPr>
+            <a:lvl6pPr marL="2286000" indent="0">
+              <a:buNone/>
+              <a:defRPr sz="1400">
+                <a:solidFill>
+                  <a:schemeClr val="tx1">
+                    <a:tint val="75000"/>
+                  </a:schemeClr>
+                </a:solidFill>
+              </a:defRPr>
+            </a:lvl6pPr>
+            <a:lvl7pPr marL="2743200" indent="0">
+              <a:buNone/>
+              <a:defRPr sz="1400">
+                <a:solidFill>
+                  <a:schemeClr val="tx1">
+                    <a:tint val="75000"/>
+                  </a:schemeClr>
+                </a:solidFill>
+              </a:defRPr>
+            </a:lvl7pPr>
+            <a:lvl8pPr marL="3200400" indent="0">
+              <a:buNone/>
+              <a:defRPr sz="1400">
+                <a:solidFill>
+                  <a:schemeClr val="tx1">
+                    <a:tint val="75000"/>
+                  </a:schemeClr>
+                </a:solidFill>
+              </a:defRPr>
+            </a:lvl8pPr>
+            <a:lvl9pPr marL="3657600" indent="0">
+              <a:buNone/>
+              <a:defRPr sz="1400">
+                <a:solidFill>
+                  <a:schemeClr val="tx1">
+                    <a:tint val="75000"/>
+                  </a:schemeClr>
+                </a:solidFill>
+              </a:defRPr>
+            </a:lvl9pPr>
+          </a:lstStyle>
+          <a:p>
+            <a:pPr lvl="0"/>
+            <a:r>
+              <a:rPr lang="fr-FR"/>
+              <a:t>Modifier les styles du texte du masque</a:t>
+            </a:r>
+          </a:p>
+        </p:txBody>
+      </p:sp>
+      <p:sp>
+        <p:nvSpPr>
+          <p:cNvPr id="4" name="Date Placeholder 3"/>
+          <p:cNvSpPr>
+            <a:spLocks noGrp="1"/>
+          </p:cNvSpPr>
+          <p:nvPr>
+            <p:ph type="dt" sz="half" idx="10"/>
+          </p:nvPr>
+        </p:nvSpPr>
+        <p:spPr/>
+        <p:txBody>
+          <a:bodyPr/>
+          <a:lstStyle/>
+          <a:p>
+            <a:fld id="{B61BEF0D-F0BB-DE4B-95CE-6DB70DBA9567}" type="datetimeFigureOut">
+              <a:rPr lang="en-US" dirty="0"/>
+              <a:pPr/>
+              <a:t>1/13/2019</a:t>
+            </a:fld>
+            <a:endParaRPr lang="en-US" dirty="0"/>
+          </a:p>
+        </p:txBody>
+      </p:sp>
+      <p:sp>
+        <p:nvSpPr>
+          <p:cNvPr id="5" name="Footer Placeholder 4"/>
+          <p:cNvSpPr>
+            <a:spLocks noGrp="1"/>
+          </p:cNvSpPr>
+          <p:nvPr>
+            <p:ph type="ftr" sz="quarter" idx="11"/>
+          </p:nvPr>
+        </p:nvSpPr>
+        <p:spPr/>
+        <p:txBody>
+          <a:bodyPr/>
+          <a:lstStyle/>
+          <a:p>
+            <a:endParaRPr lang="en-US" dirty="0"/>
+          </a:p>
+        </p:txBody>
+      </p:sp>
+      <p:sp>
+        <p:nvSpPr>
+          <p:cNvPr id="6" name="Slide Number Placeholder 5"/>
+          <p:cNvSpPr>
+            <a:spLocks noGrp="1"/>
+          </p:cNvSpPr>
+          <p:nvPr>
+            <p:ph type="sldNum" sz="quarter" idx="12"/>
+          </p:nvPr>
+        </p:nvSpPr>
+        <p:spPr/>
+        <p:txBody>
+          <a:bodyPr/>
+          <a:lstStyle/>
+          <a:p>
+            <a:fld id="{D57F1E4F-1CFF-5643-939E-217C01CDF565}" type="slidenum">
+              <a:rPr lang="en-US" dirty="0"/>
+              <a:pPr/>
+              <a:t>‹N°›</a:t>
+            </a:fld>
+            <a:endParaRPr lang="en-US" dirty="0"/>
+          </a:p>
+        </p:txBody>
+      </p:sp>
+      <p:sp>
+        <p:nvSpPr>
+          <p:cNvPr id="24" name="TextBox 23"/>
+          <p:cNvSpPr txBox="1"/>
+          <p:nvPr/>
+        </p:nvSpPr>
+        <p:spPr>
+          <a:xfrm>
+            <a:off x="541870" y="790378"/>
+            <a:ext cx="609600" cy="584776"/>
+          </a:xfrm>
+          <a:prstGeom prst="rect">
+            <a:avLst/>
+          </a:prstGeom>
+        </p:spPr>
+        <p:txBody>
+          <a:bodyPr vert="horz" lIns="91440" tIns="45720" rIns="91440" bIns="45720" rtlCol="0" anchor="ctr">
+            <a:noAutofit/>
+          </a:bodyPr>
+          <a:lstStyle/>
+          <a:p>
+            <a:pPr lvl="0"/>
+            <a:r>
+              <a:rPr lang="en-US" sz="8000" baseline="0" dirty="0">
+                <a:ln w="3175" cmpd="sng">
+                  <a:noFill/>
+                </a:ln>
+                <a:solidFill>
+                  <a:schemeClr val="accent1">
+                    <a:lumMod val="60000"/>
+                    <a:lumOff val="40000"/>
+                  </a:schemeClr>
+                </a:solidFill>
+                <a:effectLst/>
+                <a:latin typeface="Arial"/>
+              </a:rPr>
+              <a:t>“</a:t>
+            </a:r>
+          </a:p>
+        </p:txBody>
+      </p:sp>
+      <p:sp>
+        <p:nvSpPr>
+          <p:cNvPr id="25" name="TextBox 24"/>
+          <p:cNvSpPr txBox="1"/>
+          <p:nvPr/>
+        </p:nvSpPr>
+        <p:spPr>
+          <a:xfrm>
+            <a:off x="8893011" y="2886556"/>
+            <a:ext cx="609600" cy="584776"/>
+          </a:xfrm>
+          <a:prstGeom prst="rect">
+            <a:avLst/>
+          </a:prstGeom>
+        </p:spPr>
+        <p:txBody>
+          <a:bodyPr vert="horz" lIns="91440" tIns="45720" rIns="91440" bIns="45720" rtlCol="0" anchor="ctr">
+            <a:noAutofit/>
+          </a:bodyPr>
+          <a:lstStyle/>
+          <a:p>
+            <a:pPr lvl="0"/>
+            <a:r>
+              <a:rPr lang="en-US" sz="8000" baseline="0" dirty="0">
+                <a:ln w="3175" cmpd="sng">
+                  <a:noFill/>
+                </a:ln>
+                <a:solidFill>
+                  <a:schemeClr val="accent1">
+                    <a:lumMod val="60000"/>
+                    <a:lumOff val="40000"/>
+                  </a:schemeClr>
+                </a:solidFill>
+                <a:effectLst/>
+                <a:latin typeface="Arial"/>
+              </a:rPr>
+              <a:t>”</a:t>
+            </a:r>
+          </a:p>
+        </p:txBody>
+      </p:sp>
+    </p:spTree>
+    <p:extLst>
+      <p:ext uri="{BB962C8B-B14F-4D97-AF65-F5344CB8AC3E}">
+        <p14:creationId xmlns:p14="http://schemas.microsoft.com/office/powerpoint/2010/main" val="3844785419"/>
+      </p:ext>
+    </p:extLst>
+  </p:cSld>
+  <p:clrMapOvr>
+    <a:masterClrMapping/>
+  </p:clrMapOvr>
+</p:sldLayout>
+</file>
+
+<file path=ppt/slideLayouts/slideLayout14.xml><?xml version="1.0" encoding="utf-8"?>
+<p:sldLayout xmlns:a="http://schemas.openxmlformats.org/drawingml/2006/main" xmlns:r="http://schemas.openxmlformats.org/officeDocument/2006/relationships" xmlns:p="http://schemas.openxmlformats.org/presentationml/2006/main" preserve="1">
+  <p:cSld name="Vrai ou faux">
+    <p:spTree>
+      <p:nvGrpSpPr>
+        <p:cNvPr id="1" name=""/>
+        <p:cNvGrpSpPr/>
+        <p:nvPr/>
+      </p:nvGrpSpPr>
+      <p:grpSpPr>
+        <a:xfrm>
+          <a:off x="0" y="0"/>
+          <a:ext cx="0" cy="0"/>
+          <a:chOff x="0" y="0"/>
+          <a:chExt cx="0" cy="0"/>
+        </a:xfrm>
+      </p:grpSpPr>
+      <p:sp>
+        <p:nvSpPr>
+          <p:cNvPr id="2" name="Title 1"/>
+          <p:cNvSpPr>
+            <a:spLocks noGrp="1"/>
+          </p:cNvSpPr>
+          <p:nvPr>
+            <p:ph type="title"/>
+          </p:nvPr>
+        </p:nvSpPr>
+        <p:spPr>
+          <a:xfrm>
+            <a:off x="685799" y="609600"/>
+            <a:ext cx="8588203" cy="3022600"/>
+          </a:xfrm>
+        </p:spPr>
+        <p:txBody>
+          <a:bodyPr anchor="ctr">
+            <a:normAutofit/>
+          </a:bodyPr>
+          <a:lstStyle>
+            <a:lvl1pPr algn="l">
+              <a:defRPr sz="4400" b="0" cap="none"/>
+            </a:lvl1pPr>
+          </a:lstStyle>
+          <a:p>
+            <a:r>
+              <a:rPr lang="fr-FR"/>
+              <a:t>Modifiez le style du titre</a:t>
+            </a:r>
+            <a:endParaRPr lang="en-US" dirty="0"/>
+          </a:p>
+        </p:txBody>
+      </p:sp>
+      <p:sp>
+        <p:nvSpPr>
+          <p:cNvPr id="23" name="Text Placeholder 9"/>
+          <p:cNvSpPr>
+            <a:spLocks noGrp="1"/>
+          </p:cNvSpPr>
+          <p:nvPr>
+            <p:ph type="body" sz="quarter" idx="13"/>
+          </p:nvPr>
+        </p:nvSpPr>
+        <p:spPr>
+          <a:xfrm>
+            <a:off x="677332" y="4013200"/>
+            <a:ext cx="8596669" cy="514248"/>
+          </a:xfrm>
+        </p:spPr>
+        <p:txBody>
+          <a:bodyPr anchor="b">
+            <a:noAutofit/>
+          </a:bodyPr>
+          <a:lstStyle>
+            <a:lvl1pPr marL="0" indent="0">
+              <a:buFontTx/>
+              <a:buNone/>
+              <a:defRPr sz="2400">
+                <a:solidFill>
+                  <a:schemeClr val="accent1"/>
+                </a:solidFill>
+              </a:defRPr>
+            </a:lvl1pPr>
+            <a:lvl2pPr marL="457200" indent="0">
+              <a:buFontTx/>
+              <a:buNone/>
+              <a:defRPr/>
+            </a:lvl2pPr>
+            <a:lvl3pPr marL="914400" indent="0">
+              <a:buFontTx/>
+              <a:buNone/>
+              <a:defRPr/>
+            </a:lvl3pPr>
+            <a:lvl4pPr marL="1371600" indent="0">
+              <a:buFontTx/>
+              <a:buNone/>
+              <a:defRPr/>
+            </a:lvl4pPr>
+            <a:lvl5pPr marL="1828800" indent="0">
+              <a:buFontTx/>
+              <a:buNone/>
+              <a:defRPr/>
+            </a:lvl5pPr>
+          </a:lstStyle>
+          <a:p>
+            <a:pPr lvl="0"/>
+            <a:r>
+              <a:rPr lang="fr-FR"/>
+              <a:t>Modifier les styles du texte du masque</a:t>
+            </a:r>
+          </a:p>
+        </p:txBody>
+      </p:sp>
+      <p:sp>
+        <p:nvSpPr>
+          <p:cNvPr id="3" name="Text Placeholder 2"/>
+          <p:cNvSpPr>
+            <a:spLocks noGrp="1"/>
+          </p:cNvSpPr>
+          <p:nvPr>
+            <p:ph type="body" idx="1"/>
+          </p:nvPr>
+        </p:nvSpPr>
+        <p:spPr>
+          <a:xfrm>
+            <a:off x="677335" y="4527448"/>
+            <a:ext cx="8596668" cy="1513914"/>
+          </a:xfrm>
+        </p:spPr>
+        <p:txBody>
+          <a:bodyPr anchor="t">
+            <a:normAutofit/>
+          </a:bodyPr>
+          <a:lstStyle>
+            <a:lvl1pPr marL="0" indent="0" algn="l">
+              <a:buNone/>
+              <a:defRPr sz="1800">
+                <a:solidFill>
+                  <a:schemeClr val="tx1">
+                    <a:lumMod val="50000"/>
+                    <a:lumOff val="50000"/>
+                  </a:schemeClr>
+                </a:solidFill>
+              </a:defRPr>
+            </a:lvl1pPr>
+            <a:lvl2pPr marL="457200" indent="0">
+              <a:buNone/>
+              <a:defRPr sz="1800">
+                <a:solidFill>
+                  <a:schemeClr val="tx1">
+                    <a:tint val="75000"/>
+                  </a:schemeClr>
+                </a:solidFill>
+              </a:defRPr>
+            </a:lvl2pPr>
+            <a:lvl3pPr marL="914400" indent="0">
+              <a:buNone/>
+              <a:defRPr sz="1600">
+                <a:solidFill>
+                  <a:schemeClr val="tx1">
+                    <a:tint val="75000"/>
+                  </a:schemeClr>
+                </a:solidFill>
+              </a:defRPr>
+            </a:lvl3pPr>
+            <a:lvl4pPr marL="1371600" indent="0">
+              <a:buNone/>
+              <a:defRPr sz="1400">
+                <a:solidFill>
+                  <a:schemeClr val="tx1">
+                    <a:tint val="75000"/>
+                  </a:schemeClr>
+                </a:solidFill>
+              </a:defRPr>
+            </a:lvl4pPr>
+            <a:lvl5pPr marL="1828800" indent="0">
+              <a:buNone/>
+              <a:defRPr sz="1400">
+                <a:solidFill>
+                  <a:schemeClr val="tx1">
+                    <a:tint val="75000"/>
+                  </a:schemeClr>
+                </a:solidFill>
+              </a:defRPr>
+            </a:lvl5pPr>
+            <a:lvl6pPr marL="2286000" indent="0">
+              <a:buNone/>
+              <a:defRPr sz="1400">
+                <a:solidFill>
+                  <a:schemeClr val="tx1">
+                    <a:tint val="75000"/>
+                  </a:schemeClr>
+                </a:solidFill>
+              </a:defRPr>
+            </a:lvl6pPr>
+            <a:lvl7pPr marL="2743200" indent="0">
+              <a:buNone/>
+              <a:defRPr sz="1400">
+                <a:solidFill>
+                  <a:schemeClr val="tx1">
+                    <a:tint val="75000"/>
+                  </a:schemeClr>
+                </a:solidFill>
+              </a:defRPr>
+            </a:lvl7pPr>
+            <a:lvl8pPr marL="3200400" indent="0">
+              <a:buNone/>
+              <a:defRPr sz="1400">
+                <a:solidFill>
+                  <a:schemeClr val="tx1">
+                    <a:tint val="75000"/>
+                  </a:schemeClr>
+                </a:solidFill>
+              </a:defRPr>
+            </a:lvl8pPr>
+            <a:lvl9pPr marL="3657600" indent="0">
+              <a:buNone/>
+              <a:defRPr sz="1400">
+                <a:solidFill>
+                  <a:schemeClr val="tx1">
+                    <a:tint val="75000"/>
+                  </a:schemeClr>
+                </a:solidFill>
+              </a:defRPr>
+            </a:lvl9pPr>
+          </a:lstStyle>
+          <a:p>
+            <a:pPr lvl="0"/>
+            <a:r>
+              <a:rPr lang="fr-FR"/>
+              <a:t>Modifier les styles du texte du masque</a:t>
+            </a:r>
+          </a:p>
+        </p:txBody>
+      </p:sp>
+      <p:sp>
+        <p:nvSpPr>
+          <p:cNvPr id="4" name="Date Placeholder 3"/>
+          <p:cNvSpPr>
+            <a:spLocks noGrp="1"/>
+          </p:cNvSpPr>
+          <p:nvPr>
+            <p:ph type="dt" sz="half" idx="10"/>
+          </p:nvPr>
+        </p:nvSpPr>
+        <p:spPr/>
+        <p:txBody>
+          <a:bodyPr/>
+          <a:lstStyle/>
+          <a:p>
+            <a:fld id="{B61BEF0D-F0BB-DE4B-95CE-6DB70DBA9567}" type="datetimeFigureOut">
+              <a:rPr lang="en-US" dirty="0"/>
+              <a:pPr/>
+              <a:t>1/13/2019</a:t>
+            </a:fld>
+            <a:endParaRPr lang="en-US" dirty="0"/>
+          </a:p>
+        </p:txBody>
+      </p:sp>
+      <p:sp>
+        <p:nvSpPr>
+          <p:cNvPr id="5" name="Footer Placeholder 4"/>
+          <p:cNvSpPr>
+            <a:spLocks noGrp="1"/>
+          </p:cNvSpPr>
+          <p:nvPr>
+            <p:ph type="ftr" sz="quarter" idx="11"/>
+          </p:nvPr>
+        </p:nvSpPr>
+        <p:spPr/>
+        <p:txBody>
+          <a:bodyPr/>
+          <a:lstStyle/>
+          <a:p>
+            <a:endParaRPr lang="en-US" dirty="0"/>
+          </a:p>
+        </p:txBody>
+      </p:sp>
+      <p:sp>
+        <p:nvSpPr>
+          <p:cNvPr id="6" name="Slide Number Placeholder 5"/>
+          <p:cNvSpPr>
+            <a:spLocks noGrp="1"/>
+          </p:cNvSpPr>
+          <p:nvPr>
+            <p:ph type="sldNum" sz="quarter" idx="12"/>
+          </p:nvPr>
+        </p:nvSpPr>
+        <p:spPr/>
+        <p:txBody>
+          <a:bodyPr/>
+          <a:lstStyle/>
+          <a:p>
+            <a:fld id="{D57F1E4F-1CFF-5643-939E-217C01CDF565}" type="slidenum">
+              <a:rPr lang="en-US" dirty="0"/>
+              <a:pPr/>
+              <a:t>‹N°›</a:t>
+            </a:fld>
+            <a:endParaRPr lang="en-US" dirty="0"/>
+          </a:p>
+        </p:txBody>
+      </p:sp>
+    </p:spTree>
+    <p:extLst>
+      <p:ext uri="{BB962C8B-B14F-4D97-AF65-F5344CB8AC3E}">
+        <p14:creationId xmlns:p14="http://schemas.microsoft.com/office/powerpoint/2010/main" val="3800116094"/>
+      </p:ext>
+    </p:extLst>
+  </p:cSld>
+  <p:clrMapOvr>
+    <a:masterClrMapping/>
+  </p:clrMapOvr>
+</p:sldLayout>
+</file>
+
+<file path=ppt/slideLayouts/slideLayout15.xml><?xml version="1.0" encoding="utf-8"?>
 <p:sldLayout xmlns:a="http://schemas.openxmlformats.org/drawingml/2006/main" xmlns:r="http://schemas.openxmlformats.org/officeDocument/2006/relationships" xmlns:p="http://schemas.openxmlformats.org/presentationml/2006/main" type="vertTx" preserve="1">
   <p:cSld name="Titre et texte vertical">
     <p:spTree>
@@ -348,13 +2547,7 @@
       </p:grpSpPr>
       <p:sp>
         <p:nvSpPr>
-          <p:cNvPr id="2" name="Titre 1">
-            <a:extLst>
-              <a:ext uri="{FF2B5EF4-FFF2-40B4-BE49-F238E27FC236}">
-                <a16:creationId xmlns:a16="http://schemas.microsoft.com/office/drawing/2014/main" id="{2F22CB27-0E44-490C-95FB-BE968EFD05B9}"/>
-              </a:ext>
-            </a:extLst>
-          </p:cNvPr>
+          <p:cNvPr id="2" name="Title 1"/>
           <p:cNvSpPr>
             <a:spLocks noGrp="1"/>
           </p:cNvSpPr>
@@ -371,19 +2564,13 @@
               <a:rPr lang="fr-FR"/>
               <a:t>Modifiez le style du titre</a:t>
             </a:r>
-            <a:endParaRPr lang="en-GB"/>
-          </a:p>
-        </p:txBody>
-      </p:sp>
-      <p:sp>
-        <p:nvSpPr>
-          <p:cNvPr id="3" name="Espace réservé du texte vertical 2">
-            <a:extLst>
-              <a:ext uri="{FF2B5EF4-FFF2-40B4-BE49-F238E27FC236}">
-                <a16:creationId xmlns:a16="http://schemas.microsoft.com/office/drawing/2014/main" id="{53AB701F-449A-4588-9886-819738B4AB8F}"/>
-              </a:ext>
-            </a:extLst>
-          </p:cNvPr>
+            <a:endParaRPr lang="en-US" dirty="0"/>
+          </a:p>
+        </p:txBody>
+      </p:sp>
+      <p:sp>
+        <p:nvSpPr>
+          <p:cNvPr id="3" name="Vertical Text Placeholder 2"/>
           <p:cNvSpPr>
             <a:spLocks noGrp="1"/>
           </p:cNvSpPr>
@@ -429,19 +2616,13 @@
               <a:rPr lang="fr-FR"/>
               <a:t>Cinquième niveau</a:t>
             </a:r>
-            <a:endParaRPr lang="en-GB"/>
-          </a:p>
-        </p:txBody>
-      </p:sp>
-      <p:sp>
-        <p:nvSpPr>
-          <p:cNvPr id="4" name="Espace réservé de la date 3">
-            <a:extLst>
-              <a:ext uri="{FF2B5EF4-FFF2-40B4-BE49-F238E27FC236}">
-                <a16:creationId xmlns:a16="http://schemas.microsoft.com/office/drawing/2014/main" id="{87F51077-BBF3-4ED7-8D96-B6B516062B93}"/>
-              </a:ext>
-            </a:extLst>
-          </p:cNvPr>
+            <a:endParaRPr lang="en-US" dirty="0"/>
+          </a:p>
+        </p:txBody>
+      </p:sp>
+      <p:sp>
+        <p:nvSpPr>
+          <p:cNvPr id="4" name="Date Placeholder 3"/>
           <p:cNvSpPr>
             <a:spLocks noGrp="1"/>
           </p:cNvSpPr>
@@ -454,23 +2635,17 @@
           <a:bodyPr/>
           <a:lstStyle/>
           <a:p>
-            <a:fld id="{B157BCDE-2F30-4221-9502-D38802CDED20}" type="datetimeFigureOut">
-              <a:rPr lang="en-GB" smtClean="0"/>
-              <a:t>11/01/2019</a:t>
+            <a:fld id="{55C6B4A9-1611-4792-9094-5F34BCA07E0B}" type="datetimeFigureOut">
+              <a:rPr lang="en-US" dirty="0"/>
+              <a:t>1/13/2019</a:t>
             </a:fld>
-            <a:endParaRPr lang="en-GB"/>
-          </a:p>
-        </p:txBody>
-      </p:sp>
-      <p:sp>
-        <p:nvSpPr>
-          <p:cNvPr id="5" name="Espace réservé du pied de page 4">
-            <a:extLst>
-              <a:ext uri="{FF2B5EF4-FFF2-40B4-BE49-F238E27FC236}">
-                <a16:creationId xmlns:a16="http://schemas.microsoft.com/office/drawing/2014/main" id="{553A4C8B-B815-437F-8D9B-CA159499CB41}"/>
-              </a:ext>
-            </a:extLst>
-          </p:cNvPr>
+            <a:endParaRPr lang="en-US" dirty="0"/>
+          </a:p>
+        </p:txBody>
+      </p:sp>
+      <p:sp>
+        <p:nvSpPr>
+          <p:cNvPr id="5" name="Footer Placeholder 4"/>
           <p:cNvSpPr>
             <a:spLocks noGrp="1"/>
           </p:cNvSpPr>
@@ -483,19 +2658,13 @@
           <a:bodyPr/>
           <a:lstStyle/>
           <a:p>
-            <a:endParaRPr lang="en-GB"/>
-          </a:p>
-        </p:txBody>
-      </p:sp>
-      <p:sp>
-        <p:nvSpPr>
-          <p:cNvPr id="6" name="Espace réservé du numéro de diapositive 5">
-            <a:extLst>
-              <a:ext uri="{FF2B5EF4-FFF2-40B4-BE49-F238E27FC236}">
-                <a16:creationId xmlns:a16="http://schemas.microsoft.com/office/drawing/2014/main" id="{4331F0E6-86B6-41FC-B1B1-769579C4F52A}"/>
-              </a:ext>
-            </a:extLst>
-          </p:cNvPr>
+            <a:endParaRPr lang="en-US" dirty="0"/>
+          </a:p>
+        </p:txBody>
+      </p:sp>
+      <p:sp>
+        <p:nvSpPr>
+          <p:cNvPr id="6" name="Slide Number Placeholder 5"/>
           <p:cNvSpPr>
             <a:spLocks noGrp="1"/>
           </p:cNvSpPr>
@@ -508,18 +2677,18 @@
           <a:bodyPr/>
           <a:lstStyle/>
           <a:p>
-            <a:fld id="{1D5F62B4-F5A1-45C6-B17A-BAFED77DDBA3}" type="slidenum">
-              <a:rPr lang="en-GB" smtClean="0"/>
+            <a:fld id="{89333C77-0158-454C-844F-B7AB9BD7DAD4}" type="slidenum">
+              <a:rPr lang="en-US" dirty="0"/>
               <a:t>‹N°›</a:t>
             </a:fld>
-            <a:endParaRPr lang="en-GB"/>
+            <a:endParaRPr lang="en-US" dirty="0"/>
           </a:p>
         </p:txBody>
       </p:sp>
     </p:spTree>
     <p:extLst>
       <p:ext uri="{BB962C8B-B14F-4D97-AF65-F5344CB8AC3E}">
-        <p14:creationId xmlns:p14="http://schemas.microsoft.com/office/powerpoint/2010/main" val="724240500"/>
+        <p14:creationId xmlns:p14="http://schemas.microsoft.com/office/powerpoint/2010/main" val="1259353320"/>
       </p:ext>
     </p:extLst>
   </p:cSld>
@@ -529,7 +2698,7 @@
 </p:sldLayout>
 </file>
 
-<file path=ppt/slideLayouts/slideLayout11.xml><?xml version="1.0" encoding="utf-8"?>
+<file path=ppt/slideLayouts/slideLayout16.xml><?xml version="1.0" encoding="utf-8"?>
 <p:sldLayout xmlns:a="http://schemas.openxmlformats.org/drawingml/2006/main" xmlns:r="http://schemas.openxmlformats.org/officeDocument/2006/relationships" xmlns:p="http://schemas.openxmlformats.org/presentationml/2006/main" type="vertTitleAndTx" preserve="1">
   <p:cSld name="Titre vertical et texte">
     <p:spTree>
@@ -548,13 +2717,7 @@
       </p:grpSpPr>
       <p:sp>
         <p:nvSpPr>
-          <p:cNvPr id="2" name="Titre vertical 1">
-            <a:extLst>
-              <a:ext uri="{FF2B5EF4-FFF2-40B4-BE49-F238E27FC236}">
-                <a16:creationId xmlns:a16="http://schemas.microsoft.com/office/drawing/2014/main" id="{EDD2F8BD-F6BD-453F-B83B-73A23CD64710}"/>
-              </a:ext>
-            </a:extLst>
-          </p:cNvPr>
+          <p:cNvPr id="2" name="Vertical Title 1"/>
           <p:cNvSpPr>
             <a:spLocks noGrp="1"/>
           </p:cNvSpPr>
@@ -564,31 +2727,25 @@
         </p:nvSpPr>
         <p:spPr>
           <a:xfrm>
-            <a:off x="8724900" y="365125"/>
-            <a:ext cx="2628900" cy="5811838"/>
+            <a:off x="7967673" y="609599"/>
+            <a:ext cx="1304743" cy="5251451"/>
           </a:xfrm>
         </p:spPr>
         <p:txBody>
-          <a:bodyPr vert="eaVert"/>
+          <a:bodyPr vert="eaVert" anchor="ctr"/>
           <a:lstStyle/>
           <a:p>
             <a:r>
               <a:rPr lang="fr-FR"/>
               <a:t>Modifiez le style du titre</a:t>
             </a:r>
-            <a:endParaRPr lang="en-GB"/>
-          </a:p>
-        </p:txBody>
-      </p:sp>
-      <p:sp>
-        <p:nvSpPr>
-          <p:cNvPr id="3" name="Espace réservé du texte vertical 2">
-            <a:extLst>
-              <a:ext uri="{FF2B5EF4-FFF2-40B4-BE49-F238E27FC236}">
-                <a16:creationId xmlns:a16="http://schemas.microsoft.com/office/drawing/2014/main" id="{9FB14045-E032-4024-BF66-A967D7200FD6}"/>
-              </a:ext>
-            </a:extLst>
-          </p:cNvPr>
+            <a:endParaRPr lang="en-US" dirty="0"/>
+          </a:p>
+        </p:txBody>
+      </p:sp>
+      <p:sp>
+        <p:nvSpPr>
+          <p:cNvPr id="3" name="Vertical Text Placeholder 2"/>
           <p:cNvSpPr>
             <a:spLocks noGrp="1"/>
           </p:cNvSpPr>
@@ -598,8 +2755,8 @@
         </p:nvSpPr>
         <p:spPr>
           <a:xfrm>
-            <a:off x="838200" y="365125"/>
-            <a:ext cx="7734300" cy="5811838"/>
+            <a:off x="677335" y="609600"/>
+            <a:ext cx="7060150" cy="5251450"/>
           </a:xfrm>
         </p:spPr>
         <p:txBody>
@@ -639,19 +2796,13 @@
               <a:rPr lang="fr-FR"/>
               <a:t>Cinquième niveau</a:t>
             </a:r>
-            <a:endParaRPr lang="en-GB"/>
-          </a:p>
-        </p:txBody>
-      </p:sp>
-      <p:sp>
-        <p:nvSpPr>
-          <p:cNvPr id="4" name="Espace réservé de la date 3">
-            <a:extLst>
-              <a:ext uri="{FF2B5EF4-FFF2-40B4-BE49-F238E27FC236}">
-                <a16:creationId xmlns:a16="http://schemas.microsoft.com/office/drawing/2014/main" id="{DB5DDC6D-5BA7-418E-BF00-ABCDD3DCD155}"/>
-              </a:ext>
-            </a:extLst>
-          </p:cNvPr>
+            <a:endParaRPr lang="en-US" dirty="0"/>
+          </a:p>
+        </p:txBody>
+      </p:sp>
+      <p:sp>
+        <p:nvSpPr>
+          <p:cNvPr id="4" name="Date Placeholder 3"/>
           <p:cNvSpPr>
             <a:spLocks noGrp="1"/>
           </p:cNvSpPr>
@@ -664,23 +2815,18 @@
           <a:bodyPr/>
           <a:lstStyle/>
           <a:p>
-            <a:fld id="{B157BCDE-2F30-4221-9502-D38802CDED20}" type="datetimeFigureOut">
-              <a:rPr lang="en-GB" smtClean="0"/>
-              <a:t>11/01/2019</a:t>
+            <a:fld id="{B61BEF0D-F0BB-DE4B-95CE-6DB70DBA9567}" type="datetimeFigureOut">
+              <a:rPr lang="en-US" dirty="0"/>
+              <a:pPr/>
+              <a:t>1/13/2019</a:t>
             </a:fld>
-            <a:endParaRPr lang="en-GB"/>
-          </a:p>
-        </p:txBody>
-      </p:sp>
-      <p:sp>
-        <p:nvSpPr>
-          <p:cNvPr id="5" name="Espace réservé du pied de page 4">
-            <a:extLst>
-              <a:ext uri="{FF2B5EF4-FFF2-40B4-BE49-F238E27FC236}">
-                <a16:creationId xmlns:a16="http://schemas.microsoft.com/office/drawing/2014/main" id="{502ACAF2-F475-48F2-85EC-9B693D6B6D09}"/>
-              </a:ext>
-            </a:extLst>
-          </p:cNvPr>
+            <a:endParaRPr lang="en-US" dirty="0"/>
+          </a:p>
+        </p:txBody>
+      </p:sp>
+      <p:sp>
+        <p:nvSpPr>
+          <p:cNvPr id="5" name="Footer Placeholder 4"/>
           <p:cNvSpPr>
             <a:spLocks noGrp="1"/>
           </p:cNvSpPr>
@@ -693,19 +2839,13 @@
           <a:bodyPr/>
           <a:lstStyle/>
           <a:p>
-            <a:endParaRPr lang="en-GB"/>
-          </a:p>
-        </p:txBody>
-      </p:sp>
-      <p:sp>
-        <p:nvSpPr>
-          <p:cNvPr id="6" name="Espace réservé du numéro de diapositive 5">
-            <a:extLst>
-              <a:ext uri="{FF2B5EF4-FFF2-40B4-BE49-F238E27FC236}">
-                <a16:creationId xmlns:a16="http://schemas.microsoft.com/office/drawing/2014/main" id="{475D7BF6-008D-4DEE-AA4E-511494AE5C75}"/>
-              </a:ext>
-            </a:extLst>
-          </p:cNvPr>
+            <a:endParaRPr lang="en-US" dirty="0"/>
+          </a:p>
+        </p:txBody>
+      </p:sp>
+      <p:sp>
+        <p:nvSpPr>
+          <p:cNvPr id="6" name="Slide Number Placeholder 5"/>
           <p:cNvSpPr>
             <a:spLocks noGrp="1"/>
           </p:cNvSpPr>
@@ -718,18 +2858,19 @@
           <a:bodyPr/>
           <a:lstStyle/>
           <a:p>
-            <a:fld id="{1D5F62B4-F5A1-45C6-B17A-BAFED77DDBA3}" type="slidenum">
-              <a:rPr lang="en-GB" smtClean="0"/>
+            <a:fld id="{D57F1E4F-1CFF-5643-939E-217C01CDF565}" type="slidenum">
+              <a:rPr lang="en-US" dirty="0"/>
+              <a:pPr/>
               <a:t>‹N°›</a:t>
             </a:fld>
-            <a:endParaRPr lang="en-GB"/>
+            <a:endParaRPr lang="en-US" dirty="0"/>
           </a:p>
         </p:txBody>
       </p:sp>
     </p:spTree>
     <p:extLst>
       <p:ext uri="{BB962C8B-B14F-4D97-AF65-F5344CB8AC3E}">
-        <p14:creationId xmlns:p14="http://schemas.microsoft.com/office/powerpoint/2010/main" val="3600937589"/>
+        <p14:creationId xmlns:p14="http://schemas.microsoft.com/office/powerpoint/2010/main" val="2249176472"/>
       </p:ext>
     </p:extLst>
   </p:cSld>
@@ -758,13 +2899,7 @@
       </p:grpSpPr>
       <p:sp>
         <p:nvSpPr>
-          <p:cNvPr id="2" name="Titre 1">
-            <a:extLst>
-              <a:ext uri="{FF2B5EF4-FFF2-40B4-BE49-F238E27FC236}">
-                <a16:creationId xmlns:a16="http://schemas.microsoft.com/office/drawing/2014/main" id="{58883C12-7BAB-44FE-8799-8B1788B33429}"/>
-              </a:ext>
-            </a:extLst>
-          </p:cNvPr>
+          <p:cNvPr id="2" name="Title 1"/>
           <p:cNvSpPr>
             <a:spLocks noGrp="1"/>
           </p:cNvSpPr>
@@ -774,26 +2909,26 @@
         </p:nvSpPr>
         <p:spPr/>
         <p:txBody>
-          <a:bodyPr/>
-          <a:lstStyle/>
+          <a:bodyPr>
+            <a:normAutofit/>
+          </a:bodyPr>
+          <a:lstStyle>
+            <a:lvl1pPr>
+              <a:defRPr sz="3600"/>
+            </a:lvl1pPr>
+          </a:lstStyle>
           <a:p>
             <a:r>
               <a:rPr lang="fr-FR"/>
               <a:t>Modifiez le style du titre</a:t>
             </a:r>
-            <a:endParaRPr lang="en-GB"/>
-          </a:p>
-        </p:txBody>
-      </p:sp>
-      <p:sp>
-        <p:nvSpPr>
-          <p:cNvPr id="3" name="Espace réservé du contenu 2">
-            <a:extLst>
-              <a:ext uri="{FF2B5EF4-FFF2-40B4-BE49-F238E27FC236}">
-                <a16:creationId xmlns:a16="http://schemas.microsoft.com/office/drawing/2014/main" id="{E301685C-D067-4A77-ADB4-3DC9E35DA47D}"/>
-              </a:ext>
-            </a:extLst>
-          </p:cNvPr>
+            <a:endParaRPr lang="en-US" dirty="0"/>
+          </a:p>
+        </p:txBody>
+      </p:sp>
+      <p:sp>
+        <p:nvSpPr>
+          <p:cNvPr id="3" name="Content Placeholder 2"/>
           <p:cNvSpPr>
             <a:spLocks noGrp="1"/>
           </p:cNvSpPr>
@@ -839,19 +2974,13 @@
               <a:rPr lang="fr-FR"/>
               <a:t>Cinquième niveau</a:t>
             </a:r>
-            <a:endParaRPr lang="en-GB"/>
-          </a:p>
-        </p:txBody>
-      </p:sp>
-      <p:sp>
-        <p:nvSpPr>
-          <p:cNvPr id="4" name="Espace réservé de la date 3">
-            <a:extLst>
-              <a:ext uri="{FF2B5EF4-FFF2-40B4-BE49-F238E27FC236}">
-                <a16:creationId xmlns:a16="http://schemas.microsoft.com/office/drawing/2014/main" id="{52D6CE16-1AB7-41C1-A405-6621FCD19770}"/>
-              </a:ext>
-            </a:extLst>
-          </p:cNvPr>
+            <a:endParaRPr lang="en-US" dirty="0"/>
+          </a:p>
+        </p:txBody>
+      </p:sp>
+      <p:sp>
+        <p:nvSpPr>
+          <p:cNvPr id="4" name="Date Placeholder 3"/>
           <p:cNvSpPr>
             <a:spLocks noGrp="1"/>
           </p:cNvSpPr>
@@ -864,23 +2993,18 @@
           <a:bodyPr/>
           <a:lstStyle/>
           <a:p>
-            <a:fld id="{B157BCDE-2F30-4221-9502-D38802CDED20}" type="datetimeFigureOut">
-              <a:rPr lang="en-GB" smtClean="0"/>
-              <a:t>11/01/2019</a:t>
+            <a:fld id="{B61BEF0D-F0BB-DE4B-95CE-6DB70DBA9567}" type="datetimeFigureOut">
+              <a:rPr lang="en-US" dirty="0"/>
+              <a:pPr/>
+              <a:t>1/13/2019</a:t>
             </a:fld>
-            <a:endParaRPr lang="en-GB"/>
-          </a:p>
-        </p:txBody>
-      </p:sp>
-      <p:sp>
-        <p:nvSpPr>
-          <p:cNvPr id="5" name="Espace réservé du pied de page 4">
-            <a:extLst>
-              <a:ext uri="{FF2B5EF4-FFF2-40B4-BE49-F238E27FC236}">
-                <a16:creationId xmlns:a16="http://schemas.microsoft.com/office/drawing/2014/main" id="{BDBA050C-02D1-4A24-A9FB-61FC247C20B3}"/>
-              </a:ext>
-            </a:extLst>
-          </p:cNvPr>
+            <a:endParaRPr lang="en-US" dirty="0"/>
+          </a:p>
+        </p:txBody>
+      </p:sp>
+      <p:sp>
+        <p:nvSpPr>
+          <p:cNvPr id="5" name="Footer Placeholder 4"/>
           <p:cNvSpPr>
             <a:spLocks noGrp="1"/>
           </p:cNvSpPr>
@@ -893,19 +3017,13 @@
           <a:bodyPr/>
           <a:lstStyle/>
           <a:p>
-            <a:endParaRPr lang="en-GB"/>
-          </a:p>
-        </p:txBody>
-      </p:sp>
-      <p:sp>
-        <p:nvSpPr>
-          <p:cNvPr id="6" name="Espace réservé du numéro de diapositive 5">
-            <a:extLst>
-              <a:ext uri="{FF2B5EF4-FFF2-40B4-BE49-F238E27FC236}">
-                <a16:creationId xmlns:a16="http://schemas.microsoft.com/office/drawing/2014/main" id="{4C69429C-9441-4FA5-B318-1DDA688F463F}"/>
-              </a:ext>
-            </a:extLst>
-          </p:cNvPr>
+            <a:endParaRPr lang="en-US" dirty="0"/>
+          </a:p>
+        </p:txBody>
+      </p:sp>
+      <p:sp>
+        <p:nvSpPr>
+          <p:cNvPr id="6" name="Slide Number Placeholder 5"/>
           <p:cNvSpPr>
             <a:spLocks noGrp="1"/>
           </p:cNvSpPr>
@@ -918,18 +3036,19 @@
           <a:bodyPr/>
           <a:lstStyle/>
           <a:p>
-            <a:fld id="{1D5F62B4-F5A1-45C6-B17A-BAFED77DDBA3}" type="slidenum">
-              <a:rPr lang="en-GB" smtClean="0"/>
+            <a:fld id="{D57F1E4F-1CFF-5643-939E-217C01CDF565}" type="slidenum">
+              <a:rPr lang="en-US" dirty="0"/>
+              <a:pPr/>
               <a:t>‹N°›</a:t>
             </a:fld>
-            <a:endParaRPr lang="en-GB"/>
+            <a:endParaRPr lang="en-US" dirty="0"/>
           </a:p>
         </p:txBody>
       </p:sp>
     </p:spTree>
     <p:extLst>
       <p:ext uri="{BB962C8B-B14F-4D97-AF65-F5344CB8AC3E}">
-        <p14:creationId xmlns:p14="http://schemas.microsoft.com/office/powerpoint/2010/main" val="1012624103"/>
+        <p14:creationId xmlns:p14="http://schemas.microsoft.com/office/powerpoint/2010/main" val="1651592070"/>
       </p:ext>
     </p:extLst>
   </p:cSld>
@@ -958,13 +3077,7 @@
       </p:grpSpPr>
       <p:sp>
         <p:nvSpPr>
-          <p:cNvPr id="2" name="Titre 1">
-            <a:extLst>
-              <a:ext uri="{FF2B5EF4-FFF2-40B4-BE49-F238E27FC236}">
-                <a16:creationId xmlns:a16="http://schemas.microsoft.com/office/drawing/2014/main" id="{21FE1DE9-9EAA-4D33-ACF9-B0116972D467}"/>
-              </a:ext>
-            </a:extLst>
-          </p:cNvPr>
+          <p:cNvPr id="2" name="Title 1"/>
           <p:cNvSpPr>
             <a:spLocks noGrp="1"/>
           </p:cNvSpPr>
@@ -974,15 +3087,15 @@
         </p:nvSpPr>
         <p:spPr>
           <a:xfrm>
-            <a:off x="831850" y="1709738"/>
-            <a:ext cx="10515600" cy="2852737"/>
+            <a:off x="677335" y="2700867"/>
+            <a:ext cx="8596668" cy="1826581"/>
           </a:xfrm>
         </p:spPr>
         <p:txBody>
           <a:bodyPr anchor="b"/>
           <a:lstStyle>
-            <a:lvl1pPr>
-              <a:defRPr sz="6000"/>
+            <a:lvl1pPr algn="l">
+              <a:defRPr sz="4000" b="0" cap="none"/>
             </a:lvl1pPr>
           </a:lstStyle>
           <a:p>
@@ -990,19 +3103,13 @@
               <a:rPr lang="fr-FR"/>
               <a:t>Modifiez le style du titre</a:t>
             </a:r>
-            <a:endParaRPr lang="en-GB"/>
-          </a:p>
-        </p:txBody>
-      </p:sp>
-      <p:sp>
-        <p:nvSpPr>
-          <p:cNvPr id="3" name="Espace réservé du texte 2">
-            <a:extLst>
-              <a:ext uri="{FF2B5EF4-FFF2-40B4-BE49-F238E27FC236}">
-                <a16:creationId xmlns:a16="http://schemas.microsoft.com/office/drawing/2014/main" id="{3437CA40-F64C-4512-A22C-A9AB4F80B7B9}"/>
-              </a:ext>
-            </a:extLst>
-          </p:cNvPr>
+            <a:endParaRPr lang="en-US" dirty="0"/>
+          </a:p>
+        </p:txBody>
+      </p:sp>
+      <p:sp>
+        <p:nvSpPr>
+          <p:cNvPr id="3" name="Text Placeholder 2"/>
           <p:cNvSpPr>
             <a:spLocks noGrp="1"/>
           </p:cNvSpPr>
@@ -1012,102 +3119,103 @@
         </p:nvSpPr>
         <p:spPr>
           <a:xfrm>
-            <a:off x="831850" y="4589463"/>
-            <a:ext cx="10515600" cy="1500187"/>
+            <a:off x="677335" y="4527448"/>
+            <a:ext cx="8596668" cy="860400"/>
           </a:xfrm>
         </p:spPr>
         <p:txBody>
-          <a:bodyPr/>
+          <a:bodyPr anchor="t"/>
           <a:lstStyle>
-            <a:lvl1pPr marL="0" indent="0">
-              <a:buNone/>
-              <a:defRPr sz="2400">
+            <a:lvl1pPr marL="0" indent="0" algn="l">
+              <a:buNone/>
+              <a:defRPr sz="2000">
+                <a:solidFill>
+                  <a:schemeClr val="tx1">
+                    <a:lumMod val="50000"/>
+                    <a:lumOff val="50000"/>
+                  </a:schemeClr>
+                </a:solidFill>
+              </a:defRPr>
+            </a:lvl1pPr>
+            <a:lvl2pPr marL="457200" indent="0">
+              <a:buNone/>
+              <a:defRPr sz="1800">
                 <a:solidFill>
                   <a:schemeClr val="tx1">
                     <a:tint val="75000"/>
                   </a:schemeClr>
                 </a:solidFill>
               </a:defRPr>
-            </a:lvl1pPr>
-            <a:lvl2pPr marL="457200" indent="0">
-              <a:buNone/>
-              <a:defRPr sz="2000">
+            </a:lvl2pPr>
+            <a:lvl3pPr marL="914400" indent="0">
+              <a:buNone/>
+              <a:defRPr sz="1600">
                 <a:solidFill>
                   <a:schemeClr val="tx1">
                     <a:tint val="75000"/>
                   </a:schemeClr>
                 </a:solidFill>
               </a:defRPr>
-            </a:lvl2pPr>
-            <a:lvl3pPr marL="914400" indent="0">
-              <a:buNone/>
-              <a:defRPr sz="1800">
+            </a:lvl3pPr>
+            <a:lvl4pPr marL="1371600" indent="0">
+              <a:buNone/>
+              <a:defRPr sz="1400">
                 <a:solidFill>
                   <a:schemeClr val="tx1">
                     <a:tint val="75000"/>
                   </a:schemeClr>
                 </a:solidFill>
               </a:defRPr>
-            </a:lvl3pPr>
-            <a:lvl4pPr marL="1371600" indent="0">
-              <a:buNone/>
-              <a:defRPr sz="1600">
+            </a:lvl4pPr>
+            <a:lvl5pPr marL="1828800" indent="0">
+              <a:buNone/>
+              <a:defRPr sz="1400">
                 <a:solidFill>
                   <a:schemeClr val="tx1">
                     <a:tint val="75000"/>
                   </a:schemeClr>
                 </a:solidFill>
               </a:defRPr>
-            </a:lvl4pPr>
-            <a:lvl5pPr marL="1828800" indent="0">
-              <a:buNone/>
-              <a:defRPr sz="1600">
+            </a:lvl5pPr>
+            <a:lvl6pPr marL="2286000" indent="0">
+              <a:buNone/>
+              <a:defRPr sz="1400">
                 <a:solidFill>
                   <a:schemeClr val="tx1">
                     <a:tint val="75000"/>
                   </a:schemeClr>
                 </a:solidFill>
               </a:defRPr>
-            </a:lvl5pPr>
-            <a:lvl6pPr marL="2286000" indent="0">
-              <a:buNone/>
-              <a:defRPr sz="1600">
+            </a:lvl6pPr>
+            <a:lvl7pPr marL="2743200" indent="0">
+              <a:buNone/>
+              <a:defRPr sz="1400">
                 <a:solidFill>
                   <a:schemeClr val="tx1">
                     <a:tint val="75000"/>
                   </a:schemeClr>
                 </a:solidFill>
               </a:defRPr>
-            </a:lvl6pPr>
-            <a:lvl7pPr marL="2743200" indent="0">
-              <a:buNone/>
-              <a:defRPr sz="1600">
+            </a:lvl7pPr>
+            <a:lvl8pPr marL="3200400" indent="0">
+              <a:buNone/>
+              <a:defRPr sz="1400">
                 <a:solidFill>
                   <a:schemeClr val="tx1">
                     <a:tint val="75000"/>
                   </a:schemeClr>
                 </a:solidFill>
               </a:defRPr>
-            </a:lvl7pPr>
-            <a:lvl8pPr marL="3200400" indent="0">
-              <a:buNone/>
-              <a:defRPr sz="1600">
+            </a:lvl8pPr>
+            <a:lvl9pPr marL="3657600" indent="0">
+              <a:buNone/>
+              <a:defRPr sz="1400">
                 <a:solidFill>
                   <a:schemeClr val="tx1">
                     <a:tint val="75000"/>
                   </a:schemeClr>
                 </a:solidFill>
               </a:defRPr>
-            </a:lvl8pPr>
-            <a:lvl9pPr marL="3657600" indent="0">
-              <a:buNone/>
-              <a:defRPr sz="1600">
-                <a:solidFill>
-                  <a:schemeClr val="tx1">
-                    <a:tint val="75000"/>
-                  </a:schemeClr>
-                </a:solidFill>
-              </a:defRPr>
             </a:lvl9pPr>
           </a:lstStyle>
           <a:p>
@@ -1121,13 +3229,7 @@
       </p:sp>
       <p:sp>
         <p:nvSpPr>
-          <p:cNvPr id="4" name="Espace réservé de la date 3">
-            <a:extLst>
-              <a:ext uri="{FF2B5EF4-FFF2-40B4-BE49-F238E27FC236}">
-                <a16:creationId xmlns:a16="http://schemas.microsoft.com/office/drawing/2014/main" id="{98EE0134-C5DC-42B0-8F78-D30D9B4B7840}"/>
-              </a:ext>
-            </a:extLst>
-          </p:cNvPr>
+          <p:cNvPr id="4" name="Date Placeholder 3"/>
           <p:cNvSpPr>
             <a:spLocks noGrp="1"/>
           </p:cNvSpPr>
@@ -1140,23 +3242,18 @@
           <a:bodyPr/>
           <a:lstStyle/>
           <a:p>
-            <a:fld id="{B157BCDE-2F30-4221-9502-D38802CDED20}" type="datetimeFigureOut">
-              <a:rPr lang="en-GB" smtClean="0"/>
-              <a:t>11/01/2019</a:t>
+            <a:fld id="{B61BEF0D-F0BB-DE4B-95CE-6DB70DBA9567}" type="datetimeFigureOut">
+              <a:rPr lang="en-US" dirty="0"/>
+              <a:pPr/>
+              <a:t>1/13/2019</a:t>
             </a:fld>
-            <a:endParaRPr lang="en-GB"/>
-          </a:p>
-        </p:txBody>
-      </p:sp>
-      <p:sp>
-        <p:nvSpPr>
-          <p:cNvPr id="5" name="Espace réservé du pied de page 4">
-            <a:extLst>
-              <a:ext uri="{FF2B5EF4-FFF2-40B4-BE49-F238E27FC236}">
-                <a16:creationId xmlns:a16="http://schemas.microsoft.com/office/drawing/2014/main" id="{3F9888B6-8B6A-4084-80DA-D6FCA74799F6}"/>
-              </a:ext>
-            </a:extLst>
-          </p:cNvPr>
+            <a:endParaRPr lang="en-US" dirty="0"/>
+          </a:p>
+        </p:txBody>
+      </p:sp>
+      <p:sp>
+        <p:nvSpPr>
+          <p:cNvPr id="5" name="Footer Placeholder 4"/>
           <p:cNvSpPr>
             <a:spLocks noGrp="1"/>
           </p:cNvSpPr>
@@ -1169,19 +3266,13 @@
           <a:bodyPr/>
           <a:lstStyle/>
           <a:p>
-            <a:endParaRPr lang="en-GB"/>
-          </a:p>
-        </p:txBody>
-      </p:sp>
-      <p:sp>
-        <p:nvSpPr>
-          <p:cNvPr id="6" name="Espace réservé du numéro de diapositive 5">
-            <a:extLst>
-              <a:ext uri="{FF2B5EF4-FFF2-40B4-BE49-F238E27FC236}">
-                <a16:creationId xmlns:a16="http://schemas.microsoft.com/office/drawing/2014/main" id="{8ED39792-CDA0-459F-9012-B4678BB95EA1}"/>
-              </a:ext>
-            </a:extLst>
-          </p:cNvPr>
+            <a:endParaRPr lang="en-US" dirty="0"/>
+          </a:p>
+        </p:txBody>
+      </p:sp>
+      <p:sp>
+        <p:nvSpPr>
+          <p:cNvPr id="6" name="Slide Number Placeholder 5"/>
           <p:cNvSpPr>
             <a:spLocks noGrp="1"/>
           </p:cNvSpPr>
@@ -1194,18 +3285,19 @@
           <a:bodyPr/>
           <a:lstStyle/>
           <a:p>
-            <a:fld id="{1D5F62B4-F5A1-45C6-B17A-BAFED77DDBA3}" type="slidenum">
-              <a:rPr lang="en-GB" smtClean="0"/>
+            <a:fld id="{D57F1E4F-1CFF-5643-939E-217C01CDF565}" type="slidenum">
+              <a:rPr lang="en-US" dirty="0"/>
+              <a:pPr/>
               <a:t>‹N°›</a:t>
             </a:fld>
-            <a:endParaRPr lang="en-GB"/>
+            <a:endParaRPr lang="en-US" dirty="0"/>
           </a:p>
         </p:txBody>
       </p:sp>
     </p:spTree>
     <p:extLst>
       <p:ext uri="{BB962C8B-B14F-4D97-AF65-F5344CB8AC3E}">
-        <p14:creationId xmlns:p14="http://schemas.microsoft.com/office/powerpoint/2010/main" val="3555793360"/>
+        <p14:creationId xmlns:p14="http://schemas.microsoft.com/office/powerpoint/2010/main" val="3832378220"/>
       </p:ext>
     </p:extLst>
   </p:cSld>
@@ -1234,13 +3326,7 @@
       </p:grpSpPr>
       <p:sp>
         <p:nvSpPr>
-          <p:cNvPr id="2" name="Titre 1">
-            <a:extLst>
-              <a:ext uri="{FF2B5EF4-FFF2-40B4-BE49-F238E27FC236}">
-                <a16:creationId xmlns:a16="http://schemas.microsoft.com/office/drawing/2014/main" id="{3F0263C8-1DA5-41BF-A904-B96FC9D76632}"/>
-              </a:ext>
-            </a:extLst>
-          </p:cNvPr>
+          <p:cNvPr id="2" name="Title 1"/>
           <p:cNvSpPr>
             <a:spLocks noGrp="1"/>
           </p:cNvSpPr>
@@ -1257,19 +3343,13 @@
               <a:rPr lang="fr-FR"/>
               <a:t>Modifiez le style du titre</a:t>
             </a:r>
-            <a:endParaRPr lang="en-GB"/>
-          </a:p>
-        </p:txBody>
-      </p:sp>
-      <p:sp>
-        <p:nvSpPr>
-          <p:cNvPr id="3" name="Espace réservé du contenu 2">
-            <a:extLst>
-              <a:ext uri="{FF2B5EF4-FFF2-40B4-BE49-F238E27FC236}">
-                <a16:creationId xmlns:a16="http://schemas.microsoft.com/office/drawing/2014/main" id="{6BD6E276-5874-4B87-BC9F-92C31EB8768F}"/>
-              </a:ext>
-            </a:extLst>
-          </p:cNvPr>
+            <a:endParaRPr lang="en-US" dirty="0"/>
+          </a:p>
+        </p:txBody>
+      </p:sp>
+      <p:sp>
+        <p:nvSpPr>
+          <p:cNvPr id="3" name="Content Placeholder 2"/>
           <p:cNvSpPr>
             <a:spLocks noGrp="1"/>
           </p:cNvSpPr>
@@ -1279,8 +3359,8 @@
         </p:nvSpPr>
         <p:spPr>
           <a:xfrm>
-            <a:off x="838200" y="1825625"/>
-            <a:ext cx="5181600" cy="4351338"/>
+            <a:off x="677334" y="2160589"/>
+            <a:ext cx="4184035" cy="3880772"/>
           </a:xfrm>
         </p:spPr>
         <p:txBody>
@@ -1320,19 +3400,13 @@
               <a:rPr lang="fr-FR"/>
               <a:t>Cinquième niveau</a:t>
             </a:r>
-            <a:endParaRPr lang="en-GB"/>
-          </a:p>
-        </p:txBody>
-      </p:sp>
-      <p:sp>
-        <p:nvSpPr>
-          <p:cNvPr id="4" name="Espace réservé du contenu 3">
-            <a:extLst>
-              <a:ext uri="{FF2B5EF4-FFF2-40B4-BE49-F238E27FC236}">
-                <a16:creationId xmlns:a16="http://schemas.microsoft.com/office/drawing/2014/main" id="{5A09657B-B066-4DE0-AAB0-C22402AC4042}"/>
-              </a:ext>
-            </a:extLst>
-          </p:cNvPr>
+            <a:endParaRPr lang="en-US" dirty="0"/>
+          </a:p>
+        </p:txBody>
+      </p:sp>
+      <p:sp>
+        <p:nvSpPr>
+          <p:cNvPr id="4" name="Content Placeholder 3"/>
           <p:cNvSpPr>
             <a:spLocks noGrp="1"/>
           </p:cNvSpPr>
@@ -1342,8 +3416,8 @@
         </p:nvSpPr>
         <p:spPr>
           <a:xfrm>
-            <a:off x="6172200" y="1825625"/>
-            <a:ext cx="5181600" cy="4351338"/>
+            <a:off x="5089970" y="2160589"/>
+            <a:ext cx="4184034" cy="3880773"/>
           </a:xfrm>
         </p:spPr>
         <p:txBody>
@@ -1383,19 +3457,13 @@
               <a:rPr lang="fr-FR"/>
               <a:t>Cinquième niveau</a:t>
             </a:r>
-            <a:endParaRPr lang="en-GB"/>
-          </a:p>
-        </p:txBody>
-      </p:sp>
-      <p:sp>
-        <p:nvSpPr>
-          <p:cNvPr id="5" name="Espace réservé de la date 4">
-            <a:extLst>
-              <a:ext uri="{FF2B5EF4-FFF2-40B4-BE49-F238E27FC236}">
-                <a16:creationId xmlns:a16="http://schemas.microsoft.com/office/drawing/2014/main" id="{C5C1A2D1-A94B-4829-B689-3ABB65AFC136}"/>
-              </a:ext>
-            </a:extLst>
-          </p:cNvPr>
+            <a:endParaRPr lang="en-US" dirty="0"/>
+          </a:p>
+        </p:txBody>
+      </p:sp>
+      <p:sp>
+        <p:nvSpPr>
+          <p:cNvPr id="5" name="Date Placeholder 4"/>
           <p:cNvSpPr>
             <a:spLocks noGrp="1"/>
           </p:cNvSpPr>
@@ -1408,23 +3476,17 @@
           <a:bodyPr/>
           <a:lstStyle/>
           <a:p>
-            <a:fld id="{B157BCDE-2F30-4221-9502-D38802CDED20}" type="datetimeFigureOut">
-              <a:rPr lang="en-GB" smtClean="0"/>
-              <a:t>11/01/2019</a:t>
+            <a:fld id="{EB712588-04B1-427B-82EE-E8DB90309F08}" type="datetimeFigureOut">
+              <a:rPr lang="en-US" dirty="0"/>
+              <a:t>1/13/2019</a:t>
             </a:fld>
-            <a:endParaRPr lang="en-GB"/>
-          </a:p>
-        </p:txBody>
-      </p:sp>
-      <p:sp>
-        <p:nvSpPr>
-          <p:cNvPr id="6" name="Espace réservé du pied de page 5">
-            <a:extLst>
-              <a:ext uri="{FF2B5EF4-FFF2-40B4-BE49-F238E27FC236}">
-                <a16:creationId xmlns:a16="http://schemas.microsoft.com/office/drawing/2014/main" id="{C27838DA-CF39-4D5B-936E-39CA5664EC0F}"/>
-              </a:ext>
-            </a:extLst>
-          </p:cNvPr>
+            <a:endParaRPr lang="en-US" dirty="0"/>
+          </a:p>
+        </p:txBody>
+      </p:sp>
+      <p:sp>
+        <p:nvSpPr>
+          <p:cNvPr id="6" name="Footer Placeholder 5"/>
           <p:cNvSpPr>
             <a:spLocks noGrp="1"/>
           </p:cNvSpPr>
@@ -1437,19 +3499,13 @@
           <a:bodyPr/>
           <a:lstStyle/>
           <a:p>
-            <a:endParaRPr lang="en-GB"/>
-          </a:p>
-        </p:txBody>
-      </p:sp>
-      <p:sp>
-        <p:nvSpPr>
-          <p:cNvPr id="7" name="Espace réservé du numéro de diapositive 6">
-            <a:extLst>
-              <a:ext uri="{FF2B5EF4-FFF2-40B4-BE49-F238E27FC236}">
-                <a16:creationId xmlns:a16="http://schemas.microsoft.com/office/drawing/2014/main" id="{E41CB9EF-530B-4164-8F39-B3D06DD98C94}"/>
-              </a:ext>
-            </a:extLst>
-          </p:cNvPr>
+            <a:endParaRPr lang="en-US" dirty="0"/>
+          </a:p>
+        </p:txBody>
+      </p:sp>
+      <p:sp>
+        <p:nvSpPr>
+          <p:cNvPr id="7" name="Slide Number Placeholder 6"/>
           <p:cNvSpPr>
             <a:spLocks noGrp="1"/>
           </p:cNvSpPr>
@@ -1462,18 +3518,18 @@
           <a:bodyPr/>
           <a:lstStyle/>
           <a:p>
-            <a:fld id="{1D5F62B4-F5A1-45C6-B17A-BAFED77DDBA3}" type="slidenum">
-              <a:rPr lang="en-GB" smtClean="0"/>
+            <a:fld id="{6FF9F0C5-380F-41C2-899A-BAC0F0927E16}" type="slidenum">
+              <a:rPr lang="en-US" dirty="0"/>
               <a:t>‹N°›</a:t>
             </a:fld>
-            <a:endParaRPr lang="en-GB"/>
+            <a:endParaRPr lang="en-US" dirty="0"/>
           </a:p>
         </p:txBody>
       </p:sp>
     </p:spTree>
     <p:extLst>
       <p:ext uri="{BB962C8B-B14F-4D97-AF65-F5344CB8AC3E}">
-        <p14:creationId xmlns:p14="http://schemas.microsoft.com/office/powerpoint/2010/main" val="2542519829"/>
+        <p14:creationId xmlns:p14="http://schemas.microsoft.com/office/powerpoint/2010/main" val="3187310358"/>
       </p:ext>
     </p:extLst>
   </p:cSld>
@@ -1502,66 +3558,55 @@
       </p:grpSpPr>
       <p:sp>
         <p:nvSpPr>
-          <p:cNvPr id="2" name="Titre 1">
-            <a:extLst>
-              <a:ext uri="{FF2B5EF4-FFF2-40B4-BE49-F238E27FC236}">
-                <a16:creationId xmlns:a16="http://schemas.microsoft.com/office/drawing/2014/main" id="{443F1061-67E8-443D-A7B3-56E57E06419B}"/>
-              </a:ext>
-            </a:extLst>
-          </p:cNvPr>
+          <p:cNvPr id="2" name="Title 1"/>
           <p:cNvSpPr>
             <a:spLocks noGrp="1"/>
           </p:cNvSpPr>
           <p:nvPr>
             <p:ph type="title"/>
+          </p:nvPr>
+        </p:nvSpPr>
+        <p:spPr/>
+        <p:txBody>
+          <a:bodyPr/>
+          <a:lstStyle>
+            <a:lvl1pPr>
+              <a:defRPr/>
+            </a:lvl1pPr>
+          </a:lstStyle>
+          <a:p>
+            <a:r>
+              <a:rPr lang="fr-FR"/>
+              <a:t>Modifiez le style du titre</a:t>
+            </a:r>
+            <a:endParaRPr lang="en-US" dirty="0"/>
+          </a:p>
+        </p:txBody>
+      </p:sp>
+      <p:sp>
+        <p:nvSpPr>
+          <p:cNvPr id="3" name="Text Placeholder 2"/>
+          <p:cNvSpPr>
+            <a:spLocks noGrp="1"/>
+          </p:cNvSpPr>
+          <p:nvPr>
+            <p:ph type="body" idx="1"/>
           </p:nvPr>
         </p:nvSpPr>
         <p:spPr>
           <a:xfrm>
-            <a:off x="839788" y="365125"/>
-            <a:ext cx="10515600" cy="1325563"/>
+            <a:off x="675745" y="2160983"/>
+            <a:ext cx="4185623" cy="576262"/>
           </a:xfrm>
         </p:spPr>
         <p:txBody>
-          <a:bodyPr/>
-          <a:lstStyle/>
-          <a:p>
-            <a:r>
-              <a:rPr lang="fr-FR"/>
-              <a:t>Modifiez le style du titre</a:t>
-            </a:r>
-            <a:endParaRPr lang="en-GB"/>
-          </a:p>
-        </p:txBody>
-      </p:sp>
-      <p:sp>
-        <p:nvSpPr>
-          <p:cNvPr id="3" name="Espace réservé du texte 2">
-            <a:extLst>
-              <a:ext uri="{FF2B5EF4-FFF2-40B4-BE49-F238E27FC236}">
-                <a16:creationId xmlns:a16="http://schemas.microsoft.com/office/drawing/2014/main" id="{D36B7F06-0F4E-417E-87B8-3EFF5DDD9BF4}"/>
-              </a:ext>
-            </a:extLst>
-          </p:cNvPr>
-          <p:cNvSpPr>
-            <a:spLocks noGrp="1"/>
-          </p:cNvSpPr>
-          <p:nvPr>
-            <p:ph type="body" idx="1"/>
-          </p:nvPr>
-        </p:nvSpPr>
-        <p:spPr>
-          <a:xfrm>
-            <a:off x="839788" y="1681163"/>
-            <a:ext cx="5157787" cy="823912"/>
-          </a:xfrm>
-        </p:spPr>
-        <p:txBody>
-          <a:bodyPr anchor="b"/>
+          <a:bodyPr anchor="b">
+            <a:noAutofit/>
+          </a:bodyPr>
           <a:lstStyle>
             <a:lvl1pPr marL="0" indent="0">
               <a:buNone/>
-              <a:defRPr sz="2400" b="1"/>
+              <a:defRPr sz="2400" b="0"/>
             </a:lvl1pPr>
             <a:lvl2pPr marL="457200" indent="0">
               <a:buNone/>
@@ -1607,13 +3652,7 @@
       </p:sp>
       <p:sp>
         <p:nvSpPr>
-          <p:cNvPr id="4" name="Espace réservé du contenu 3">
-            <a:extLst>
-              <a:ext uri="{FF2B5EF4-FFF2-40B4-BE49-F238E27FC236}">
-                <a16:creationId xmlns:a16="http://schemas.microsoft.com/office/drawing/2014/main" id="{30786B74-6BB9-441D-8363-A1E55197BEC8}"/>
-              </a:ext>
-            </a:extLst>
-          </p:cNvPr>
+          <p:cNvPr id="4" name="Content Placeholder 3"/>
           <p:cNvSpPr>
             <a:spLocks noGrp="1"/>
           </p:cNvSpPr>
@@ -1623,12 +3662,14 @@
         </p:nvSpPr>
         <p:spPr>
           <a:xfrm>
-            <a:off x="839788" y="2505075"/>
-            <a:ext cx="5157787" cy="3684588"/>
+            <a:off x="675745" y="2737245"/>
+            <a:ext cx="4185623" cy="3304117"/>
           </a:xfrm>
         </p:spPr>
         <p:txBody>
-          <a:bodyPr/>
+          <a:bodyPr>
+            <a:normAutofit/>
+          </a:bodyPr>
           <a:lstStyle/>
           <a:p>
             <a:pPr lvl="0"/>
@@ -1664,19 +3705,13 @@
               <a:rPr lang="fr-FR"/>
               <a:t>Cinquième niveau</a:t>
             </a:r>
-            <a:endParaRPr lang="en-GB"/>
-          </a:p>
-        </p:txBody>
-      </p:sp>
-      <p:sp>
-        <p:nvSpPr>
-          <p:cNvPr id="5" name="Espace réservé du texte 4">
-            <a:extLst>
-              <a:ext uri="{FF2B5EF4-FFF2-40B4-BE49-F238E27FC236}">
-                <a16:creationId xmlns:a16="http://schemas.microsoft.com/office/drawing/2014/main" id="{7BA42609-4CF1-435E-9205-6A7C0639BDEE}"/>
-              </a:ext>
-            </a:extLst>
-          </p:cNvPr>
+            <a:endParaRPr lang="en-US" dirty="0"/>
+          </a:p>
+        </p:txBody>
+      </p:sp>
+      <p:sp>
+        <p:nvSpPr>
+          <p:cNvPr id="5" name="Text Placeholder 4"/>
           <p:cNvSpPr>
             <a:spLocks noGrp="1"/>
           </p:cNvSpPr>
@@ -1686,16 +3721,18 @@
         </p:nvSpPr>
         <p:spPr>
           <a:xfrm>
-            <a:off x="6172200" y="1681163"/>
-            <a:ext cx="5183188" cy="823912"/>
+            <a:off x="5088383" y="2160983"/>
+            <a:ext cx="4185618" cy="576262"/>
           </a:xfrm>
         </p:spPr>
         <p:txBody>
-          <a:bodyPr anchor="b"/>
+          <a:bodyPr anchor="b">
+            <a:noAutofit/>
+          </a:bodyPr>
           <a:lstStyle>
             <a:lvl1pPr marL="0" indent="0">
               <a:buNone/>
-              <a:defRPr sz="2400" b="1"/>
+              <a:defRPr sz="2400" b="0"/>
             </a:lvl1pPr>
             <a:lvl2pPr marL="457200" indent="0">
               <a:buNone/>
@@ -1741,13 +3778,7 @@
       </p:sp>
       <p:sp>
         <p:nvSpPr>
-          <p:cNvPr id="6" name="Espace réservé du contenu 5">
-            <a:extLst>
-              <a:ext uri="{FF2B5EF4-FFF2-40B4-BE49-F238E27FC236}">
-                <a16:creationId xmlns:a16="http://schemas.microsoft.com/office/drawing/2014/main" id="{319673E1-4A88-4B67-AFD0-13B800A8A2F2}"/>
-              </a:ext>
-            </a:extLst>
-          </p:cNvPr>
+          <p:cNvPr id="6" name="Content Placeholder 5"/>
           <p:cNvSpPr>
             <a:spLocks noGrp="1"/>
           </p:cNvSpPr>
@@ -1757,12 +3788,14 @@
         </p:nvSpPr>
         <p:spPr>
           <a:xfrm>
-            <a:off x="6172200" y="2505075"/>
-            <a:ext cx="5183188" cy="3684588"/>
+            <a:off x="5088384" y="2737245"/>
+            <a:ext cx="4185617" cy="3304117"/>
           </a:xfrm>
         </p:spPr>
         <p:txBody>
-          <a:bodyPr/>
+          <a:bodyPr>
+            <a:normAutofit/>
+          </a:bodyPr>
           <a:lstStyle/>
           <a:p>
             <a:pPr lvl="0"/>
@@ -1798,19 +3831,13 @@
               <a:rPr lang="fr-FR"/>
               <a:t>Cinquième niveau</a:t>
             </a:r>
-            <a:endParaRPr lang="en-GB"/>
-          </a:p>
-        </p:txBody>
-      </p:sp>
-      <p:sp>
-        <p:nvSpPr>
-          <p:cNvPr id="7" name="Espace réservé de la date 6">
-            <a:extLst>
-              <a:ext uri="{FF2B5EF4-FFF2-40B4-BE49-F238E27FC236}">
-                <a16:creationId xmlns:a16="http://schemas.microsoft.com/office/drawing/2014/main" id="{BF6C2C3E-B5F8-4E06-8279-B9B875ABE223}"/>
-              </a:ext>
-            </a:extLst>
-          </p:cNvPr>
+            <a:endParaRPr lang="en-US" dirty="0"/>
+          </a:p>
+        </p:txBody>
+      </p:sp>
+      <p:sp>
+        <p:nvSpPr>
+          <p:cNvPr id="7" name="Date Placeholder 6"/>
           <p:cNvSpPr>
             <a:spLocks noGrp="1"/>
           </p:cNvSpPr>
@@ -1823,23 +3850,18 @@
           <a:bodyPr/>
           <a:lstStyle/>
           <a:p>
-            <a:fld id="{B157BCDE-2F30-4221-9502-D38802CDED20}" type="datetimeFigureOut">
-              <a:rPr lang="en-GB" smtClean="0"/>
-              <a:t>11/01/2019</a:t>
+            <a:fld id="{B61BEF0D-F0BB-DE4B-95CE-6DB70DBA9567}" type="datetimeFigureOut">
+              <a:rPr lang="en-US" dirty="0"/>
+              <a:pPr/>
+              <a:t>1/13/2019</a:t>
             </a:fld>
-            <a:endParaRPr lang="en-GB"/>
-          </a:p>
-        </p:txBody>
-      </p:sp>
-      <p:sp>
-        <p:nvSpPr>
-          <p:cNvPr id="8" name="Espace réservé du pied de page 7">
-            <a:extLst>
-              <a:ext uri="{FF2B5EF4-FFF2-40B4-BE49-F238E27FC236}">
-                <a16:creationId xmlns:a16="http://schemas.microsoft.com/office/drawing/2014/main" id="{904B8C60-1FC7-4E83-8815-BCAEFB3615EA}"/>
-              </a:ext>
-            </a:extLst>
-          </p:cNvPr>
+            <a:endParaRPr lang="en-US" dirty="0"/>
+          </a:p>
+        </p:txBody>
+      </p:sp>
+      <p:sp>
+        <p:nvSpPr>
+          <p:cNvPr id="8" name="Footer Placeholder 7"/>
           <p:cNvSpPr>
             <a:spLocks noGrp="1"/>
           </p:cNvSpPr>
@@ -1852,19 +3874,13 @@
           <a:bodyPr/>
           <a:lstStyle/>
           <a:p>
-            <a:endParaRPr lang="en-GB"/>
-          </a:p>
-        </p:txBody>
-      </p:sp>
-      <p:sp>
-        <p:nvSpPr>
-          <p:cNvPr id="9" name="Espace réservé du numéro de diapositive 8">
-            <a:extLst>
-              <a:ext uri="{FF2B5EF4-FFF2-40B4-BE49-F238E27FC236}">
-                <a16:creationId xmlns:a16="http://schemas.microsoft.com/office/drawing/2014/main" id="{2DFBB8BC-BB28-4827-88A2-3979878A31D3}"/>
-              </a:ext>
-            </a:extLst>
-          </p:cNvPr>
+            <a:endParaRPr lang="en-US" dirty="0"/>
+          </a:p>
+        </p:txBody>
+      </p:sp>
+      <p:sp>
+        <p:nvSpPr>
+          <p:cNvPr id="9" name="Slide Number Placeholder 8"/>
           <p:cNvSpPr>
             <a:spLocks noGrp="1"/>
           </p:cNvSpPr>
@@ -1877,18 +3893,19 @@
           <a:bodyPr/>
           <a:lstStyle/>
           <a:p>
-            <a:fld id="{1D5F62B4-F5A1-45C6-B17A-BAFED77DDBA3}" type="slidenum">
-              <a:rPr lang="en-GB" smtClean="0"/>
+            <a:fld id="{D57F1E4F-1CFF-5643-939E-217C01CDF565}" type="slidenum">
+              <a:rPr lang="en-US" dirty="0"/>
+              <a:pPr/>
               <a:t>‹N°›</a:t>
             </a:fld>
-            <a:endParaRPr lang="en-GB"/>
+            <a:endParaRPr lang="en-US" dirty="0"/>
           </a:p>
         </p:txBody>
       </p:sp>
     </p:spTree>
     <p:extLst>
       <p:ext uri="{BB962C8B-B14F-4D97-AF65-F5344CB8AC3E}">
-        <p14:creationId xmlns:p14="http://schemas.microsoft.com/office/powerpoint/2010/main" val="811128142"/>
+        <p14:creationId xmlns:p14="http://schemas.microsoft.com/office/powerpoint/2010/main" val="154443688"/>
       </p:ext>
     </p:extLst>
   </p:cSld>
@@ -1917,13 +3934,7 @@
       </p:grpSpPr>
       <p:sp>
         <p:nvSpPr>
-          <p:cNvPr id="2" name="Titre 1">
-            <a:extLst>
-              <a:ext uri="{FF2B5EF4-FFF2-40B4-BE49-F238E27FC236}">
-                <a16:creationId xmlns:a16="http://schemas.microsoft.com/office/drawing/2014/main" id="{F06DF60B-7213-4B2B-8D32-6285FE90E025}"/>
-              </a:ext>
-            </a:extLst>
-          </p:cNvPr>
+          <p:cNvPr id="2" name="Title 1"/>
           <p:cNvSpPr>
             <a:spLocks noGrp="1"/>
           </p:cNvSpPr>
@@ -1931,7 +3942,12 @@
             <p:ph type="title"/>
           </p:nvPr>
         </p:nvSpPr>
-        <p:spPr/>
+        <p:spPr>
+          <a:xfrm>
+            <a:off x="677334" y="609600"/>
+            <a:ext cx="8596668" cy="1320800"/>
+          </a:xfrm>
+        </p:spPr>
         <p:txBody>
           <a:bodyPr/>
           <a:lstStyle/>
@@ -1940,19 +3956,13 @@
               <a:rPr lang="fr-FR"/>
               <a:t>Modifiez le style du titre</a:t>
             </a:r>
-            <a:endParaRPr lang="en-GB"/>
-          </a:p>
-        </p:txBody>
-      </p:sp>
-      <p:sp>
-        <p:nvSpPr>
-          <p:cNvPr id="3" name="Espace réservé de la date 2">
-            <a:extLst>
-              <a:ext uri="{FF2B5EF4-FFF2-40B4-BE49-F238E27FC236}">
-                <a16:creationId xmlns:a16="http://schemas.microsoft.com/office/drawing/2014/main" id="{33C2253D-7789-4390-A29A-E70B5E8D0012}"/>
-              </a:ext>
-            </a:extLst>
-          </p:cNvPr>
+            <a:endParaRPr lang="en-US" dirty="0"/>
+          </a:p>
+        </p:txBody>
+      </p:sp>
+      <p:sp>
+        <p:nvSpPr>
+          <p:cNvPr id="3" name="Date Placeholder 2"/>
           <p:cNvSpPr>
             <a:spLocks noGrp="1"/>
           </p:cNvSpPr>
@@ -1965,23 +3975,18 @@
           <a:bodyPr/>
           <a:lstStyle/>
           <a:p>
-            <a:fld id="{B157BCDE-2F30-4221-9502-D38802CDED20}" type="datetimeFigureOut">
-              <a:rPr lang="en-GB" smtClean="0"/>
-              <a:t>11/01/2019</a:t>
+            <a:fld id="{B61BEF0D-F0BB-DE4B-95CE-6DB70DBA9567}" type="datetimeFigureOut">
+              <a:rPr lang="en-US" dirty="0"/>
+              <a:pPr/>
+              <a:t>1/13/2019</a:t>
             </a:fld>
-            <a:endParaRPr lang="en-GB"/>
-          </a:p>
-        </p:txBody>
-      </p:sp>
-      <p:sp>
-        <p:nvSpPr>
-          <p:cNvPr id="4" name="Espace réservé du pied de page 3">
-            <a:extLst>
-              <a:ext uri="{FF2B5EF4-FFF2-40B4-BE49-F238E27FC236}">
-                <a16:creationId xmlns:a16="http://schemas.microsoft.com/office/drawing/2014/main" id="{35743952-1FF1-43BC-930A-A632B91FC2C9}"/>
-              </a:ext>
-            </a:extLst>
-          </p:cNvPr>
+            <a:endParaRPr lang="en-US" dirty="0"/>
+          </a:p>
+        </p:txBody>
+      </p:sp>
+      <p:sp>
+        <p:nvSpPr>
+          <p:cNvPr id="4" name="Footer Placeholder 3"/>
           <p:cNvSpPr>
             <a:spLocks noGrp="1"/>
           </p:cNvSpPr>
@@ -1994,19 +3999,13 @@
           <a:bodyPr/>
           <a:lstStyle/>
           <a:p>
-            <a:endParaRPr lang="en-GB"/>
-          </a:p>
-        </p:txBody>
-      </p:sp>
-      <p:sp>
-        <p:nvSpPr>
-          <p:cNvPr id="5" name="Espace réservé du numéro de diapositive 4">
-            <a:extLst>
-              <a:ext uri="{FF2B5EF4-FFF2-40B4-BE49-F238E27FC236}">
-                <a16:creationId xmlns:a16="http://schemas.microsoft.com/office/drawing/2014/main" id="{15B7DF00-D3E7-402F-AD4D-F8D494208CA0}"/>
-              </a:ext>
-            </a:extLst>
-          </p:cNvPr>
+            <a:endParaRPr lang="en-US" dirty="0"/>
+          </a:p>
+        </p:txBody>
+      </p:sp>
+      <p:sp>
+        <p:nvSpPr>
+          <p:cNvPr id="5" name="Slide Number Placeholder 4"/>
           <p:cNvSpPr>
             <a:spLocks noGrp="1"/>
           </p:cNvSpPr>
@@ -2019,18 +4018,19 @@
           <a:bodyPr/>
           <a:lstStyle/>
           <a:p>
-            <a:fld id="{1D5F62B4-F5A1-45C6-B17A-BAFED77DDBA3}" type="slidenum">
-              <a:rPr lang="en-GB" smtClean="0"/>
+            <a:fld id="{D57F1E4F-1CFF-5643-939E-217C01CDF565}" type="slidenum">
+              <a:rPr lang="en-US" dirty="0"/>
+              <a:pPr/>
               <a:t>‹N°›</a:t>
             </a:fld>
-            <a:endParaRPr lang="en-GB"/>
+            <a:endParaRPr lang="en-US" dirty="0"/>
           </a:p>
         </p:txBody>
       </p:sp>
     </p:spTree>
     <p:extLst>
       <p:ext uri="{BB962C8B-B14F-4D97-AF65-F5344CB8AC3E}">
-        <p14:creationId xmlns:p14="http://schemas.microsoft.com/office/powerpoint/2010/main" val="2903188403"/>
+        <p14:creationId xmlns:p14="http://schemas.microsoft.com/office/powerpoint/2010/main" val="2285378422"/>
       </p:ext>
     </p:extLst>
   </p:cSld>
@@ -2059,13 +4059,7 @@
       </p:grpSpPr>
       <p:sp>
         <p:nvSpPr>
-          <p:cNvPr id="2" name="Espace réservé de la date 1">
-            <a:extLst>
-              <a:ext uri="{FF2B5EF4-FFF2-40B4-BE49-F238E27FC236}">
-                <a16:creationId xmlns:a16="http://schemas.microsoft.com/office/drawing/2014/main" id="{8E1C2C09-44CA-4DF7-9F8A-42BB601724A6}"/>
-              </a:ext>
-            </a:extLst>
-          </p:cNvPr>
+          <p:cNvPr id="2" name="Date Placeholder 1"/>
           <p:cNvSpPr>
             <a:spLocks noGrp="1"/>
           </p:cNvSpPr>
@@ -2078,23 +4072,18 @@
           <a:bodyPr/>
           <a:lstStyle/>
           <a:p>
-            <a:fld id="{B157BCDE-2F30-4221-9502-D38802CDED20}" type="datetimeFigureOut">
-              <a:rPr lang="en-GB" smtClean="0"/>
-              <a:t>11/01/2019</a:t>
+            <a:fld id="{B61BEF0D-F0BB-DE4B-95CE-6DB70DBA9567}" type="datetimeFigureOut">
+              <a:rPr lang="en-US" dirty="0"/>
+              <a:pPr/>
+              <a:t>1/13/2019</a:t>
             </a:fld>
-            <a:endParaRPr lang="en-GB"/>
-          </a:p>
-        </p:txBody>
-      </p:sp>
-      <p:sp>
-        <p:nvSpPr>
-          <p:cNvPr id="3" name="Espace réservé du pied de page 2">
-            <a:extLst>
-              <a:ext uri="{FF2B5EF4-FFF2-40B4-BE49-F238E27FC236}">
-                <a16:creationId xmlns:a16="http://schemas.microsoft.com/office/drawing/2014/main" id="{398802BA-FFAD-4E81-B5B4-7B850E0E0C88}"/>
-              </a:ext>
-            </a:extLst>
-          </p:cNvPr>
+            <a:endParaRPr lang="en-US" dirty="0"/>
+          </a:p>
+        </p:txBody>
+      </p:sp>
+      <p:sp>
+        <p:nvSpPr>
+          <p:cNvPr id="3" name="Footer Placeholder 2"/>
           <p:cNvSpPr>
             <a:spLocks noGrp="1"/>
           </p:cNvSpPr>
@@ -2107,19 +4096,13 @@
           <a:bodyPr/>
           <a:lstStyle/>
           <a:p>
-            <a:endParaRPr lang="en-GB"/>
-          </a:p>
-        </p:txBody>
-      </p:sp>
-      <p:sp>
-        <p:nvSpPr>
-          <p:cNvPr id="4" name="Espace réservé du numéro de diapositive 3">
-            <a:extLst>
-              <a:ext uri="{FF2B5EF4-FFF2-40B4-BE49-F238E27FC236}">
-                <a16:creationId xmlns:a16="http://schemas.microsoft.com/office/drawing/2014/main" id="{7D66A007-88B6-4845-885C-98B03260B79A}"/>
-              </a:ext>
-            </a:extLst>
-          </p:cNvPr>
+            <a:endParaRPr lang="en-US" dirty="0"/>
+          </a:p>
+        </p:txBody>
+      </p:sp>
+      <p:sp>
+        <p:nvSpPr>
+          <p:cNvPr id="4" name="Slide Number Placeholder 3"/>
           <p:cNvSpPr>
             <a:spLocks noGrp="1"/>
           </p:cNvSpPr>
@@ -2132,18 +4115,19 @@
           <a:bodyPr/>
           <a:lstStyle/>
           <a:p>
-            <a:fld id="{1D5F62B4-F5A1-45C6-B17A-BAFED77DDBA3}" type="slidenum">
-              <a:rPr lang="en-GB" smtClean="0"/>
+            <a:fld id="{D57F1E4F-1CFF-5643-939E-217C01CDF565}" type="slidenum">
+              <a:rPr lang="en-US" dirty="0"/>
+              <a:pPr/>
               <a:t>‹N°›</a:t>
             </a:fld>
-            <a:endParaRPr lang="en-GB"/>
+            <a:endParaRPr lang="en-US" dirty="0"/>
           </a:p>
         </p:txBody>
       </p:sp>
     </p:spTree>
     <p:extLst>
       <p:ext uri="{BB962C8B-B14F-4D97-AF65-F5344CB8AC3E}">
-        <p14:creationId xmlns:p14="http://schemas.microsoft.com/office/powerpoint/2010/main" val="4161977167"/>
+        <p14:creationId xmlns:p14="http://schemas.microsoft.com/office/powerpoint/2010/main" val="2162802841"/>
       </p:ext>
     </p:extLst>
   </p:cSld>
@@ -2172,13 +4156,7 @@
       </p:grpSpPr>
       <p:sp>
         <p:nvSpPr>
-          <p:cNvPr id="2" name="Titre 1">
-            <a:extLst>
-              <a:ext uri="{FF2B5EF4-FFF2-40B4-BE49-F238E27FC236}">
-                <a16:creationId xmlns:a16="http://schemas.microsoft.com/office/drawing/2014/main" id="{413E6A84-223D-49B2-A1F4-AF6ED01C1C10}"/>
-              </a:ext>
-            </a:extLst>
-          </p:cNvPr>
+          <p:cNvPr id="2" name="Title 1"/>
           <p:cNvSpPr>
             <a:spLocks noGrp="1"/>
           </p:cNvSpPr>
@@ -2188,15 +4166,17 @@
         </p:nvSpPr>
         <p:spPr>
           <a:xfrm>
-            <a:off x="839788" y="457200"/>
-            <a:ext cx="3932237" cy="1600200"/>
+            <a:off x="677334" y="1498604"/>
+            <a:ext cx="3854528" cy="1278466"/>
           </a:xfrm>
         </p:spPr>
         <p:txBody>
-          <a:bodyPr anchor="b"/>
+          <a:bodyPr anchor="b">
+            <a:normAutofit/>
+          </a:bodyPr>
           <a:lstStyle>
             <a:lvl1pPr>
-              <a:defRPr sz="3200"/>
+              <a:defRPr sz="2000"/>
             </a:lvl1pPr>
           </a:lstStyle>
           <a:p>
@@ -2204,19 +4184,13 @@
               <a:rPr lang="fr-FR"/>
               <a:t>Modifiez le style du titre</a:t>
             </a:r>
-            <a:endParaRPr lang="en-GB"/>
-          </a:p>
-        </p:txBody>
-      </p:sp>
-      <p:sp>
-        <p:nvSpPr>
-          <p:cNvPr id="3" name="Espace réservé du contenu 2">
-            <a:extLst>
-              <a:ext uri="{FF2B5EF4-FFF2-40B4-BE49-F238E27FC236}">
-                <a16:creationId xmlns:a16="http://schemas.microsoft.com/office/drawing/2014/main" id="{186D9C51-1EB4-44F2-B5FA-973CFE4A913C}"/>
-              </a:ext>
-            </a:extLst>
-          </p:cNvPr>
+            <a:endParaRPr lang="en-US" dirty="0"/>
+          </a:p>
+        </p:txBody>
+      </p:sp>
+      <p:sp>
+        <p:nvSpPr>
+          <p:cNvPr id="3" name="Content Placeholder 2"/>
           <p:cNvSpPr>
             <a:spLocks noGrp="1"/>
           </p:cNvSpPr>
@@ -2226,41 +4200,15 @@
         </p:nvSpPr>
         <p:spPr>
           <a:xfrm>
-            <a:off x="5183188" y="987425"/>
-            <a:ext cx="6172200" cy="4873625"/>
+            <a:off x="4760461" y="514924"/>
+            <a:ext cx="4513541" cy="5526437"/>
           </a:xfrm>
         </p:spPr>
         <p:txBody>
-          <a:bodyPr/>
-          <a:lstStyle>
-            <a:lvl1pPr>
-              <a:defRPr sz="3200"/>
-            </a:lvl1pPr>
-            <a:lvl2pPr>
-              <a:defRPr sz="2800"/>
-            </a:lvl2pPr>
-            <a:lvl3pPr>
-              <a:defRPr sz="2400"/>
-            </a:lvl3pPr>
-            <a:lvl4pPr>
-              <a:defRPr sz="2000"/>
-            </a:lvl4pPr>
-            <a:lvl5pPr>
-              <a:defRPr sz="2000"/>
-            </a:lvl5pPr>
-            <a:lvl6pPr>
-              <a:defRPr sz="2000"/>
-            </a:lvl6pPr>
-            <a:lvl7pPr>
-              <a:defRPr sz="2000"/>
-            </a:lvl7pPr>
-            <a:lvl8pPr>
-              <a:defRPr sz="2000"/>
-            </a:lvl8pPr>
-            <a:lvl9pPr>
-              <a:defRPr sz="2000"/>
-            </a:lvl9pPr>
-          </a:lstStyle>
+          <a:bodyPr>
+            <a:normAutofit/>
+          </a:bodyPr>
+          <a:lstStyle/>
           <a:p>
             <a:pPr lvl="0"/>
             <a:r>
@@ -2295,19 +4243,13 @@
               <a:rPr lang="fr-FR"/>
               <a:t>Cinquième niveau</a:t>
             </a:r>
-            <a:endParaRPr lang="en-GB"/>
-          </a:p>
-        </p:txBody>
-      </p:sp>
-      <p:sp>
-        <p:nvSpPr>
-          <p:cNvPr id="4" name="Espace réservé du texte 3">
-            <a:extLst>
-              <a:ext uri="{FF2B5EF4-FFF2-40B4-BE49-F238E27FC236}">
-                <a16:creationId xmlns:a16="http://schemas.microsoft.com/office/drawing/2014/main" id="{B0490087-424A-479C-A60A-99D2D0C01F65}"/>
-              </a:ext>
-            </a:extLst>
-          </p:cNvPr>
+            <a:endParaRPr lang="en-US" dirty="0"/>
+          </a:p>
+        </p:txBody>
+      </p:sp>
+      <p:sp>
+        <p:nvSpPr>
+          <p:cNvPr id="4" name="Text Placeholder 3"/>
           <p:cNvSpPr>
             <a:spLocks noGrp="1"/>
           </p:cNvSpPr>
@@ -2317,46 +4259,48 @@
         </p:nvSpPr>
         <p:spPr>
           <a:xfrm>
-            <a:off x="839788" y="2057400"/>
-            <a:ext cx="3932237" cy="3811588"/>
+            <a:off x="677334" y="2777069"/>
+            <a:ext cx="3854528" cy="2584449"/>
           </a:xfrm>
         </p:spPr>
         <p:txBody>
-          <a:bodyPr/>
+          <a:bodyPr>
+            <a:normAutofit/>
+          </a:bodyPr>
           <a:lstStyle>
             <a:lvl1pPr marL="0" indent="0">
               <a:buNone/>
-              <a:defRPr sz="1600"/>
+              <a:defRPr sz="1400"/>
             </a:lvl1pPr>
-            <a:lvl2pPr marL="457200" indent="0">
+            <a:lvl2pPr marL="457063" indent="0">
               <a:buNone/>
               <a:defRPr sz="1400"/>
             </a:lvl2pPr>
-            <a:lvl3pPr marL="914400" indent="0">
+            <a:lvl3pPr marL="914126" indent="0">
               <a:buNone/>
               <a:defRPr sz="1200"/>
             </a:lvl3pPr>
-            <a:lvl4pPr marL="1371600" indent="0">
+            <a:lvl4pPr marL="1371189" indent="0">
               <a:buNone/>
               <a:defRPr sz="1000"/>
             </a:lvl4pPr>
-            <a:lvl5pPr marL="1828800" indent="0">
+            <a:lvl5pPr marL="1828251" indent="0">
               <a:buNone/>
               <a:defRPr sz="1000"/>
             </a:lvl5pPr>
-            <a:lvl6pPr marL="2286000" indent="0">
+            <a:lvl6pPr marL="2285314" indent="0">
               <a:buNone/>
               <a:defRPr sz="1000"/>
             </a:lvl6pPr>
-            <a:lvl7pPr marL="2743200" indent="0">
+            <a:lvl7pPr marL="2742377" indent="0">
               <a:buNone/>
               <a:defRPr sz="1000"/>
             </a:lvl7pPr>
-            <a:lvl8pPr marL="3200400" indent="0">
+            <a:lvl8pPr marL="3199440" indent="0">
               <a:buNone/>
               <a:defRPr sz="1000"/>
             </a:lvl8pPr>
-            <a:lvl9pPr marL="3657600" indent="0">
+            <a:lvl9pPr marL="3656503" indent="0">
               <a:buNone/>
               <a:defRPr sz="1000"/>
             </a:lvl9pPr>
@@ -2372,13 +4316,7 @@
       </p:sp>
       <p:sp>
         <p:nvSpPr>
-          <p:cNvPr id="5" name="Espace réservé de la date 4">
-            <a:extLst>
-              <a:ext uri="{FF2B5EF4-FFF2-40B4-BE49-F238E27FC236}">
-                <a16:creationId xmlns:a16="http://schemas.microsoft.com/office/drawing/2014/main" id="{1C1421F4-D862-40E9-B1E2-A553408A5D45}"/>
-              </a:ext>
-            </a:extLst>
-          </p:cNvPr>
+          <p:cNvPr id="5" name="Date Placeholder 4"/>
           <p:cNvSpPr>
             <a:spLocks noGrp="1"/>
           </p:cNvSpPr>
@@ -2391,23 +4329,17 @@
           <a:bodyPr/>
           <a:lstStyle/>
           <a:p>
-            <a:fld id="{B157BCDE-2F30-4221-9502-D38802CDED20}" type="datetimeFigureOut">
-              <a:rPr lang="en-GB" smtClean="0"/>
-              <a:t>11/01/2019</a:t>
+            <a:fld id="{42A54C80-263E-416B-A8E0-580EDEADCBDC}" type="datetimeFigureOut">
+              <a:rPr lang="en-US" dirty="0"/>
+              <a:t>1/13/2019</a:t>
             </a:fld>
-            <a:endParaRPr lang="en-GB"/>
-          </a:p>
-        </p:txBody>
-      </p:sp>
-      <p:sp>
-        <p:nvSpPr>
-          <p:cNvPr id="6" name="Espace réservé du pied de page 5">
-            <a:extLst>
-              <a:ext uri="{FF2B5EF4-FFF2-40B4-BE49-F238E27FC236}">
-                <a16:creationId xmlns:a16="http://schemas.microsoft.com/office/drawing/2014/main" id="{50A48F9C-7490-41B8-ADE1-971B79C39E2C}"/>
-              </a:ext>
-            </a:extLst>
-          </p:cNvPr>
+            <a:endParaRPr lang="en-US" dirty="0"/>
+          </a:p>
+        </p:txBody>
+      </p:sp>
+      <p:sp>
+        <p:nvSpPr>
+          <p:cNvPr id="6" name="Footer Placeholder 5"/>
           <p:cNvSpPr>
             <a:spLocks noGrp="1"/>
           </p:cNvSpPr>
@@ -2420,19 +4352,13 @@
           <a:bodyPr/>
           <a:lstStyle/>
           <a:p>
-            <a:endParaRPr lang="en-GB"/>
-          </a:p>
-        </p:txBody>
-      </p:sp>
-      <p:sp>
-        <p:nvSpPr>
-          <p:cNvPr id="7" name="Espace réservé du numéro de diapositive 6">
-            <a:extLst>
-              <a:ext uri="{FF2B5EF4-FFF2-40B4-BE49-F238E27FC236}">
-                <a16:creationId xmlns:a16="http://schemas.microsoft.com/office/drawing/2014/main" id="{3E4E3CE9-B95E-474F-8C84-31EB547951EE}"/>
-              </a:ext>
-            </a:extLst>
-          </p:cNvPr>
+            <a:endParaRPr lang="en-US" dirty="0"/>
+          </a:p>
+        </p:txBody>
+      </p:sp>
+      <p:sp>
+        <p:nvSpPr>
+          <p:cNvPr id="7" name="Slide Number Placeholder 6"/>
           <p:cNvSpPr>
             <a:spLocks noGrp="1"/>
           </p:cNvSpPr>
@@ -2445,18 +4371,18 @@
           <a:bodyPr/>
           <a:lstStyle/>
           <a:p>
-            <a:fld id="{1D5F62B4-F5A1-45C6-B17A-BAFED77DDBA3}" type="slidenum">
-              <a:rPr lang="en-GB" smtClean="0"/>
+            <a:fld id="{519954A3-9DFD-4C44-94BA-B95130A3BA1C}" type="slidenum">
+              <a:rPr lang="en-US" dirty="0"/>
               <a:t>‹N°›</a:t>
             </a:fld>
-            <a:endParaRPr lang="en-GB"/>
+            <a:endParaRPr lang="en-US" dirty="0"/>
           </a:p>
         </p:txBody>
       </p:sp>
     </p:spTree>
     <p:extLst>
       <p:ext uri="{BB962C8B-B14F-4D97-AF65-F5344CB8AC3E}">
-        <p14:creationId xmlns:p14="http://schemas.microsoft.com/office/powerpoint/2010/main" val="481449032"/>
+        <p14:creationId xmlns:p14="http://schemas.microsoft.com/office/powerpoint/2010/main" val="932479216"/>
       </p:ext>
     </p:extLst>
   </p:cSld>
@@ -2485,13 +4411,7 @@
       </p:grpSpPr>
       <p:sp>
         <p:nvSpPr>
-          <p:cNvPr id="2" name="Titre 1">
-            <a:extLst>
-              <a:ext uri="{FF2B5EF4-FFF2-40B4-BE49-F238E27FC236}">
-                <a16:creationId xmlns:a16="http://schemas.microsoft.com/office/drawing/2014/main" id="{ECDD7C9F-A7A5-4A30-A10B-D16CEDF9E032}"/>
-              </a:ext>
-            </a:extLst>
-          </p:cNvPr>
+          <p:cNvPr id="2" name="Title 1"/>
           <p:cNvSpPr>
             <a:spLocks noGrp="1"/>
           </p:cNvSpPr>
@@ -2501,15 +4421,17 @@
         </p:nvSpPr>
         <p:spPr>
           <a:xfrm>
-            <a:off x="839788" y="457200"/>
-            <a:ext cx="3932237" cy="1600200"/>
+            <a:off x="677334" y="4800600"/>
+            <a:ext cx="8596667" cy="566738"/>
           </a:xfrm>
         </p:spPr>
         <p:txBody>
-          <a:bodyPr anchor="b"/>
+          <a:bodyPr anchor="b">
+            <a:normAutofit/>
+          </a:bodyPr>
           <a:lstStyle>
-            <a:lvl1pPr>
-              <a:defRPr sz="3200"/>
+            <a:lvl1pPr algn="l">
+              <a:defRPr sz="2400" b="0"/>
             </a:lvl1pPr>
           </a:lstStyle>
           <a:p>
@@ -2517,21 +4439,15 @@
               <a:rPr lang="fr-FR"/>
               <a:t>Modifiez le style du titre</a:t>
             </a:r>
-            <a:endParaRPr lang="en-GB"/>
-          </a:p>
-        </p:txBody>
-      </p:sp>
-      <p:sp>
-        <p:nvSpPr>
-          <p:cNvPr id="3" name="Espace réservé pour une image  2">
-            <a:extLst>
-              <a:ext uri="{FF2B5EF4-FFF2-40B4-BE49-F238E27FC236}">
-                <a16:creationId xmlns:a16="http://schemas.microsoft.com/office/drawing/2014/main" id="{7971FBE0-9479-4455-8872-E21F173329C2}"/>
-              </a:ext>
-            </a:extLst>
-          </p:cNvPr>
-          <p:cNvSpPr>
-            <a:spLocks noGrp="1"/>
+            <a:endParaRPr lang="en-US" dirty="0"/>
+          </a:p>
+        </p:txBody>
+      </p:sp>
+      <p:sp>
+        <p:nvSpPr>
+          <p:cNvPr id="3" name="Picture Placeholder 2"/>
+          <p:cNvSpPr>
+            <a:spLocks noGrp="1" noChangeAspect="1"/>
           </p:cNvSpPr>
           <p:nvPr>
             <p:ph type="pic" idx="1"/>
@@ -2539,118 +4455,120 @@
         </p:nvSpPr>
         <p:spPr>
           <a:xfrm>
-            <a:off x="5183188" y="987425"/>
-            <a:ext cx="6172200" cy="4873625"/>
+            <a:off x="677334" y="609600"/>
+            <a:ext cx="8596668" cy="3845718"/>
           </a:xfrm>
         </p:spPr>
         <p:txBody>
-          <a:bodyPr/>
+          <a:bodyPr anchor="t">
+            <a:normAutofit/>
+          </a:bodyPr>
           <a:lstStyle>
-            <a:lvl1pPr marL="0" indent="0">
-              <a:buNone/>
-              <a:defRPr sz="3200"/>
-            </a:lvl1pPr>
-            <a:lvl2pPr marL="457200" indent="0">
-              <a:buNone/>
-              <a:defRPr sz="2800"/>
-            </a:lvl2pPr>
-            <a:lvl3pPr marL="914400" indent="0">
-              <a:buNone/>
-              <a:defRPr sz="2400"/>
-            </a:lvl3pPr>
-            <a:lvl4pPr marL="1371600" indent="0">
-              <a:buNone/>
-              <a:defRPr sz="2000"/>
-            </a:lvl4pPr>
-            <a:lvl5pPr marL="1828800" indent="0">
-              <a:buNone/>
-              <a:defRPr sz="2000"/>
-            </a:lvl5pPr>
-            <a:lvl6pPr marL="2286000" indent="0">
-              <a:buNone/>
-              <a:defRPr sz="2000"/>
-            </a:lvl6pPr>
-            <a:lvl7pPr marL="2743200" indent="0">
-              <a:buNone/>
-              <a:defRPr sz="2000"/>
-            </a:lvl7pPr>
-            <a:lvl8pPr marL="3200400" indent="0">
-              <a:buNone/>
-              <a:defRPr sz="2000"/>
-            </a:lvl8pPr>
-            <a:lvl9pPr marL="3657600" indent="0">
-              <a:buNone/>
-              <a:defRPr sz="2000"/>
-            </a:lvl9pPr>
-          </a:lstStyle>
-          <a:p>
-            <a:endParaRPr lang="en-GB"/>
-          </a:p>
-        </p:txBody>
-      </p:sp>
-      <p:sp>
-        <p:nvSpPr>
-          <p:cNvPr id="4" name="Espace réservé du texte 3">
-            <a:extLst>
-              <a:ext uri="{FF2B5EF4-FFF2-40B4-BE49-F238E27FC236}">
-                <a16:creationId xmlns:a16="http://schemas.microsoft.com/office/drawing/2014/main" id="{38D203CB-E310-4957-8D10-9621FB46509A}"/>
-              </a:ext>
-            </a:extLst>
-          </p:cNvPr>
-          <p:cNvSpPr>
-            <a:spLocks noGrp="1"/>
-          </p:cNvSpPr>
-          <p:nvPr>
-            <p:ph type="body" sz="half" idx="2"/>
-          </p:nvPr>
-        </p:nvSpPr>
-        <p:spPr>
-          <a:xfrm>
-            <a:off x="839788" y="2057400"/>
-            <a:ext cx="3932237" cy="3811588"/>
-          </a:xfrm>
-        </p:spPr>
-        <p:txBody>
-          <a:bodyPr/>
-          <a:lstStyle>
-            <a:lvl1pPr marL="0" indent="0">
+            <a:lvl1pPr marL="0" indent="0" algn="ctr">
               <a:buNone/>
               <a:defRPr sz="1600"/>
             </a:lvl1pPr>
             <a:lvl2pPr marL="457200" indent="0">
               <a:buNone/>
-              <a:defRPr sz="1400"/>
+              <a:defRPr sz="1600"/>
             </a:lvl2pPr>
             <a:lvl3pPr marL="914400" indent="0">
               <a:buNone/>
-              <a:defRPr sz="1200"/>
+              <a:defRPr sz="1600"/>
             </a:lvl3pPr>
             <a:lvl4pPr marL="1371600" indent="0">
               <a:buNone/>
-              <a:defRPr sz="1000"/>
+              <a:defRPr sz="1600"/>
             </a:lvl4pPr>
             <a:lvl5pPr marL="1828800" indent="0">
               <a:buNone/>
-              <a:defRPr sz="1000"/>
+              <a:defRPr sz="1600"/>
             </a:lvl5pPr>
             <a:lvl6pPr marL="2286000" indent="0">
               <a:buNone/>
-              <a:defRPr sz="1000"/>
+              <a:defRPr sz="1600"/>
             </a:lvl6pPr>
             <a:lvl7pPr marL="2743200" indent="0">
               <a:buNone/>
-              <a:defRPr sz="1000"/>
+              <a:defRPr sz="1600"/>
             </a:lvl7pPr>
             <a:lvl8pPr marL="3200400" indent="0">
               <a:buNone/>
-              <a:defRPr sz="1000"/>
+              <a:defRPr sz="1600"/>
             </a:lvl8pPr>
             <a:lvl9pPr marL="3657600" indent="0">
               <a:buNone/>
-              <a:defRPr sz="1000"/>
+              <a:defRPr sz="1600"/>
             </a:lvl9pPr>
           </a:lstStyle>
           <a:p>
+            <a:r>
+              <a:rPr lang="fr-FR"/>
+              <a:t>Cliquez sur l'icône pour ajouter une image</a:t>
+            </a:r>
+            <a:endParaRPr lang="en-US" dirty="0"/>
+          </a:p>
+        </p:txBody>
+      </p:sp>
+      <p:sp>
+        <p:nvSpPr>
+          <p:cNvPr id="4" name="Text Placeholder 3"/>
+          <p:cNvSpPr>
+            <a:spLocks noGrp="1"/>
+          </p:cNvSpPr>
+          <p:nvPr>
+            <p:ph type="body" sz="half" idx="2"/>
+          </p:nvPr>
+        </p:nvSpPr>
+        <p:spPr>
+          <a:xfrm>
+            <a:off x="677334" y="5367338"/>
+            <a:ext cx="8596667" cy="674024"/>
+          </a:xfrm>
+        </p:spPr>
+        <p:txBody>
+          <a:bodyPr>
+            <a:normAutofit/>
+          </a:bodyPr>
+          <a:lstStyle>
+            <a:lvl1pPr marL="0" indent="0">
+              <a:buNone/>
+              <a:defRPr sz="1200"/>
+            </a:lvl1pPr>
+            <a:lvl2pPr marL="457200" indent="0">
+              <a:buNone/>
+              <a:defRPr sz="1200"/>
+            </a:lvl2pPr>
+            <a:lvl3pPr marL="914400" indent="0">
+              <a:buNone/>
+              <a:defRPr sz="1000"/>
+            </a:lvl3pPr>
+            <a:lvl4pPr marL="1371600" indent="0">
+              <a:buNone/>
+              <a:defRPr sz="900"/>
+            </a:lvl4pPr>
+            <a:lvl5pPr marL="1828800" indent="0">
+              <a:buNone/>
+              <a:defRPr sz="900"/>
+            </a:lvl5pPr>
+            <a:lvl6pPr marL="2286000" indent="0">
+              <a:buNone/>
+              <a:defRPr sz="900"/>
+            </a:lvl6pPr>
+            <a:lvl7pPr marL="2743200" indent="0">
+              <a:buNone/>
+              <a:defRPr sz="900"/>
+            </a:lvl7pPr>
+            <a:lvl8pPr marL="3200400" indent="0">
+              <a:buNone/>
+              <a:defRPr sz="900"/>
+            </a:lvl8pPr>
+            <a:lvl9pPr marL="3657600" indent="0">
+              <a:buNone/>
+              <a:defRPr sz="900"/>
+            </a:lvl9pPr>
+          </a:lstStyle>
+          <a:p>
             <a:pPr lvl="0"/>
             <a:r>
               <a:rPr lang="fr-FR"/>
@@ -2661,13 +4579,7 @@
       </p:sp>
       <p:sp>
         <p:nvSpPr>
-          <p:cNvPr id="5" name="Espace réservé de la date 4">
-            <a:extLst>
-              <a:ext uri="{FF2B5EF4-FFF2-40B4-BE49-F238E27FC236}">
-                <a16:creationId xmlns:a16="http://schemas.microsoft.com/office/drawing/2014/main" id="{4D483D29-25C6-49D3-BAE5-70B70CAAF0A2}"/>
-              </a:ext>
-            </a:extLst>
-          </p:cNvPr>
+          <p:cNvPr id="5" name="Date Placeholder 4"/>
           <p:cNvSpPr>
             <a:spLocks noGrp="1"/>
           </p:cNvSpPr>
@@ -2680,23 +4592,18 @@
           <a:bodyPr/>
           <a:lstStyle/>
           <a:p>
-            <a:fld id="{B157BCDE-2F30-4221-9502-D38802CDED20}" type="datetimeFigureOut">
-              <a:rPr lang="en-GB" smtClean="0"/>
-              <a:t>11/01/2019</a:t>
+            <a:fld id="{B61BEF0D-F0BB-DE4B-95CE-6DB70DBA9567}" type="datetimeFigureOut">
+              <a:rPr lang="en-US" dirty="0"/>
+              <a:pPr/>
+              <a:t>1/13/2019</a:t>
             </a:fld>
-            <a:endParaRPr lang="en-GB"/>
-          </a:p>
-        </p:txBody>
-      </p:sp>
-      <p:sp>
-        <p:nvSpPr>
-          <p:cNvPr id="6" name="Espace réservé du pied de page 5">
-            <a:extLst>
-              <a:ext uri="{FF2B5EF4-FFF2-40B4-BE49-F238E27FC236}">
-                <a16:creationId xmlns:a16="http://schemas.microsoft.com/office/drawing/2014/main" id="{908A189A-B9B0-44CB-8392-CBCFF4DE21DA}"/>
-              </a:ext>
-            </a:extLst>
-          </p:cNvPr>
+            <a:endParaRPr lang="en-US" dirty="0"/>
+          </a:p>
+        </p:txBody>
+      </p:sp>
+      <p:sp>
+        <p:nvSpPr>
+          <p:cNvPr id="6" name="Footer Placeholder 5"/>
           <p:cNvSpPr>
             <a:spLocks noGrp="1"/>
           </p:cNvSpPr>
@@ -2709,19 +4616,13 @@
           <a:bodyPr/>
           <a:lstStyle/>
           <a:p>
-            <a:endParaRPr lang="en-GB"/>
-          </a:p>
-        </p:txBody>
-      </p:sp>
-      <p:sp>
-        <p:nvSpPr>
-          <p:cNvPr id="7" name="Espace réservé du numéro de diapositive 6">
-            <a:extLst>
-              <a:ext uri="{FF2B5EF4-FFF2-40B4-BE49-F238E27FC236}">
-                <a16:creationId xmlns:a16="http://schemas.microsoft.com/office/drawing/2014/main" id="{E5449A3E-FCD0-4A21-B16D-7C72E39BA15E}"/>
-              </a:ext>
-            </a:extLst>
-          </p:cNvPr>
+            <a:endParaRPr lang="en-US" dirty="0"/>
+          </a:p>
+        </p:txBody>
+      </p:sp>
+      <p:sp>
+        <p:nvSpPr>
+          <p:cNvPr id="7" name="Slide Number Placeholder 6"/>
           <p:cNvSpPr>
             <a:spLocks noGrp="1"/>
           </p:cNvSpPr>
@@ -2734,18 +4635,19 @@
           <a:bodyPr/>
           <a:lstStyle/>
           <a:p>
-            <a:fld id="{1D5F62B4-F5A1-45C6-B17A-BAFED77DDBA3}" type="slidenum">
-              <a:rPr lang="en-GB" smtClean="0"/>
+            <a:fld id="{D57F1E4F-1CFF-5643-939E-217C01CDF565}" type="slidenum">
+              <a:rPr lang="en-US" dirty="0"/>
+              <a:pPr/>
               <a:t>‹N°›</a:t>
             </a:fld>
-            <a:endParaRPr lang="en-GB"/>
+            <a:endParaRPr lang="en-US" dirty="0"/>
           </a:p>
         </p:txBody>
       </p:sp>
     </p:spTree>
     <p:extLst>
       <p:ext uri="{BB962C8B-B14F-4D97-AF65-F5344CB8AC3E}">
-        <p14:creationId xmlns:p14="http://schemas.microsoft.com/office/powerpoint/2010/main" val="2319418235"/>
+        <p14:creationId xmlns:p14="http://schemas.microsoft.com/office/powerpoint/2010/main" val="1398999104"/>
       </p:ext>
     </p:extLst>
   </p:cSld>
@@ -2756,10 +4658,10 @@
 </file>
 
 <file path=ppt/slideMasters/slideMaster1.xml><?xml version="1.0" encoding="utf-8"?>
-<p:sldMaster xmlns:a="http://schemas.openxmlformats.org/drawingml/2006/main" xmlns:r="http://schemas.openxmlformats.org/officeDocument/2006/relationships" xmlns:p="http://schemas.openxmlformats.org/presentationml/2006/main">
+<p:sldMaster xmlns:a="http://schemas.openxmlformats.org/drawingml/2006/main" xmlns:r="http://schemas.openxmlformats.org/officeDocument/2006/relationships" xmlns:p="http://schemas.openxmlformats.org/presentationml/2006/main" preserve="1">
   <p:cSld>
     <p:bg>
-      <p:bgRef idx="1001">
+      <p:bgRef idx="1003">
         <a:schemeClr val="bg1"/>
       </p:bgRef>
     </p:bg>
@@ -2777,15 +4679,539 @@
           <a:chExt cx="0" cy="0"/>
         </a:xfrm>
       </p:grpSpPr>
-      <p:sp>
-        <p:nvSpPr>
-          <p:cNvPr id="2" name="Espace réservé du titre 1">
-            <a:extLst>
-              <a:ext uri="{FF2B5EF4-FFF2-40B4-BE49-F238E27FC236}">
-                <a16:creationId xmlns:a16="http://schemas.microsoft.com/office/drawing/2014/main" id="{2EF42A0E-017E-4886-B428-3B5072142747}"/>
-              </a:ext>
-            </a:extLst>
-          </p:cNvPr>
+      <p:grpSp>
+        <p:nvGrpSpPr>
+          <p:cNvPr id="7" name="Group 6"/>
+          <p:cNvGrpSpPr/>
+          <p:nvPr/>
+        </p:nvGrpSpPr>
+        <p:grpSpPr>
+          <a:xfrm>
+            <a:off x="0" y="-8467"/>
+            <a:ext cx="12192000" cy="6866467"/>
+            <a:chOff x="0" y="-8467"/>
+            <a:chExt cx="12192000" cy="6866467"/>
+          </a:xfrm>
+        </p:grpSpPr>
+        <p:cxnSp>
+          <p:nvCxnSpPr>
+            <p:cNvPr id="20" name="Straight Connector 19"/>
+            <p:cNvCxnSpPr/>
+            <p:nvPr/>
+          </p:nvCxnSpPr>
+          <p:spPr>
+            <a:xfrm>
+              <a:off x="9371012" y="0"/>
+              <a:ext cx="1219200" cy="6858000"/>
+            </a:xfrm>
+            <a:prstGeom prst="line">
+              <a:avLst/>
+            </a:prstGeom>
+            <a:ln w="9525">
+              <a:solidFill>
+                <a:schemeClr val="bg1">
+                  <a:lumMod val="75000"/>
+                </a:schemeClr>
+              </a:solidFill>
+            </a:ln>
+          </p:spPr>
+          <p:style>
+            <a:lnRef idx="2">
+              <a:schemeClr val="accent1"/>
+            </a:lnRef>
+            <a:fillRef idx="0">
+              <a:schemeClr val="accent1"/>
+            </a:fillRef>
+            <a:effectRef idx="1">
+              <a:schemeClr val="accent1"/>
+            </a:effectRef>
+            <a:fontRef idx="minor">
+              <a:schemeClr val="tx1"/>
+            </a:fontRef>
+          </p:style>
+        </p:cxnSp>
+        <p:cxnSp>
+          <p:nvCxnSpPr>
+            <p:cNvPr id="21" name="Straight Connector 20"/>
+            <p:cNvCxnSpPr/>
+            <p:nvPr/>
+          </p:nvCxnSpPr>
+          <p:spPr>
+            <a:xfrm flipH="1">
+              <a:off x="7425267" y="3681413"/>
+              <a:ext cx="4763558" cy="3176587"/>
+            </a:xfrm>
+            <a:prstGeom prst="line">
+              <a:avLst/>
+            </a:prstGeom>
+            <a:ln w="9525">
+              <a:solidFill>
+                <a:schemeClr val="bg1">
+                  <a:lumMod val="85000"/>
+                </a:schemeClr>
+              </a:solidFill>
+            </a:ln>
+          </p:spPr>
+          <p:style>
+            <a:lnRef idx="2">
+              <a:schemeClr val="accent1"/>
+            </a:lnRef>
+            <a:fillRef idx="0">
+              <a:schemeClr val="accent1"/>
+            </a:fillRef>
+            <a:effectRef idx="1">
+              <a:schemeClr val="accent1"/>
+            </a:effectRef>
+            <a:fontRef idx="minor">
+              <a:schemeClr val="tx1"/>
+            </a:fontRef>
+          </p:style>
+        </p:cxnSp>
+        <p:sp>
+          <p:nvSpPr>
+            <p:cNvPr id="22" name="Rectangle 23"/>
+            <p:cNvSpPr/>
+            <p:nvPr/>
+          </p:nvSpPr>
+          <p:spPr>
+            <a:xfrm>
+              <a:off x="9181476" y="-8467"/>
+              <a:ext cx="3007349" cy="6866467"/>
+            </a:xfrm>
+            <a:custGeom>
+              <a:avLst/>
+              <a:gdLst/>
+              <a:ahLst/>
+              <a:cxnLst/>
+              <a:rect l="l" t="t" r="r" b="b"/>
+              <a:pathLst>
+                <a:path w="3007349" h="6866467">
+                  <a:moveTo>
+                    <a:pt x="2045532" y="0"/>
+                  </a:moveTo>
+                  <a:lnTo>
+                    <a:pt x="3007349" y="0"/>
+                  </a:lnTo>
+                  <a:lnTo>
+                    <a:pt x="3007349" y="6866467"/>
+                  </a:lnTo>
+                  <a:lnTo>
+                    <a:pt x="0" y="6866467"/>
+                  </a:lnTo>
+                  <a:lnTo>
+                    <a:pt x="2045532" y="0"/>
+                  </a:lnTo>
+                  <a:close/>
+                </a:path>
+              </a:pathLst>
+            </a:custGeom>
+            <a:solidFill>
+              <a:schemeClr val="accent1">
+                <a:alpha val="30000"/>
+              </a:schemeClr>
+            </a:solidFill>
+            <a:ln>
+              <a:noFill/>
+            </a:ln>
+            <a:effectLst/>
+          </p:spPr>
+          <p:style>
+            <a:lnRef idx="1">
+              <a:schemeClr val="accent1"/>
+            </a:lnRef>
+            <a:fillRef idx="3">
+              <a:schemeClr val="accent1"/>
+            </a:fillRef>
+            <a:effectRef idx="2">
+              <a:schemeClr val="accent1"/>
+            </a:effectRef>
+            <a:fontRef idx="minor">
+              <a:schemeClr val="lt1"/>
+            </a:fontRef>
+          </p:style>
+        </p:sp>
+        <p:sp>
+          <p:nvSpPr>
+            <p:cNvPr id="23" name="Rectangle 25"/>
+            <p:cNvSpPr/>
+            <p:nvPr/>
+          </p:nvSpPr>
+          <p:spPr>
+            <a:xfrm>
+              <a:off x="9603442" y="-8467"/>
+              <a:ext cx="2588558" cy="6866467"/>
+            </a:xfrm>
+            <a:custGeom>
+              <a:avLst/>
+              <a:gdLst/>
+              <a:ahLst/>
+              <a:cxnLst/>
+              <a:rect l="l" t="t" r="r" b="b"/>
+              <a:pathLst>
+                <a:path w="2573311" h="6866467">
+                  <a:moveTo>
+                    <a:pt x="0" y="0"/>
+                  </a:moveTo>
+                  <a:lnTo>
+                    <a:pt x="2573311" y="0"/>
+                  </a:lnTo>
+                  <a:lnTo>
+                    <a:pt x="2573311" y="6866467"/>
+                  </a:lnTo>
+                  <a:lnTo>
+                    <a:pt x="1202336" y="6866467"/>
+                  </a:lnTo>
+                  <a:lnTo>
+                    <a:pt x="0" y="0"/>
+                  </a:lnTo>
+                  <a:close/>
+                </a:path>
+              </a:pathLst>
+            </a:custGeom>
+            <a:solidFill>
+              <a:schemeClr val="accent1">
+                <a:alpha val="20000"/>
+              </a:schemeClr>
+            </a:solidFill>
+            <a:ln>
+              <a:noFill/>
+            </a:ln>
+            <a:effectLst/>
+          </p:spPr>
+          <p:style>
+            <a:lnRef idx="1">
+              <a:schemeClr val="accent1"/>
+            </a:lnRef>
+            <a:fillRef idx="3">
+              <a:schemeClr val="accent1"/>
+            </a:fillRef>
+            <a:effectRef idx="2">
+              <a:schemeClr val="accent1"/>
+            </a:effectRef>
+            <a:fontRef idx="minor">
+              <a:schemeClr val="lt1"/>
+            </a:fontRef>
+          </p:style>
+        </p:sp>
+        <p:sp>
+          <p:nvSpPr>
+            <p:cNvPr id="24" name="Isosceles Triangle 23"/>
+            <p:cNvSpPr/>
+            <p:nvPr/>
+          </p:nvSpPr>
+          <p:spPr>
+            <a:xfrm>
+              <a:off x="8932333" y="3048000"/>
+              <a:ext cx="3259667" cy="3810000"/>
+            </a:xfrm>
+            <a:prstGeom prst="triangle">
+              <a:avLst>
+                <a:gd name="adj" fmla="val 100000"/>
+              </a:avLst>
+            </a:prstGeom>
+            <a:solidFill>
+              <a:schemeClr val="accent2">
+                <a:alpha val="72000"/>
+              </a:schemeClr>
+            </a:solidFill>
+            <a:ln>
+              <a:noFill/>
+            </a:ln>
+            <a:effectLst/>
+          </p:spPr>
+          <p:style>
+            <a:lnRef idx="1">
+              <a:schemeClr val="accent1"/>
+            </a:lnRef>
+            <a:fillRef idx="3">
+              <a:schemeClr val="accent1"/>
+            </a:fillRef>
+            <a:effectRef idx="2">
+              <a:schemeClr val="accent1"/>
+            </a:effectRef>
+            <a:fontRef idx="minor">
+              <a:schemeClr val="lt1"/>
+            </a:fontRef>
+          </p:style>
+        </p:sp>
+        <p:sp>
+          <p:nvSpPr>
+            <p:cNvPr id="25" name="Rectangle 27"/>
+            <p:cNvSpPr/>
+            <p:nvPr/>
+          </p:nvSpPr>
+          <p:spPr>
+            <a:xfrm>
+              <a:off x="9334500" y="-8467"/>
+              <a:ext cx="2854326" cy="6866467"/>
+            </a:xfrm>
+            <a:custGeom>
+              <a:avLst/>
+              <a:gdLst/>
+              <a:ahLst/>
+              <a:cxnLst/>
+              <a:rect l="l" t="t" r="r" b="b"/>
+              <a:pathLst>
+                <a:path w="2858013" h="6866467">
+                  <a:moveTo>
+                    <a:pt x="0" y="0"/>
+                  </a:moveTo>
+                  <a:lnTo>
+                    <a:pt x="2858013" y="0"/>
+                  </a:lnTo>
+                  <a:lnTo>
+                    <a:pt x="2858013" y="6866467"/>
+                  </a:lnTo>
+                  <a:lnTo>
+                    <a:pt x="2473942" y="6866467"/>
+                  </a:lnTo>
+                  <a:lnTo>
+                    <a:pt x="0" y="0"/>
+                  </a:lnTo>
+                  <a:close/>
+                </a:path>
+              </a:pathLst>
+            </a:custGeom>
+            <a:solidFill>
+              <a:schemeClr val="accent2">
+                <a:lumMod val="75000"/>
+                <a:alpha val="70000"/>
+              </a:schemeClr>
+            </a:solidFill>
+            <a:ln>
+              <a:noFill/>
+            </a:ln>
+            <a:effectLst/>
+          </p:spPr>
+          <p:style>
+            <a:lnRef idx="1">
+              <a:schemeClr val="accent1"/>
+            </a:lnRef>
+            <a:fillRef idx="3">
+              <a:schemeClr val="accent1"/>
+            </a:fillRef>
+            <a:effectRef idx="2">
+              <a:schemeClr val="accent1"/>
+            </a:effectRef>
+            <a:fontRef idx="minor">
+              <a:schemeClr val="lt1"/>
+            </a:fontRef>
+          </p:style>
+        </p:sp>
+        <p:sp>
+          <p:nvSpPr>
+            <p:cNvPr id="26" name="Rectangle 28"/>
+            <p:cNvSpPr/>
+            <p:nvPr/>
+          </p:nvSpPr>
+          <p:spPr>
+            <a:xfrm>
+              <a:off x="10898730" y="-8467"/>
+              <a:ext cx="1290094" cy="6866467"/>
+            </a:xfrm>
+            <a:custGeom>
+              <a:avLst/>
+              <a:gdLst/>
+              <a:ahLst/>
+              <a:cxnLst/>
+              <a:rect l="l" t="t" r="r" b="b"/>
+              <a:pathLst>
+                <a:path w="1290094" h="6858000">
+                  <a:moveTo>
+                    <a:pt x="1019735" y="0"/>
+                  </a:moveTo>
+                  <a:lnTo>
+                    <a:pt x="1290094" y="0"/>
+                  </a:lnTo>
+                  <a:lnTo>
+                    <a:pt x="1290094" y="6858000"/>
+                  </a:lnTo>
+                  <a:lnTo>
+                    <a:pt x="0" y="6858000"/>
+                  </a:lnTo>
+                  <a:lnTo>
+                    <a:pt x="1019735" y="0"/>
+                  </a:lnTo>
+                  <a:close/>
+                </a:path>
+              </a:pathLst>
+            </a:custGeom>
+            <a:solidFill>
+              <a:schemeClr val="accent1">
+                <a:lumMod val="60000"/>
+                <a:lumOff val="40000"/>
+                <a:alpha val="70000"/>
+              </a:schemeClr>
+            </a:solidFill>
+            <a:ln>
+              <a:noFill/>
+            </a:ln>
+            <a:effectLst/>
+          </p:spPr>
+          <p:style>
+            <a:lnRef idx="1">
+              <a:schemeClr val="accent1"/>
+            </a:lnRef>
+            <a:fillRef idx="3">
+              <a:schemeClr val="accent1"/>
+            </a:fillRef>
+            <a:effectRef idx="2">
+              <a:schemeClr val="accent1"/>
+            </a:effectRef>
+            <a:fontRef idx="minor">
+              <a:schemeClr val="lt1"/>
+            </a:fontRef>
+          </p:style>
+        </p:sp>
+        <p:sp>
+          <p:nvSpPr>
+            <p:cNvPr id="27" name="Rectangle 29"/>
+            <p:cNvSpPr/>
+            <p:nvPr/>
+          </p:nvSpPr>
+          <p:spPr>
+            <a:xfrm>
+              <a:off x="10938999" y="-8467"/>
+              <a:ext cx="1249825" cy="6866467"/>
+            </a:xfrm>
+            <a:custGeom>
+              <a:avLst/>
+              <a:gdLst/>
+              <a:ahLst/>
+              <a:cxnLst/>
+              <a:rect l="l" t="t" r="r" b="b"/>
+              <a:pathLst>
+                <a:path w="1249825" h="6858000">
+                  <a:moveTo>
+                    <a:pt x="0" y="0"/>
+                  </a:moveTo>
+                  <a:lnTo>
+                    <a:pt x="1249825" y="0"/>
+                  </a:lnTo>
+                  <a:lnTo>
+                    <a:pt x="1249825" y="6858000"/>
+                  </a:lnTo>
+                  <a:lnTo>
+                    <a:pt x="1109382" y="6858000"/>
+                  </a:lnTo>
+                  <a:lnTo>
+                    <a:pt x="0" y="0"/>
+                  </a:lnTo>
+                  <a:close/>
+                </a:path>
+              </a:pathLst>
+            </a:custGeom>
+            <a:solidFill>
+              <a:schemeClr val="accent1">
+                <a:alpha val="65000"/>
+              </a:schemeClr>
+            </a:solidFill>
+            <a:ln>
+              <a:noFill/>
+            </a:ln>
+            <a:effectLst/>
+          </p:spPr>
+          <p:style>
+            <a:lnRef idx="1">
+              <a:schemeClr val="accent1"/>
+            </a:lnRef>
+            <a:fillRef idx="3">
+              <a:schemeClr val="accent1"/>
+            </a:fillRef>
+            <a:effectRef idx="2">
+              <a:schemeClr val="accent1"/>
+            </a:effectRef>
+            <a:fontRef idx="minor">
+              <a:schemeClr val="lt1"/>
+            </a:fontRef>
+          </p:style>
+        </p:sp>
+        <p:sp>
+          <p:nvSpPr>
+            <p:cNvPr id="28" name="Isosceles Triangle 27"/>
+            <p:cNvSpPr/>
+            <p:nvPr/>
+          </p:nvSpPr>
+          <p:spPr>
+            <a:xfrm>
+              <a:off x="10371666" y="3589867"/>
+              <a:ext cx="1817159" cy="3268133"/>
+            </a:xfrm>
+            <a:prstGeom prst="triangle">
+              <a:avLst>
+                <a:gd name="adj" fmla="val 100000"/>
+              </a:avLst>
+            </a:prstGeom>
+            <a:solidFill>
+              <a:schemeClr val="accent1">
+                <a:alpha val="80000"/>
+              </a:schemeClr>
+            </a:solidFill>
+            <a:ln>
+              <a:noFill/>
+            </a:ln>
+            <a:effectLst/>
+          </p:spPr>
+          <p:style>
+            <a:lnRef idx="1">
+              <a:schemeClr val="accent1"/>
+            </a:lnRef>
+            <a:fillRef idx="3">
+              <a:schemeClr val="accent1"/>
+            </a:fillRef>
+            <a:effectRef idx="2">
+              <a:schemeClr val="accent1"/>
+            </a:effectRef>
+            <a:fontRef idx="minor">
+              <a:schemeClr val="lt1"/>
+            </a:fontRef>
+          </p:style>
+        </p:sp>
+        <p:sp>
+          <p:nvSpPr>
+            <p:cNvPr id="29" name="Isosceles Triangle 28"/>
+            <p:cNvSpPr/>
+            <p:nvPr/>
+          </p:nvSpPr>
+          <p:spPr>
+            <a:xfrm>
+              <a:off x="0" y="4013200"/>
+              <a:ext cx="448733" cy="2844800"/>
+            </a:xfrm>
+            <a:prstGeom prst="triangle">
+              <a:avLst>
+                <a:gd name="adj" fmla="val 0"/>
+              </a:avLst>
+            </a:prstGeom>
+            <a:solidFill>
+              <a:schemeClr val="accent1">
+                <a:alpha val="85000"/>
+              </a:schemeClr>
+            </a:solidFill>
+            <a:ln>
+              <a:noFill/>
+            </a:ln>
+            <a:effectLst/>
+          </p:spPr>
+          <p:style>
+            <a:lnRef idx="1">
+              <a:schemeClr val="accent1"/>
+            </a:lnRef>
+            <a:fillRef idx="3">
+              <a:schemeClr val="accent1"/>
+            </a:fillRef>
+            <a:effectRef idx="2">
+              <a:schemeClr val="accent1"/>
+            </a:effectRef>
+            <a:fontRef idx="minor">
+              <a:schemeClr val="lt1"/>
+            </a:fontRef>
+          </p:style>
+        </p:sp>
+      </p:grpSp>
+      <p:sp>
+        <p:nvSpPr>
+          <p:cNvPr id="2" name="Title Placeholder 1"/>
           <p:cNvSpPr>
             <a:spLocks noGrp="1"/>
           </p:cNvSpPr>
@@ -2795,15 +5221,15 @@
         </p:nvSpPr>
         <p:spPr>
           <a:xfrm>
-            <a:off x="838200" y="365125"/>
-            <a:ext cx="10515600" cy="1325563"/>
+            <a:off x="677334" y="609600"/>
+            <a:ext cx="8596668" cy="1320800"/>
           </a:xfrm>
           <a:prstGeom prst="rect">
             <a:avLst/>
           </a:prstGeom>
         </p:spPr>
         <p:txBody>
-          <a:bodyPr vert="horz" lIns="91440" tIns="45720" rIns="91440" bIns="45720" rtlCol="0" anchor="ctr">
+          <a:bodyPr vert="horz" lIns="91440" tIns="45720" rIns="91440" bIns="45720" rtlCol="0" anchor="t">
             <a:normAutofit/>
           </a:bodyPr>
           <a:lstStyle/>
@@ -2812,19 +5238,13 @@
               <a:rPr lang="fr-FR"/>
               <a:t>Modifiez le style du titre</a:t>
             </a:r>
-            <a:endParaRPr lang="en-GB"/>
-          </a:p>
-        </p:txBody>
-      </p:sp>
-      <p:sp>
-        <p:nvSpPr>
-          <p:cNvPr id="3" name="Espace réservé du texte 2">
-            <a:extLst>
-              <a:ext uri="{FF2B5EF4-FFF2-40B4-BE49-F238E27FC236}">
-                <a16:creationId xmlns:a16="http://schemas.microsoft.com/office/drawing/2014/main" id="{26DB182F-2B63-48D3-985F-CAC53C97FC83}"/>
-              </a:ext>
-            </a:extLst>
-          </p:cNvPr>
+            <a:endParaRPr lang="en-US" dirty="0"/>
+          </a:p>
+        </p:txBody>
+      </p:sp>
+      <p:sp>
+        <p:nvSpPr>
+          <p:cNvPr id="3" name="Text Placeholder 2"/>
           <p:cNvSpPr>
             <a:spLocks noGrp="1"/>
           </p:cNvSpPr>
@@ -2834,8 +5254,8 @@
         </p:nvSpPr>
         <p:spPr>
           <a:xfrm>
-            <a:off x="838200" y="1825625"/>
-            <a:ext cx="10515600" cy="4351338"/>
+            <a:off x="677334" y="2160589"/>
+            <a:ext cx="8596668" cy="3880773"/>
           </a:xfrm>
           <a:prstGeom prst="rect">
             <a:avLst/>
@@ -2880,19 +5300,13 @@
               <a:rPr lang="fr-FR"/>
               <a:t>Cinquième niveau</a:t>
             </a:r>
-            <a:endParaRPr lang="en-GB"/>
-          </a:p>
-        </p:txBody>
-      </p:sp>
-      <p:sp>
-        <p:nvSpPr>
-          <p:cNvPr id="4" name="Espace réservé de la date 3">
-            <a:extLst>
-              <a:ext uri="{FF2B5EF4-FFF2-40B4-BE49-F238E27FC236}">
-                <a16:creationId xmlns:a16="http://schemas.microsoft.com/office/drawing/2014/main" id="{FF825DE4-4962-4BF8-BCD1-5B3E2B93AFB3}"/>
-              </a:ext>
-            </a:extLst>
-          </p:cNvPr>
+            <a:endParaRPr lang="en-US" dirty="0"/>
+          </a:p>
+        </p:txBody>
+      </p:sp>
+      <p:sp>
+        <p:nvSpPr>
+          <p:cNvPr id="4" name="Date Placeholder 3"/>
           <p:cNvSpPr>
             <a:spLocks noGrp="1"/>
           </p:cNvSpPr>
@@ -2902,8 +5316,8 @@
         </p:nvSpPr>
         <p:spPr>
           <a:xfrm>
-            <a:off x="838200" y="6356350"/>
-            <a:ext cx="2743200" cy="365125"/>
+            <a:off x="7205133" y="6041362"/>
+            <a:ext cx="911939" cy="365125"/>
           </a:xfrm>
           <a:prstGeom prst="rect">
             <a:avLst/>
@@ -2912,8 +5326,8 @@
         <p:txBody>
           <a:bodyPr vert="horz" lIns="91440" tIns="45720" rIns="91440" bIns="45720" rtlCol="0" anchor="ctr"/>
           <a:lstStyle>
-            <a:lvl1pPr algn="l">
-              <a:defRPr sz="1200">
+            <a:lvl1pPr algn="r">
+              <a:defRPr sz="900">
                 <a:solidFill>
                   <a:schemeClr val="tx1">
                     <a:tint val="75000"/>
@@ -2923,23 +5337,18 @@
             </a:lvl1pPr>
           </a:lstStyle>
           <a:p>
-            <a:fld id="{B157BCDE-2F30-4221-9502-D38802CDED20}" type="datetimeFigureOut">
-              <a:rPr lang="en-GB" smtClean="0"/>
-              <a:t>11/01/2019</a:t>
+            <a:fld id="{B61BEF0D-F0BB-DE4B-95CE-6DB70DBA9567}" type="datetimeFigureOut">
+              <a:rPr lang="en-US" dirty="0"/>
+              <a:pPr/>
+              <a:t>1/13/2019</a:t>
             </a:fld>
-            <a:endParaRPr lang="en-GB"/>
-          </a:p>
-        </p:txBody>
-      </p:sp>
-      <p:sp>
-        <p:nvSpPr>
-          <p:cNvPr id="5" name="Espace réservé du pied de page 4">
-            <a:extLst>
-              <a:ext uri="{FF2B5EF4-FFF2-40B4-BE49-F238E27FC236}">
-                <a16:creationId xmlns:a16="http://schemas.microsoft.com/office/drawing/2014/main" id="{3CF3EFFF-FEEF-4E0B-B25C-4546D1D686C1}"/>
-              </a:ext>
-            </a:extLst>
-          </p:cNvPr>
+            <a:endParaRPr lang="en-US" dirty="0"/>
+          </a:p>
+        </p:txBody>
+      </p:sp>
+      <p:sp>
+        <p:nvSpPr>
+          <p:cNvPr id="5" name="Footer Placeholder 4"/>
           <p:cNvSpPr>
             <a:spLocks noGrp="1"/>
           </p:cNvSpPr>
@@ -2949,8 +5358,8 @@
         </p:nvSpPr>
         <p:spPr>
           <a:xfrm>
-            <a:off x="4038600" y="6356350"/>
-            <a:ext cx="4114800" cy="365125"/>
+            <a:off x="677334" y="6041362"/>
+            <a:ext cx="6297612" cy="365125"/>
           </a:xfrm>
           <a:prstGeom prst="rect">
             <a:avLst/>
@@ -2959,8 +5368,8 @@
         <p:txBody>
           <a:bodyPr vert="horz" lIns="91440" tIns="45720" rIns="91440" bIns="45720" rtlCol="0" anchor="ctr"/>
           <a:lstStyle>
-            <a:lvl1pPr algn="ctr">
-              <a:defRPr sz="1200">
+            <a:lvl1pPr algn="l">
+              <a:defRPr sz="900">
                 <a:solidFill>
                   <a:schemeClr val="tx1">
                     <a:tint val="75000"/>
@@ -2970,19 +5379,13 @@
             </a:lvl1pPr>
           </a:lstStyle>
           <a:p>
-            <a:endParaRPr lang="en-GB"/>
-          </a:p>
-        </p:txBody>
-      </p:sp>
-      <p:sp>
-        <p:nvSpPr>
-          <p:cNvPr id="6" name="Espace réservé du numéro de diapositive 5">
-            <a:extLst>
-              <a:ext uri="{FF2B5EF4-FFF2-40B4-BE49-F238E27FC236}">
-                <a16:creationId xmlns:a16="http://schemas.microsoft.com/office/drawing/2014/main" id="{9425BF33-B48B-469C-B27C-6A69BA77A5CB}"/>
-              </a:ext>
-            </a:extLst>
-          </p:cNvPr>
+            <a:endParaRPr lang="en-US" dirty="0"/>
+          </a:p>
+        </p:txBody>
+      </p:sp>
+      <p:sp>
+        <p:nvSpPr>
+          <p:cNvPr id="6" name="Slide Number Placeholder 5"/>
           <p:cNvSpPr>
             <a:spLocks noGrp="1"/>
           </p:cNvSpPr>
@@ -2992,8 +5395,8 @@
         </p:nvSpPr>
         <p:spPr>
           <a:xfrm>
-            <a:off x="8610600" y="6356350"/>
-            <a:ext cx="2743200" cy="365125"/>
+            <a:off x="8590663" y="6041362"/>
+            <a:ext cx="683339" cy="365125"/>
           </a:xfrm>
           <a:prstGeom prst="rect">
             <a:avLst/>
@@ -3003,76 +5406,355 @@
           <a:bodyPr vert="horz" lIns="91440" tIns="45720" rIns="91440" bIns="45720" rtlCol="0" anchor="ctr"/>
           <a:lstStyle>
             <a:lvl1pPr algn="r">
-              <a:defRPr sz="1200">
-                <a:solidFill>
-                  <a:schemeClr val="tx1">
-                    <a:tint val="75000"/>
-                  </a:schemeClr>
+              <a:defRPr sz="900">
+                <a:solidFill>
+                  <a:schemeClr val="accent1"/>
                 </a:solidFill>
               </a:defRPr>
             </a:lvl1pPr>
           </a:lstStyle>
           <a:p>
-            <a:fld id="{1D5F62B4-F5A1-45C6-B17A-BAFED77DDBA3}" type="slidenum">
-              <a:rPr lang="en-GB" smtClean="0"/>
+            <a:fld id="{D57F1E4F-1CFF-5643-939E-217C01CDF565}" type="slidenum">
+              <a:rPr lang="en-US" dirty="0"/>
+              <a:pPr/>
               <a:t>‹N°›</a:t>
             </a:fld>
-            <a:endParaRPr lang="en-GB"/>
+            <a:endParaRPr lang="en-US" dirty="0"/>
           </a:p>
         </p:txBody>
       </p:sp>
     </p:spTree>
     <p:extLst>
       <p:ext uri="{BB962C8B-B14F-4D97-AF65-F5344CB8AC3E}">
-        <p14:creationId xmlns:p14="http://schemas.microsoft.com/office/powerpoint/2010/main" val="3503261427"/>
+        <p14:creationId xmlns:p14="http://schemas.microsoft.com/office/powerpoint/2010/main" val="24524545"/>
       </p:ext>
     </p:extLst>
   </p:cSld>
   <p:clrMap bg1="lt1" tx1="dk1" bg2="lt2" tx2="dk2" accent1="accent1" accent2="accent2" accent3="accent3" accent4="accent4" accent5="accent5" accent6="accent6" hlink="hlink" folHlink="folHlink"/>
   <p:sldLayoutIdLst>
-    <p:sldLayoutId id="2147483649" r:id="rId1"/>
-    <p:sldLayoutId id="2147483650" r:id="rId2"/>
-    <p:sldLayoutId id="2147483651" r:id="rId3"/>
-    <p:sldLayoutId id="2147483652" r:id="rId4"/>
-    <p:sldLayoutId id="2147483653" r:id="rId5"/>
-    <p:sldLayoutId id="2147483654" r:id="rId6"/>
-    <p:sldLayoutId id="2147483655" r:id="rId7"/>
-    <p:sldLayoutId id="2147483656" r:id="rId8"/>
-    <p:sldLayoutId id="2147483657" r:id="rId9"/>
-    <p:sldLayoutId id="2147483658" r:id="rId10"/>
-    <p:sldLayoutId id="2147483659" r:id="rId11"/>
+    <p:sldLayoutId id="2147483685" r:id="rId1"/>
+    <p:sldLayoutId id="2147483686" r:id="rId2"/>
+    <p:sldLayoutId id="2147483687" r:id="rId3"/>
+    <p:sldLayoutId id="2147483688" r:id="rId4"/>
+    <p:sldLayoutId id="2147483689" r:id="rId5"/>
+    <p:sldLayoutId id="2147483690" r:id="rId6"/>
+    <p:sldLayoutId id="2147483691" r:id="rId7"/>
+    <p:sldLayoutId id="2147483692" r:id="rId8"/>
+    <p:sldLayoutId id="2147483693" r:id="rId9"/>
+    <p:sldLayoutId id="2147483694" r:id="rId10"/>
+    <p:sldLayoutId id="2147483695" r:id="rId11"/>
+    <p:sldLayoutId id="2147483696" r:id="rId12"/>
+    <p:sldLayoutId id="2147483697" r:id="rId13"/>
+    <p:sldLayoutId id="2147483698" r:id="rId14"/>
+    <p:sldLayoutId id="2147483699" r:id="rId15"/>
+    <p:sldLayoutId id="2147483700" r:id="rId16"/>
   </p:sldLayoutIdLst>
   <p:txStyles>
     <p:titleStyle>
-      <a:lvl1pPr algn="l" defTabSz="914400" rtl="0" eaLnBrk="1" latinLnBrk="0" hangingPunct="1">
-        <a:lnSpc>
-          <a:spcPct val="90000"/>
-        </a:lnSpc>
+      <a:lvl1pPr algn="l" defTabSz="457200" rtl="0" eaLnBrk="1" latinLnBrk="0" hangingPunct="1">
         <a:spcBef>
           <a:spcPct val="0"/>
         </a:spcBef>
         <a:buNone/>
-        <a:defRPr sz="4400" kern="1200">
+        <a:defRPr sz="3600" kern="1200">
           <a:solidFill>
-            <a:schemeClr val="tx1"/>
+            <a:schemeClr val="accent1"/>
           </a:solidFill>
           <a:latin typeface="+mj-lt"/>
           <a:ea typeface="+mj-ea"/>
           <a:cs typeface="+mj-cs"/>
         </a:defRPr>
       </a:lvl1pPr>
+      <a:lvl2pPr eaLnBrk="1" hangingPunct="1">
+        <a:defRPr>
+          <a:solidFill>
+            <a:schemeClr val="tx2"/>
+          </a:solidFill>
+        </a:defRPr>
+      </a:lvl2pPr>
+      <a:lvl3pPr eaLnBrk="1" hangingPunct="1">
+        <a:defRPr>
+          <a:solidFill>
+            <a:schemeClr val="tx2"/>
+          </a:solidFill>
+        </a:defRPr>
+      </a:lvl3pPr>
+      <a:lvl4pPr eaLnBrk="1" hangingPunct="1">
+        <a:defRPr>
+          <a:solidFill>
+            <a:schemeClr val="tx2"/>
+          </a:solidFill>
+        </a:defRPr>
+      </a:lvl4pPr>
+      <a:lvl5pPr eaLnBrk="1" hangingPunct="1">
+        <a:defRPr>
+          <a:solidFill>
+            <a:schemeClr val="tx2"/>
+          </a:solidFill>
+        </a:defRPr>
+      </a:lvl5pPr>
+      <a:lvl6pPr eaLnBrk="1" hangingPunct="1">
+        <a:defRPr>
+          <a:solidFill>
+            <a:schemeClr val="tx2"/>
+          </a:solidFill>
+        </a:defRPr>
+      </a:lvl6pPr>
+      <a:lvl7pPr eaLnBrk="1" hangingPunct="1">
+        <a:defRPr>
+          <a:solidFill>
+            <a:schemeClr val="tx2"/>
+          </a:solidFill>
+        </a:defRPr>
+      </a:lvl7pPr>
+      <a:lvl8pPr eaLnBrk="1" hangingPunct="1">
+        <a:defRPr>
+          <a:solidFill>
+            <a:schemeClr val="tx2"/>
+          </a:solidFill>
+        </a:defRPr>
+      </a:lvl8pPr>
+      <a:lvl9pPr eaLnBrk="1" hangingPunct="1">
+        <a:defRPr>
+          <a:solidFill>
+            <a:schemeClr val="tx2"/>
+          </a:solidFill>
+        </a:defRPr>
+      </a:lvl9pPr>
     </p:titleStyle>
     <p:bodyStyle>
-      <a:lvl1pPr marL="228600" indent="-228600" algn="l" defTabSz="914400" rtl="0" eaLnBrk="1" latinLnBrk="0" hangingPunct="1">
-        <a:lnSpc>
-          <a:spcPct val="90000"/>
-        </a:lnSpc>
+      <a:lvl1pPr marL="342900" indent="-342900" algn="l" defTabSz="457200" rtl="0" eaLnBrk="1" latinLnBrk="0" hangingPunct="1">
         <a:spcBef>
           <a:spcPts val="1000"/>
         </a:spcBef>
-        <a:buFont typeface="Arial" panose="020B0604020202020204" pitchFamily="34" charset="0"/>
-        <a:buChar char="•"/>
-        <a:defRPr sz="2800" kern="1200">
+        <a:spcAft>
+          <a:spcPts val="0"/>
+        </a:spcAft>
+        <a:buClr>
+          <a:schemeClr val="accent1"/>
+        </a:buClr>
+        <a:buSzPct val="80000"/>
+        <a:buFont typeface="Wingdings 3" charset="2"/>
+        <a:buChar char=""/>
+        <a:defRPr sz="1800" kern="1200">
+          <a:solidFill>
+            <a:schemeClr val="tx1">
+              <a:lumMod val="75000"/>
+              <a:lumOff val="25000"/>
+            </a:schemeClr>
+          </a:solidFill>
+          <a:latin typeface="+mn-lt"/>
+          <a:ea typeface="+mn-ea"/>
+          <a:cs typeface="+mn-cs"/>
+        </a:defRPr>
+      </a:lvl1pPr>
+      <a:lvl2pPr marL="742950" indent="-285750" algn="l" defTabSz="457200" rtl="0" eaLnBrk="1" latinLnBrk="0" hangingPunct="1">
+        <a:spcBef>
+          <a:spcPts val="1000"/>
+        </a:spcBef>
+        <a:spcAft>
+          <a:spcPts val="0"/>
+        </a:spcAft>
+        <a:buClr>
+          <a:schemeClr val="accent1"/>
+        </a:buClr>
+        <a:buSzPct val="80000"/>
+        <a:buFont typeface="Wingdings 3" charset="2"/>
+        <a:buChar char=""/>
+        <a:defRPr sz="1600" kern="1200">
+          <a:solidFill>
+            <a:schemeClr val="tx1">
+              <a:lumMod val="75000"/>
+              <a:lumOff val="25000"/>
+            </a:schemeClr>
+          </a:solidFill>
+          <a:latin typeface="+mn-lt"/>
+          <a:ea typeface="+mn-ea"/>
+          <a:cs typeface="+mn-cs"/>
+        </a:defRPr>
+      </a:lvl2pPr>
+      <a:lvl3pPr marL="1143000" indent="-228600" algn="l" defTabSz="457200" rtl="0" eaLnBrk="1" latinLnBrk="0" hangingPunct="1">
+        <a:spcBef>
+          <a:spcPts val="1000"/>
+        </a:spcBef>
+        <a:spcAft>
+          <a:spcPts val="0"/>
+        </a:spcAft>
+        <a:buClr>
+          <a:schemeClr val="accent1"/>
+        </a:buClr>
+        <a:buSzPct val="80000"/>
+        <a:buFont typeface="Wingdings 3" charset="2"/>
+        <a:buChar char=""/>
+        <a:defRPr sz="1400" kern="1200">
+          <a:solidFill>
+            <a:schemeClr val="tx1">
+              <a:lumMod val="75000"/>
+              <a:lumOff val="25000"/>
+            </a:schemeClr>
+          </a:solidFill>
+          <a:latin typeface="+mn-lt"/>
+          <a:ea typeface="+mn-ea"/>
+          <a:cs typeface="+mn-cs"/>
+        </a:defRPr>
+      </a:lvl3pPr>
+      <a:lvl4pPr marL="1600200" indent="-228600" algn="l" defTabSz="457200" rtl="0" eaLnBrk="1" latinLnBrk="0" hangingPunct="1">
+        <a:spcBef>
+          <a:spcPts val="1000"/>
+        </a:spcBef>
+        <a:spcAft>
+          <a:spcPts val="0"/>
+        </a:spcAft>
+        <a:buClr>
+          <a:schemeClr val="accent1"/>
+        </a:buClr>
+        <a:buSzPct val="80000"/>
+        <a:buFont typeface="Wingdings 3" charset="2"/>
+        <a:buChar char=""/>
+        <a:defRPr sz="1200" kern="1200">
+          <a:solidFill>
+            <a:schemeClr val="tx1">
+              <a:lumMod val="75000"/>
+              <a:lumOff val="25000"/>
+            </a:schemeClr>
+          </a:solidFill>
+          <a:latin typeface="+mn-lt"/>
+          <a:ea typeface="+mn-ea"/>
+          <a:cs typeface="+mn-cs"/>
+        </a:defRPr>
+      </a:lvl4pPr>
+      <a:lvl5pPr marL="2057400" indent="-228600" algn="l" defTabSz="457200" rtl="0" eaLnBrk="1" latinLnBrk="0" hangingPunct="1">
+        <a:spcBef>
+          <a:spcPts val="1000"/>
+        </a:spcBef>
+        <a:spcAft>
+          <a:spcPts val="0"/>
+        </a:spcAft>
+        <a:buClr>
+          <a:schemeClr val="accent1"/>
+        </a:buClr>
+        <a:buSzPct val="80000"/>
+        <a:buFont typeface="Wingdings 3" charset="2"/>
+        <a:buChar char=""/>
+        <a:defRPr sz="1200" kern="1200">
+          <a:solidFill>
+            <a:schemeClr val="tx1">
+              <a:lumMod val="75000"/>
+              <a:lumOff val="25000"/>
+            </a:schemeClr>
+          </a:solidFill>
+          <a:latin typeface="+mn-lt"/>
+          <a:ea typeface="+mn-ea"/>
+          <a:cs typeface="+mn-cs"/>
+        </a:defRPr>
+      </a:lvl5pPr>
+      <a:lvl6pPr marL="2514600" indent="-228600" algn="l" defTabSz="457200" rtl="0" eaLnBrk="1" latinLnBrk="0" hangingPunct="1">
+        <a:spcBef>
+          <a:spcPts val="1000"/>
+        </a:spcBef>
+        <a:spcAft>
+          <a:spcPts val="0"/>
+        </a:spcAft>
+        <a:buClr>
+          <a:schemeClr val="accent1"/>
+        </a:buClr>
+        <a:buSzPct val="80000"/>
+        <a:buFont typeface="Wingdings 3" charset="2"/>
+        <a:buChar char=""/>
+        <a:defRPr sz="1200" kern="1200">
+          <a:solidFill>
+            <a:schemeClr val="tx1">
+              <a:lumMod val="75000"/>
+              <a:lumOff val="25000"/>
+            </a:schemeClr>
+          </a:solidFill>
+          <a:latin typeface="+mn-lt"/>
+          <a:ea typeface="+mn-ea"/>
+          <a:cs typeface="+mn-cs"/>
+        </a:defRPr>
+      </a:lvl6pPr>
+      <a:lvl7pPr marL="2971800" indent="-228600" algn="l" defTabSz="457200" rtl="0" eaLnBrk="1" latinLnBrk="0" hangingPunct="1">
+        <a:spcBef>
+          <a:spcPts val="1000"/>
+        </a:spcBef>
+        <a:spcAft>
+          <a:spcPts val="0"/>
+        </a:spcAft>
+        <a:buClr>
+          <a:schemeClr val="accent1"/>
+        </a:buClr>
+        <a:buSzPct val="80000"/>
+        <a:buFont typeface="Wingdings 3" charset="2"/>
+        <a:buChar char=""/>
+        <a:defRPr sz="1200" kern="1200">
+          <a:solidFill>
+            <a:schemeClr val="tx1">
+              <a:lumMod val="75000"/>
+              <a:lumOff val="25000"/>
+            </a:schemeClr>
+          </a:solidFill>
+          <a:latin typeface="+mn-lt"/>
+          <a:ea typeface="+mn-ea"/>
+          <a:cs typeface="+mn-cs"/>
+        </a:defRPr>
+      </a:lvl7pPr>
+      <a:lvl8pPr marL="3429000" indent="-228600" algn="l" defTabSz="457200" rtl="0" eaLnBrk="1" latinLnBrk="0" hangingPunct="1">
+        <a:spcBef>
+          <a:spcPts val="1000"/>
+        </a:spcBef>
+        <a:spcAft>
+          <a:spcPts val="0"/>
+        </a:spcAft>
+        <a:buClr>
+          <a:schemeClr val="accent1"/>
+        </a:buClr>
+        <a:buSzPct val="80000"/>
+        <a:buFont typeface="Wingdings 3" charset="2"/>
+        <a:buChar char=""/>
+        <a:defRPr sz="1200" kern="1200">
+          <a:solidFill>
+            <a:schemeClr val="tx1">
+              <a:lumMod val="75000"/>
+              <a:lumOff val="25000"/>
+            </a:schemeClr>
+          </a:solidFill>
+          <a:latin typeface="+mn-lt"/>
+          <a:ea typeface="+mn-ea"/>
+          <a:cs typeface="+mn-cs"/>
+        </a:defRPr>
+      </a:lvl8pPr>
+      <a:lvl9pPr marL="3886200" indent="-228600" algn="l" defTabSz="457200" rtl="0" eaLnBrk="1" latinLnBrk="0" hangingPunct="1">
+        <a:spcBef>
+          <a:spcPts val="1000"/>
+        </a:spcBef>
+        <a:spcAft>
+          <a:spcPts val="0"/>
+        </a:spcAft>
+        <a:buClr>
+          <a:schemeClr val="accent1"/>
+        </a:buClr>
+        <a:buSzPct val="80000"/>
+        <a:buFont typeface="Wingdings 3" charset="2"/>
+        <a:buChar char=""/>
+        <a:defRPr sz="1200" kern="1200">
+          <a:solidFill>
+            <a:schemeClr val="tx1">
+              <a:lumMod val="75000"/>
+              <a:lumOff val="25000"/>
+            </a:schemeClr>
+          </a:solidFill>
+          <a:latin typeface="+mn-lt"/>
+          <a:ea typeface="+mn-ea"/>
+          <a:cs typeface="+mn-cs"/>
+        </a:defRPr>
+      </a:lvl9pPr>
+    </p:bodyStyle>
+    <p:otherStyle>
+      <a:defPPr>
+        <a:defRPr lang="en-US"/>
+      </a:defPPr>
+      <a:lvl1pPr marL="0" algn="l" defTabSz="457200" rtl="0" eaLnBrk="1" latinLnBrk="0" hangingPunct="1">
+        <a:defRPr sz="1800" kern="1200">
           <a:solidFill>
             <a:schemeClr val="tx1"/>
           </a:solidFill>
@@ -3081,16 +5763,8 @@
           <a:cs typeface="+mn-cs"/>
         </a:defRPr>
       </a:lvl1pPr>
-      <a:lvl2pPr marL="685800" indent="-228600" algn="l" defTabSz="914400" rtl="0" eaLnBrk="1" latinLnBrk="0" hangingPunct="1">
-        <a:lnSpc>
-          <a:spcPct val="90000"/>
-        </a:lnSpc>
-        <a:spcBef>
-          <a:spcPts val="500"/>
-        </a:spcBef>
-        <a:buFont typeface="Arial" panose="020B0604020202020204" pitchFamily="34" charset="0"/>
-        <a:buChar char="•"/>
-        <a:defRPr sz="2400" kern="1200">
+      <a:lvl2pPr marL="457200" algn="l" defTabSz="457200" rtl="0" eaLnBrk="1" latinLnBrk="0" hangingPunct="1">
+        <a:defRPr sz="1800" kern="1200">
           <a:solidFill>
             <a:schemeClr val="tx1"/>
           </a:solidFill>
@@ -3099,16 +5773,8 @@
           <a:cs typeface="+mn-cs"/>
         </a:defRPr>
       </a:lvl2pPr>
-      <a:lvl3pPr marL="1143000" indent="-228600" algn="l" defTabSz="914400" rtl="0" eaLnBrk="1" latinLnBrk="0" hangingPunct="1">
-        <a:lnSpc>
-          <a:spcPct val="90000"/>
-        </a:lnSpc>
-        <a:spcBef>
-          <a:spcPts val="500"/>
-        </a:spcBef>
-        <a:buFont typeface="Arial" panose="020B0604020202020204" pitchFamily="34" charset="0"/>
-        <a:buChar char="•"/>
-        <a:defRPr sz="2000" kern="1200">
+      <a:lvl3pPr marL="914400" algn="l" defTabSz="457200" rtl="0" eaLnBrk="1" latinLnBrk="0" hangingPunct="1">
+        <a:defRPr sz="1800" kern="1200">
           <a:solidFill>
             <a:schemeClr val="tx1"/>
           </a:solidFill>
@@ -3117,15 +5783,7 @@
           <a:cs typeface="+mn-cs"/>
         </a:defRPr>
       </a:lvl3pPr>
-      <a:lvl4pPr marL="1600200" indent="-228600" algn="l" defTabSz="914400" rtl="0" eaLnBrk="1" latinLnBrk="0" hangingPunct="1">
-        <a:lnSpc>
-          <a:spcPct val="90000"/>
-        </a:lnSpc>
-        <a:spcBef>
-          <a:spcPts val="500"/>
-        </a:spcBef>
-        <a:buFont typeface="Arial" panose="020B0604020202020204" pitchFamily="34" charset="0"/>
-        <a:buChar char="•"/>
+      <a:lvl4pPr marL="1371600" algn="l" defTabSz="457200" rtl="0" eaLnBrk="1" latinLnBrk="0" hangingPunct="1">
         <a:defRPr sz="1800" kern="1200">
           <a:solidFill>
             <a:schemeClr val="tx1"/>
@@ -3135,15 +5793,7 @@
           <a:cs typeface="+mn-cs"/>
         </a:defRPr>
       </a:lvl4pPr>
-      <a:lvl5pPr marL="2057400" indent="-228600" algn="l" defTabSz="914400" rtl="0" eaLnBrk="1" latinLnBrk="0" hangingPunct="1">
-        <a:lnSpc>
-          <a:spcPct val="90000"/>
-        </a:lnSpc>
-        <a:spcBef>
-          <a:spcPts val="500"/>
-        </a:spcBef>
-        <a:buFont typeface="Arial" panose="020B0604020202020204" pitchFamily="34" charset="0"/>
-        <a:buChar char="•"/>
+      <a:lvl5pPr marL="1828800" algn="l" defTabSz="457200" rtl="0" eaLnBrk="1" latinLnBrk="0" hangingPunct="1">
         <a:defRPr sz="1800" kern="1200">
           <a:solidFill>
             <a:schemeClr val="tx1"/>
@@ -3153,15 +5803,7 @@
           <a:cs typeface="+mn-cs"/>
         </a:defRPr>
       </a:lvl5pPr>
-      <a:lvl6pPr marL="2514600" indent="-228600" algn="l" defTabSz="914400" rtl="0" eaLnBrk="1" latinLnBrk="0" hangingPunct="1">
-        <a:lnSpc>
-          <a:spcPct val="90000"/>
-        </a:lnSpc>
-        <a:spcBef>
-          <a:spcPts val="500"/>
-        </a:spcBef>
-        <a:buFont typeface="Arial" panose="020B0604020202020204" pitchFamily="34" charset="0"/>
-        <a:buChar char="•"/>
+      <a:lvl6pPr marL="2286000" algn="l" defTabSz="457200" rtl="0" eaLnBrk="1" latinLnBrk="0" hangingPunct="1">
         <a:defRPr sz="1800" kern="1200">
           <a:solidFill>
             <a:schemeClr val="tx1"/>
@@ -3171,15 +5813,7 @@
           <a:cs typeface="+mn-cs"/>
         </a:defRPr>
       </a:lvl6pPr>
-      <a:lvl7pPr marL="2971800" indent="-228600" algn="l" defTabSz="914400" rtl="0" eaLnBrk="1" latinLnBrk="0" hangingPunct="1">
-        <a:lnSpc>
-          <a:spcPct val="90000"/>
-        </a:lnSpc>
-        <a:spcBef>
-          <a:spcPts val="500"/>
-        </a:spcBef>
-        <a:buFont typeface="Arial" panose="020B0604020202020204" pitchFamily="34" charset="0"/>
-        <a:buChar char="•"/>
+      <a:lvl7pPr marL="2743200" algn="l" defTabSz="457200" rtl="0" eaLnBrk="1" latinLnBrk="0" hangingPunct="1">
         <a:defRPr sz="1800" kern="1200">
           <a:solidFill>
             <a:schemeClr val="tx1"/>
@@ -3189,15 +5823,7 @@
           <a:cs typeface="+mn-cs"/>
         </a:defRPr>
       </a:lvl7pPr>
-      <a:lvl8pPr marL="3429000" indent="-228600" algn="l" defTabSz="914400" rtl="0" eaLnBrk="1" latinLnBrk="0" hangingPunct="1">
-        <a:lnSpc>
-          <a:spcPct val="90000"/>
-        </a:lnSpc>
-        <a:spcBef>
-          <a:spcPts val="500"/>
-        </a:spcBef>
-        <a:buFont typeface="Arial" panose="020B0604020202020204" pitchFamily="34" charset="0"/>
-        <a:buChar char="•"/>
+      <a:lvl8pPr marL="3200400" algn="l" defTabSz="457200" rtl="0" eaLnBrk="1" latinLnBrk="0" hangingPunct="1">
         <a:defRPr sz="1800" kern="1200">
           <a:solidFill>
             <a:schemeClr val="tx1"/>
@@ -3207,110 +5833,7 @@
           <a:cs typeface="+mn-cs"/>
         </a:defRPr>
       </a:lvl8pPr>
-      <a:lvl9pPr marL="3886200" indent="-228600" algn="l" defTabSz="914400" rtl="0" eaLnBrk="1" latinLnBrk="0" hangingPunct="1">
-        <a:lnSpc>
-          <a:spcPct val="90000"/>
-        </a:lnSpc>
-        <a:spcBef>
-          <a:spcPts val="500"/>
-        </a:spcBef>
-        <a:buFont typeface="Arial" panose="020B0604020202020204" pitchFamily="34" charset="0"/>
-        <a:buChar char="•"/>
-        <a:defRPr sz="1800" kern="1200">
-          <a:solidFill>
-            <a:schemeClr val="tx1"/>
-          </a:solidFill>
-          <a:latin typeface="+mn-lt"/>
-          <a:ea typeface="+mn-ea"/>
-          <a:cs typeface="+mn-cs"/>
-        </a:defRPr>
-      </a:lvl9pPr>
-    </p:bodyStyle>
-    <p:otherStyle>
-      <a:defPPr>
-        <a:defRPr lang="fr-FR"/>
-      </a:defPPr>
-      <a:lvl1pPr marL="0" algn="l" defTabSz="914400" rtl="0" eaLnBrk="1" latinLnBrk="0" hangingPunct="1">
-        <a:defRPr sz="1800" kern="1200">
-          <a:solidFill>
-            <a:schemeClr val="tx1"/>
-          </a:solidFill>
-          <a:latin typeface="+mn-lt"/>
-          <a:ea typeface="+mn-ea"/>
-          <a:cs typeface="+mn-cs"/>
-        </a:defRPr>
-      </a:lvl1pPr>
-      <a:lvl2pPr marL="457200" algn="l" defTabSz="914400" rtl="0" eaLnBrk="1" latinLnBrk="0" hangingPunct="1">
-        <a:defRPr sz="1800" kern="1200">
-          <a:solidFill>
-            <a:schemeClr val="tx1"/>
-          </a:solidFill>
-          <a:latin typeface="+mn-lt"/>
-          <a:ea typeface="+mn-ea"/>
-          <a:cs typeface="+mn-cs"/>
-        </a:defRPr>
-      </a:lvl2pPr>
-      <a:lvl3pPr marL="914400" algn="l" defTabSz="914400" rtl="0" eaLnBrk="1" latinLnBrk="0" hangingPunct="1">
-        <a:defRPr sz="1800" kern="1200">
-          <a:solidFill>
-            <a:schemeClr val="tx1"/>
-          </a:solidFill>
-          <a:latin typeface="+mn-lt"/>
-          <a:ea typeface="+mn-ea"/>
-          <a:cs typeface="+mn-cs"/>
-        </a:defRPr>
-      </a:lvl3pPr>
-      <a:lvl4pPr marL="1371600" algn="l" defTabSz="914400" rtl="0" eaLnBrk="1" latinLnBrk="0" hangingPunct="1">
-        <a:defRPr sz="1800" kern="1200">
-          <a:solidFill>
-            <a:schemeClr val="tx1"/>
-          </a:solidFill>
-          <a:latin typeface="+mn-lt"/>
-          <a:ea typeface="+mn-ea"/>
-          <a:cs typeface="+mn-cs"/>
-        </a:defRPr>
-      </a:lvl4pPr>
-      <a:lvl5pPr marL="1828800" algn="l" defTabSz="914400" rtl="0" eaLnBrk="1" latinLnBrk="0" hangingPunct="1">
-        <a:defRPr sz="1800" kern="1200">
-          <a:solidFill>
-            <a:schemeClr val="tx1"/>
-          </a:solidFill>
-          <a:latin typeface="+mn-lt"/>
-          <a:ea typeface="+mn-ea"/>
-          <a:cs typeface="+mn-cs"/>
-        </a:defRPr>
-      </a:lvl5pPr>
-      <a:lvl6pPr marL="2286000" algn="l" defTabSz="914400" rtl="0" eaLnBrk="1" latinLnBrk="0" hangingPunct="1">
-        <a:defRPr sz="1800" kern="1200">
-          <a:solidFill>
-            <a:schemeClr val="tx1"/>
-          </a:solidFill>
-          <a:latin typeface="+mn-lt"/>
-          <a:ea typeface="+mn-ea"/>
-          <a:cs typeface="+mn-cs"/>
-        </a:defRPr>
-      </a:lvl6pPr>
-      <a:lvl7pPr marL="2743200" algn="l" defTabSz="914400" rtl="0" eaLnBrk="1" latinLnBrk="0" hangingPunct="1">
-        <a:defRPr sz="1800" kern="1200">
-          <a:solidFill>
-            <a:schemeClr val="tx1"/>
-          </a:solidFill>
-          <a:latin typeface="+mn-lt"/>
-          <a:ea typeface="+mn-ea"/>
-          <a:cs typeface="+mn-cs"/>
-        </a:defRPr>
-      </a:lvl7pPr>
-      <a:lvl8pPr marL="3200400" algn="l" defTabSz="914400" rtl="0" eaLnBrk="1" latinLnBrk="0" hangingPunct="1">
-        <a:defRPr sz="1800" kern="1200">
-          <a:solidFill>
-            <a:schemeClr val="tx1"/>
-          </a:solidFill>
-          <a:latin typeface="+mn-lt"/>
-          <a:ea typeface="+mn-ea"/>
-          <a:cs typeface="+mn-cs"/>
-        </a:defRPr>
-      </a:lvl8pPr>
-      <a:lvl9pPr marL="3657600" algn="l" defTabSz="914400" rtl="0" eaLnBrk="1" latinLnBrk="0" hangingPunct="1">
+      <a:lvl9pPr marL="3657600" algn="l" defTabSz="457200" rtl="0" eaLnBrk="1" latinLnBrk="0" hangingPunct="1">
         <a:defRPr sz="1800" kern="1200">
           <a:solidFill>
             <a:schemeClr val="tx1"/>
@@ -3347,7 +5870,7 @@
           <p:cNvPr id="2" name="Titre 1">
             <a:extLst>
               <a:ext uri="{FF2B5EF4-FFF2-40B4-BE49-F238E27FC236}">
-                <a16:creationId xmlns:a16="http://schemas.microsoft.com/office/drawing/2014/main" id="{D0141721-147E-45DA-BAA5-063970C55D06}"/>
+                <a16:creationId xmlns:a16="http://schemas.microsoft.com/office/drawing/2014/main" id="{6EEB1E88-0672-4E43-8372-4BA4D83AA6A6}"/>
               </a:ext>
             </a:extLst>
           </p:cNvPr>
@@ -3358,12 +5881,20 @@
             <p:ph type="ctrTitle"/>
           </p:nvPr>
         </p:nvSpPr>
-        <p:spPr/>
-        <p:txBody>
-          <a:bodyPr/>
-          <a:lstStyle/>
-          <a:p>
-            <a:endParaRPr lang="en-GB" dirty="0"/>
+        <p:spPr>
+          <a:xfrm>
+            <a:off x="590204" y="2404534"/>
+            <a:ext cx="8683799" cy="1646302"/>
+          </a:xfrm>
+        </p:spPr>
+        <p:txBody>
+          <a:bodyPr/>
+          <a:lstStyle/>
+          <a:p>
+            <a:r>
+              <a:rPr lang="fr-CH" dirty="0"/>
+              <a:t>Sécurité Technologies Internet</a:t>
+            </a:r>
           </a:p>
         </p:txBody>
       </p:sp>
@@ -3372,7 +5903,7 @@
           <p:cNvPr id="3" name="Sous-titre 2">
             <a:extLst>
               <a:ext uri="{FF2B5EF4-FFF2-40B4-BE49-F238E27FC236}">
-                <a16:creationId xmlns:a16="http://schemas.microsoft.com/office/drawing/2014/main" id="{6BFA70E6-3F88-4327-902F-BCE108CEDC5E}"/>
+                <a16:creationId xmlns:a16="http://schemas.microsoft.com/office/drawing/2014/main" id="{91A2CAB7-86A7-48BD-8473-46AB03623FFF}"/>
               </a:ext>
             </a:extLst>
           </p:cNvPr>
@@ -3385,157 +5916,692 @@
         </p:nvSpPr>
         <p:spPr/>
         <p:txBody>
-          <a:bodyPr/>
-          <a:lstStyle/>
-          <a:p>
-            <a:endParaRPr lang="en-GB"/>
-          </a:p>
-        </p:txBody>
-      </p:sp>
-      <p:sp>
-        <p:nvSpPr>
-          <p:cNvPr id="4" name="Rectangle 3">
+          <a:bodyPr>
+            <a:normAutofit/>
+          </a:bodyPr>
+          <a:lstStyle/>
+          <a:p>
+            <a:r>
+              <a:rPr lang="fr-CH" sz="4400" dirty="0">
+                <a:solidFill>
+                  <a:schemeClr val="bg2">
+                    <a:lumMod val="75000"/>
+                  </a:schemeClr>
+                </a:solidFill>
+              </a:rPr>
+              <a:t>Projet 2</a:t>
+            </a:r>
+          </a:p>
+        </p:txBody>
+      </p:sp>
+    </p:spTree>
+    <p:extLst>
+      <p:ext uri="{BB962C8B-B14F-4D97-AF65-F5344CB8AC3E}">
+        <p14:creationId xmlns:p14="http://schemas.microsoft.com/office/powerpoint/2010/main" val="707025204"/>
+      </p:ext>
+    </p:extLst>
+  </p:cSld>
+  <p:clrMapOvr>
+    <a:masterClrMapping/>
+  </p:clrMapOvr>
+</p:sld>
+</file>
+
+<file path=ppt/slides/slide2.xml><?xml version="1.0" encoding="utf-8"?>
+<p:sld xmlns:a="http://schemas.openxmlformats.org/drawingml/2006/main" xmlns:r="http://schemas.openxmlformats.org/officeDocument/2006/relationships" xmlns:p="http://schemas.openxmlformats.org/presentationml/2006/main">
+  <p:cSld>
+    <p:spTree>
+      <p:nvGrpSpPr>
+        <p:cNvPr id="1" name=""/>
+        <p:cNvGrpSpPr/>
+        <p:nvPr/>
+      </p:nvGrpSpPr>
+      <p:grpSpPr>
+        <a:xfrm>
+          <a:off x="0" y="0"/>
+          <a:ext cx="0" cy="0"/>
+          <a:chOff x="0" y="0"/>
+          <a:chExt cx="0" cy="0"/>
+        </a:xfrm>
+      </p:grpSpPr>
+      <p:sp>
+        <p:nvSpPr>
+          <p:cNvPr id="2" name="Titre 1">
             <a:extLst>
               <a:ext uri="{FF2B5EF4-FFF2-40B4-BE49-F238E27FC236}">
-                <a16:creationId xmlns:a16="http://schemas.microsoft.com/office/drawing/2014/main" id="{D35B5826-91FA-43F9-8B97-0359042FA3E1}"/>
+                <a16:creationId xmlns:a16="http://schemas.microsoft.com/office/drawing/2014/main" id="{04D23DD7-10DF-42F8-A6AB-BD4E15718BD9}"/>
               </a:ext>
             </a:extLst>
           </p:cNvPr>
-          <p:cNvSpPr/>
-          <p:nvPr/>
-        </p:nvSpPr>
-        <p:spPr>
-          <a:xfrm>
-            <a:off x="1524000" y="1030288"/>
-            <a:ext cx="6096000" cy="1477328"/>
-          </a:xfrm>
-          <a:prstGeom prst="rect">
-            <a:avLst/>
-          </a:prstGeom>
-        </p:spPr>
-        <p:txBody>
-          <a:bodyPr>
-            <a:spAutoFit/>
-          </a:bodyPr>
-          <a:lstStyle/>
-          <a:p>
-            <a:r>
-              <a:rPr lang="en-GB" dirty="0"/>
-              <a:t>o Introduction, </a:t>
-            </a:r>
-            <a:r>
-              <a:rPr lang="en-GB" dirty="0" err="1"/>
-              <a:t>répartition</a:t>
-            </a:r>
-            <a:r>
-              <a:rPr lang="en-GB" dirty="0"/>
-              <a:t> du travail</a:t>
-            </a:r>
-          </a:p>
-          <a:p>
-            <a:r>
-              <a:rPr lang="en-GB" dirty="0"/>
-              <a:t>o Analyse de menaces, </a:t>
-            </a:r>
-            <a:r>
-              <a:rPr lang="en-GB" dirty="0" err="1"/>
-              <a:t>mécanismes</a:t>
-            </a:r>
-            <a:r>
-              <a:rPr lang="en-GB" dirty="0"/>
-              <a:t> de </a:t>
-            </a:r>
-            <a:r>
-              <a:rPr lang="en-GB" dirty="0" err="1"/>
-              <a:t>sécurité</a:t>
-            </a:r>
-            <a:endParaRPr lang="en-GB" dirty="0"/>
-          </a:p>
-          <a:p>
-            <a:r>
-              <a:rPr lang="en-GB" dirty="0"/>
-              <a:t>o </a:t>
-            </a:r>
-            <a:r>
-              <a:rPr lang="en-GB" dirty="0" err="1"/>
-              <a:t>Implémentation</a:t>
-            </a:r>
-            <a:r>
-              <a:rPr lang="en-GB" dirty="0"/>
-              <a:t> </a:t>
-            </a:r>
-            <a:r>
-              <a:rPr lang="en-GB" dirty="0" err="1"/>
-              <a:t>générale</a:t>
-            </a:r>
-            <a:r>
-              <a:rPr lang="en-GB" dirty="0"/>
-              <a:t> (</a:t>
-            </a:r>
-            <a:r>
-              <a:rPr lang="en-GB" dirty="0" err="1"/>
-              <a:t>fonctionnelle</a:t>
-            </a:r>
-            <a:r>
-              <a:rPr lang="en-GB" dirty="0"/>
-              <a:t>)</a:t>
-            </a:r>
-          </a:p>
-          <a:p>
-            <a:r>
-              <a:rPr lang="en-GB" dirty="0"/>
-              <a:t>o </a:t>
-            </a:r>
-            <a:r>
-              <a:rPr lang="en-GB" dirty="0" err="1"/>
-              <a:t>Implémentation</a:t>
-            </a:r>
-            <a:r>
-              <a:rPr lang="en-GB" dirty="0"/>
-              <a:t> des </a:t>
-            </a:r>
-            <a:r>
-              <a:rPr lang="en-GB" dirty="0" err="1"/>
-              <a:t>mécanismes</a:t>
-            </a:r>
-            <a:r>
-              <a:rPr lang="en-GB" dirty="0"/>
-              <a:t> de </a:t>
-            </a:r>
-            <a:r>
-              <a:rPr lang="en-GB" dirty="0" err="1"/>
-              <a:t>sécurité</a:t>
-            </a:r>
-            <a:endParaRPr lang="en-GB" dirty="0"/>
-          </a:p>
-          <a:p>
-            <a:r>
-              <a:rPr lang="en-GB" dirty="0"/>
-              <a:t>o </a:t>
-            </a:r>
-            <a:r>
-              <a:rPr lang="en-GB" dirty="0" err="1"/>
-              <a:t>Problèmes</a:t>
-            </a:r>
-            <a:r>
-              <a:rPr lang="en-GB" dirty="0"/>
-              <a:t> </a:t>
-            </a:r>
-            <a:r>
-              <a:rPr lang="en-GB" dirty="0" err="1"/>
-              <a:t>rencontrés</a:t>
-            </a:r>
-            <a:r>
-              <a:rPr lang="en-GB" dirty="0"/>
-              <a:t>, conclusion</a:t>
-            </a:r>
+          <p:cNvSpPr>
+            <a:spLocks noGrp="1"/>
+          </p:cNvSpPr>
+          <p:nvPr>
+            <p:ph type="title"/>
+          </p:nvPr>
+        </p:nvSpPr>
+        <p:spPr/>
+        <p:txBody>
+          <a:bodyPr/>
+          <a:lstStyle/>
+          <a:p>
+            <a:r>
+              <a:rPr lang="fr-CH" dirty="0"/>
+              <a:t>Introduction</a:t>
+            </a:r>
+          </a:p>
+        </p:txBody>
+      </p:sp>
+      <p:sp>
+        <p:nvSpPr>
+          <p:cNvPr id="3" name="Espace réservé du contenu 2">
+            <a:extLst>
+              <a:ext uri="{FF2B5EF4-FFF2-40B4-BE49-F238E27FC236}">
+                <a16:creationId xmlns:a16="http://schemas.microsoft.com/office/drawing/2014/main" id="{2DB4EAD8-C459-4127-86E8-139CEA83297A}"/>
+              </a:ext>
+            </a:extLst>
+          </p:cNvPr>
+          <p:cNvSpPr>
+            <a:spLocks noGrp="1"/>
+          </p:cNvSpPr>
+          <p:nvPr>
+            <p:ph idx="1"/>
+          </p:nvPr>
+        </p:nvSpPr>
+        <p:spPr/>
+        <p:txBody>
+          <a:bodyPr/>
+          <a:lstStyle/>
+          <a:p>
+            <a:endParaRPr lang="fr-CH"/>
           </a:p>
         </p:txBody>
       </p:sp>
     </p:spTree>
     <p:extLst>
       <p:ext uri="{BB962C8B-B14F-4D97-AF65-F5344CB8AC3E}">
-        <p14:creationId xmlns:p14="http://schemas.microsoft.com/office/powerpoint/2010/main" val="618425900"/>
+        <p14:creationId xmlns:p14="http://schemas.microsoft.com/office/powerpoint/2010/main" val="1398549562"/>
+      </p:ext>
+    </p:extLst>
+  </p:cSld>
+  <p:clrMapOvr>
+    <a:masterClrMapping/>
+  </p:clrMapOvr>
+</p:sld>
+</file>
+
+<file path=ppt/slides/slide3.xml><?xml version="1.0" encoding="utf-8"?>
+<p:sld xmlns:a="http://schemas.openxmlformats.org/drawingml/2006/main" xmlns:r="http://schemas.openxmlformats.org/officeDocument/2006/relationships" xmlns:p="http://schemas.openxmlformats.org/presentationml/2006/main">
+  <p:cSld>
+    <p:spTree>
+      <p:nvGrpSpPr>
+        <p:cNvPr id="1" name=""/>
+        <p:cNvGrpSpPr/>
+        <p:nvPr/>
+      </p:nvGrpSpPr>
+      <p:grpSpPr>
+        <a:xfrm>
+          <a:off x="0" y="0"/>
+          <a:ext cx="0" cy="0"/>
+          <a:chOff x="0" y="0"/>
+          <a:chExt cx="0" cy="0"/>
+        </a:xfrm>
+      </p:grpSpPr>
+      <p:sp>
+        <p:nvSpPr>
+          <p:cNvPr id="2" name="Titre 1">
+            <a:extLst>
+              <a:ext uri="{FF2B5EF4-FFF2-40B4-BE49-F238E27FC236}">
+                <a16:creationId xmlns:a16="http://schemas.microsoft.com/office/drawing/2014/main" id="{9881A2CD-77FE-4F88-9F5F-970D96796EAB}"/>
+              </a:ext>
+            </a:extLst>
+          </p:cNvPr>
+          <p:cNvSpPr>
+            <a:spLocks noGrp="1"/>
+          </p:cNvSpPr>
+          <p:nvPr>
+            <p:ph type="title"/>
+          </p:nvPr>
+        </p:nvSpPr>
+        <p:spPr/>
+        <p:txBody>
+          <a:bodyPr/>
+          <a:lstStyle/>
+          <a:p>
+            <a:r>
+              <a:rPr lang="fr-CH" dirty="0"/>
+              <a:t>Répartition du travail</a:t>
+            </a:r>
+          </a:p>
+        </p:txBody>
+      </p:sp>
+      <p:sp>
+        <p:nvSpPr>
+          <p:cNvPr id="3" name="Espace réservé du contenu 2">
+            <a:extLst>
+              <a:ext uri="{FF2B5EF4-FFF2-40B4-BE49-F238E27FC236}">
+                <a16:creationId xmlns:a16="http://schemas.microsoft.com/office/drawing/2014/main" id="{0E8F8906-5C43-416F-878A-E0FA204B7301}"/>
+              </a:ext>
+            </a:extLst>
+          </p:cNvPr>
+          <p:cNvSpPr>
+            <a:spLocks noGrp="1"/>
+          </p:cNvSpPr>
+          <p:nvPr>
+            <p:ph idx="1"/>
+          </p:nvPr>
+        </p:nvSpPr>
+        <p:spPr/>
+        <p:txBody>
+          <a:bodyPr/>
+          <a:lstStyle/>
+          <a:p>
+            <a:endParaRPr lang="fr-CH"/>
+          </a:p>
+        </p:txBody>
+      </p:sp>
+    </p:spTree>
+    <p:extLst>
+      <p:ext uri="{BB962C8B-B14F-4D97-AF65-F5344CB8AC3E}">
+        <p14:creationId xmlns:p14="http://schemas.microsoft.com/office/powerpoint/2010/main" val="2967988680"/>
+      </p:ext>
+    </p:extLst>
+  </p:cSld>
+  <p:clrMapOvr>
+    <a:masterClrMapping/>
+  </p:clrMapOvr>
+</p:sld>
+</file>
+
+<file path=ppt/slides/slide4.xml><?xml version="1.0" encoding="utf-8"?>
+<p:sld xmlns:a="http://schemas.openxmlformats.org/drawingml/2006/main" xmlns:r="http://schemas.openxmlformats.org/officeDocument/2006/relationships" xmlns:p="http://schemas.openxmlformats.org/presentationml/2006/main">
+  <p:cSld>
+    <p:spTree>
+      <p:nvGrpSpPr>
+        <p:cNvPr id="1" name=""/>
+        <p:cNvGrpSpPr/>
+        <p:nvPr/>
+      </p:nvGrpSpPr>
+      <p:grpSpPr>
+        <a:xfrm>
+          <a:off x="0" y="0"/>
+          <a:ext cx="0" cy="0"/>
+          <a:chOff x="0" y="0"/>
+          <a:chExt cx="0" cy="0"/>
+        </a:xfrm>
+      </p:grpSpPr>
+      <p:sp>
+        <p:nvSpPr>
+          <p:cNvPr id="2" name="Titre 1">
+            <a:extLst>
+              <a:ext uri="{FF2B5EF4-FFF2-40B4-BE49-F238E27FC236}">
+                <a16:creationId xmlns:a16="http://schemas.microsoft.com/office/drawing/2014/main" id="{6C48A22E-C43D-4ECA-8426-B6870827BF6C}"/>
+              </a:ext>
+            </a:extLst>
+          </p:cNvPr>
+          <p:cNvSpPr>
+            <a:spLocks noGrp="1"/>
+          </p:cNvSpPr>
+          <p:nvPr>
+            <p:ph type="title"/>
+          </p:nvPr>
+        </p:nvSpPr>
+        <p:spPr/>
+        <p:txBody>
+          <a:bodyPr/>
+          <a:lstStyle/>
+          <a:p>
+            <a:r>
+              <a:rPr lang="fr-CH" dirty="0"/>
+              <a:t>Analyse de menaces</a:t>
+            </a:r>
+          </a:p>
+        </p:txBody>
+      </p:sp>
+      <p:sp>
+        <p:nvSpPr>
+          <p:cNvPr id="3" name="Espace réservé du contenu 2">
+            <a:extLst>
+              <a:ext uri="{FF2B5EF4-FFF2-40B4-BE49-F238E27FC236}">
+                <a16:creationId xmlns:a16="http://schemas.microsoft.com/office/drawing/2014/main" id="{FA7B64A0-29BF-4D99-BE70-5870ADFADA2D}"/>
+              </a:ext>
+            </a:extLst>
+          </p:cNvPr>
+          <p:cNvSpPr>
+            <a:spLocks noGrp="1"/>
+          </p:cNvSpPr>
+          <p:nvPr>
+            <p:ph idx="1"/>
+          </p:nvPr>
+        </p:nvSpPr>
+        <p:spPr/>
+        <p:txBody>
+          <a:bodyPr/>
+          <a:lstStyle/>
+          <a:p>
+            <a:endParaRPr lang="fr-CH"/>
+          </a:p>
+        </p:txBody>
+      </p:sp>
+    </p:spTree>
+    <p:extLst>
+      <p:ext uri="{BB962C8B-B14F-4D97-AF65-F5344CB8AC3E}">
+        <p14:creationId xmlns:p14="http://schemas.microsoft.com/office/powerpoint/2010/main" val="3925404074"/>
+      </p:ext>
+    </p:extLst>
+  </p:cSld>
+  <p:clrMapOvr>
+    <a:masterClrMapping/>
+  </p:clrMapOvr>
+</p:sld>
+</file>
+
+<file path=ppt/slides/slide5.xml><?xml version="1.0" encoding="utf-8"?>
+<p:sld xmlns:a="http://schemas.openxmlformats.org/drawingml/2006/main" xmlns:r="http://schemas.openxmlformats.org/officeDocument/2006/relationships" xmlns:p="http://schemas.openxmlformats.org/presentationml/2006/main">
+  <p:cSld>
+    <p:spTree>
+      <p:nvGrpSpPr>
+        <p:cNvPr id="1" name=""/>
+        <p:cNvGrpSpPr/>
+        <p:nvPr/>
+      </p:nvGrpSpPr>
+      <p:grpSpPr>
+        <a:xfrm>
+          <a:off x="0" y="0"/>
+          <a:ext cx="0" cy="0"/>
+          <a:chOff x="0" y="0"/>
+          <a:chExt cx="0" cy="0"/>
+        </a:xfrm>
+      </p:grpSpPr>
+      <p:sp>
+        <p:nvSpPr>
+          <p:cNvPr id="2" name="Titre 1">
+            <a:extLst>
+              <a:ext uri="{FF2B5EF4-FFF2-40B4-BE49-F238E27FC236}">
+                <a16:creationId xmlns:a16="http://schemas.microsoft.com/office/drawing/2014/main" id="{17043DAD-7159-434A-844F-E1DB542A4306}"/>
+              </a:ext>
+            </a:extLst>
+          </p:cNvPr>
+          <p:cNvSpPr>
+            <a:spLocks noGrp="1"/>
+          </p:cNvSpPr>
+          <p:nvPr>
+            <p:ph type="title"/>
+          </p:nvPr>
+        </p:nvSpPr>
+        <p:spPr/>
+        <p:txBody>
+          <a:bodyPr/>
+          <a:lstStyle/>
+          <a:p>
+            <a:r>
+              <a:rPr lang="fr-CH" dirty="0"/>
+              <a:t>Mécanismes de sécurité</a:t>
+            </a:r>
+          </a:p>
+        </p:txBody>
+      </p:sp>
+      <p:sp>
+        <p:nvSpPr>
+          <p:cNvPr id="3" name="Espace réservé du contenu 2">
+            <a:extLst>
+              <a:ext uri="{FF2B5EF4-FFF2-40B4-BE49-F238E27FC236}">
+                <a16:creationId xmlns:a16="http://schemas.microsoft.com/office/drawing/2014/main" id="{093BC9CE-F30A-4886-8AC9-4A86AF20D4E2}"/>
+              </a:ext>
+            </a:extLst>
+          </p:cNvPr>
+          <p:cNvSpPr>
+            <a:spLocks noGrp="1"/>
+          </p:cNvSpPr>
+          <p:nvPr>
+            <p:ph idx="1"/>
+          </p:nvPr>
+        </p:nvSpPr>
+        <p:spPr/>
+        <p:txBody>
+          <a:bodyPr/>
+          <a:lstStyle/>
+          <a:p>
+            <a:endParaRPr lang="fr-CH"/>
+          </a:p>
+        </p:txBody>
+      </p:sp>
+    </p:spTree>
+    <p:extLst>
+      <p:ext uri="{BB962C8B-B14F-4D97-AF65-F5344CB8AC3E}">
+        <p14:creationId xmlns:p14="http://schemas.microsoft.com/office/powerpoint/2010/main" val="1677329676"/>
+      </p:ext>
+    </p:extLst>
+  </p:cSld>
+  <p:clrMapOvr>
+    <a:masterClrMapping/>
+  </p:clrMapOvr>
+</p:sld>
+</file>
+
+<file path=ppt/slides/slide6.xml><?xml version="1.0" encoding="utf-8"?>
+<p:sld xmlns:a="http://schemas.openxmlformats.org/drawingml/2006/main" xmlns:r="http://schemas.openxmlformats.org/officeDocument/2006/relationships" xmlns:p="http://schemas.openxmlformats.org/presentationml/2006/main">
+  <p:cSld>
+    <p:spTree>
+      <p:nvGrpSpPr>
+        <p:cNvPr id="1" name=""/>
+        <p:cNvGrpSpPr/>
+        <p:nvPr/>
+      </p:nvGrpSpPr>
+      <p:grpSpPr>
+        <a:xfrm>
+          <a:off x="0" y="0"/>
+          <a:ext cx="0" cy="0"/>
+          <a:chOff x="0" y="0"/>
+          <a:chExt cx="0" cy="0"/>
+        </a:xfrm>
+      </p:grpSpPr>
+      <p:sp>
+        <p:nvSpPr>
+          <p:cNvPr id="2" name="Titre 1">
+            <a:extLst>
+              <a:ext uri="{FF2B5EF4-FFF2-40B4-BE49-F238E27FC236}">
+                <a16:creationId xmlns:a16="http://schemas.microsoft.com/office/drawing/2014/main" id="{8C21362A-01B3-43CC-800A-F0022C476951}"/>
+              </a:ext>
+            </a:extLst>
+          </p:cNvPr>
+          <p:cNvSpPr>
+            <a:spLocks noGrp="1"/>
+          </p:cNvSpPr>
+          <p:nvPr>
+            <p:ph type="title"/>
+          </p:nvPr>
+        </p:nvSpPr>
+        <p:spPr/>
+        <p:txBody>
+          <a:bodyPr/>
+          <a:lstStyle/>
+          <a:p>
+            <a:r>
+              <a:rPr lang="fr-CH" dirty="0"/>
+              <a:t>Implémentation générale (fonctionnelle)</a:t>
+            </a:r>
+          </a:p>
+        </p:txBody>
+      </p:sp>
+      <p:sp>
+        <p:nvSpPr>
+          <p:cNvPr id="3" name="Espace réservé du contenu 2">
+            <a:extLst>
+              <a:ext uri="{FF2B5EF4-FFF2-40B4-BE49-F238E27FC236}">
+                <a16:creationId xmlns:a16="http://schemas.microsoft.com/office/drawing/2014/main" id="{9C2AD74A-F5AC-4E8C-9842-8E5E1F2F83C9}"/>
+              </a:ext>
+            </a:extLst>
+          </p:cNvPr>
+          <p:cNvSpPr>
+            <a:spLocks noGrp="1"/>
+          </p:cNvSpPr>
+          <p:nvPr>
+            <p:ph idx="1"/>
+          </p:nvPr>
+        </p:nvSpPr>
+        <p:spPr/>
+        <p:txBody>
+          <a:bodyPr/>
+          <a:lstStyle/>
+          <a:p>
+            <a:endParaRPr lang="fr-CH"/>
+          </a:p>
+        </p:txBody>
+      </p:sp>
+    </p:spTree>
+    <p:extLst>
+      <p:ext uri="{BB962C8B-B14F-4D97-AF65-F5344CB8AC3E}">
+        <p14:creationId xmlns:p14="http://schemas.microsoft.com/office/powerpoint/2010/main" val="654812995"/>
+      </p:ext>
+    </p:extLst>
+  </p:cSld>
+  <p:clrMapOvr>
+    <a:masterClrMapping/>
+  </p:clrMapOvr>
+</p:sld>
+</file>
+
+<file path=ppt/slides/slide7.xml><?xml version="1.0" encoding="utf-8"?>
+<p:sld xmlns:a="http://schemas.openxmlformats.org/drawingml/2006/main" xmlns:r="http://schemas.openxmlformats.org/officeDocument/2006/relationships" xmlns:p="http://schemas.openxmlformats.org/presentationml/2006/main">
+  <p:cSld>
+    <p:spTree>
+      <p:nvGrpSpPr>
+        <p:cNvPr id="1" name=""/>
+        <p:cNvGrpSpPr/>
+        <p:nvPr/>
+      </p:nvGrpSpPr>
+      <p:grpSpPr>
+        <a:xfrm>
+          <a:off x="0" y="0"/>
+          <a:ext cx="0" cy="0"/>
+          <a:chOff x="0" y="0"/>
+          <a:chExt cx="0" cy="0"/>
+        </a:xfrm>
+      </p:grpSpPr>
+      <p:sp>
+        <p:nvSpPr>
+          <p:cNvPr id="2" name="Titre 1">
+            <a:extLst>
+              <a:ext uri="{FF2B5EF4-FFF2-40B4-BE49-F238E27FC236}">
+                <a16:creationId xmlns:a16="http://schemas.microsoft.com/office/drawing/2014/main" id="{64749A3E-07FB-4521-A7D5-AEACECC84081}"/>
+              </a:ext>
+            </a:extLst>
+          </p:cNvPr>
+          <p:cNvSpPr>
+            <a:spLocks noGrp="1"/>
+          </p:cNvSpPr>
+          <p:nvPr>
+            <p:ph type="title"/>
+          </p:nvPr>
+        </p:nvSpPr>
+        <p:spPr/>
+        <p:txBody>
+          <a:bodyPr/>
+          <a:lstStyle/>
+          <a:p>
+            <a:r>
+              <a:rPr lang="fr-CH" dirty="0"/>
+              <a:t>Implémentation des mécanismes de sécurité</a:t>
+            </a:r>
+          </a:p>
+        </p:txBody>
+      </p:sp>
+      <p:sp>
+        <p:nvSpPr>
+          <p:cNvPr id="3" name="Espace réservé du contenu 2">
+            <a:extLst>
+              <a:ext uri="{FF2B5EF4-FFF2-40B4-BE49-F238E27FC236}">
+                <a16:creationId xmlns:a16="http://schemas.microsoft.com/office/drawing/2014/main" id="{668E8D6C-FC26-45AE-AFAE-1DD8E43FAFAA}"/>
+              </a:ext>
+            </a:extLst>
+          </p:cNvPr>
+          <p:cNvSpPr>
+            <a:spLocks noGrp="1"/>
+          </p:cNvSpPr>
+          <p:nvPr>
+            <p:ph idx="1"/>
+          </p:nvPr>
+        </p:nvSpPr>
+        <p:spPr/>
+        <p:txBody>
+          <a:bodyPr/>
+          <a:lstStyle/>
+          <a:p>
+            <a:endParaRPr lang="fr-CH"/>
+          </a:p>
+        </p:txBody>
+      </p:sp>
+    </p:spTree>
+    <p:extLst>
+      <p:ext uri="{BB962C8B-B14F-4D97-AF65-F5344CB8AC3E}">
+        <p14:creationId xmlns:p14="http://schemas.microsoft.com/office/powerpoint/2010/main" val="1933545645"/>
+      </p:ext>
+    </p:extLst>
+  </p:cSld>
+  <p:clrMapOvr>
+    <a:masterClrMapping/>
+  </p:clrMapOvr>
+</p:sld>
+</file>
+
+<file path=ppt/slides/slide8.xml><?xml version="1.0" encoding="utf-8"?>
+<p:sld xmlns:a="http://schemas.openxmlformats.org/drawingml/2006/main" xmlns:r="http://schemas.openxmlformats.org/officeDocument/2006/relationships" xmlns:p="http://schemas.openxmlformats.org/presentationml/2006/main">
+  <p:cSld>
+    <p:spTree>
+      <p:nvGrpSpPr>
+        <p:cNvPr id="1" name=""/>
+        <p:cNvGrpSpPr/>
+        <p:nvPr/>
+      </p:nvGrpSpPr>
+      <p:grpSpPr>
+        <a:xfrm>
+          <a:off x="0" y="0"/>
+          <a:ext cx="0" cy="0"/>
+          <a:chOff x="0" y="0"/>
+          <a:chExt cx="0" cy="0"/>
+        </a:xfrm>
+      </p:grpSpPr>
+      <p:sp>
+        <p:nvSpPr>
+          <p:cNvPr id="2" name="Titre 1">
+            <a:extLst>
+              <a:ext uri="{FF2B5EF4-FFF2-40B4-BE49-F238E27FC236}">
+                <a16:creationId xmlns:a16="http://schemas.microsoft.com/office/drawing/2014/main" id="{EAD430AE-1616-4BAB-A00C-49481D4247B5}"/>
+              </a:ext>
+            </a:extLst>
+          </p:cNvPr>
+          <p:cNvSpPr>
+            <a:spLocks noGrp="1"/>
+          </p:cNvSpPr>
+          <p:nvPr>
+            <p:ph type="title"/>
+          </p:nvPr>
+        </p:nvSpPr>
+        <p:spPr/>
+        <p:txBody>
+          <a:bodyPr/>
+          <a:lstStyle/>
+          <a:p>
+            <a:r>
+              <a:rPr lang="fr-CH" dirty="0"/>
+              <a:t>Problèmes rencontrés</a:t>
+            </a:r>
+          </a:p>
+        </p:txBody>
+      </p:sp>
+      <p:sp>
+        <p:nvSpPr>
+          <p:cNvPr id="3" name="Espace réservé du contenu 2">
+            <a:extLst>
+              <a:ext uri="{FF2B5EF4-FFF2-40B4-BE49-F238E27FC236}">
+                <a16:creationId xmlns:a16="http://schemas.microsoft.com/office/drawing/2014/main" id="{54FF68CE-57C4-4B00-BD53-98F6AA4820A4}"/>
+              </a:ext>
+            </a:extLst>
+          </p:cNvPr>
+          <p:cNvSpPr>
+            <a:spLocks noGrp="1"/>
+          </p:cNvSpPr>
+          <p:nvPr>
+            <p:ph idx="1"/>
+          </p:nvPr>
+        </p:nvSpPr>
+        <p:spPr/>
+        <p:txBody>
+          <a:bodyPr/>
+          <a:lstStyle/>
+          <a:p>
+            <a:endParaRPr lang="fr-CH"/>
+          </a:p>
+        </p:txBody>
+      </p:sp>
+    </p:spTree>
+    <p:extLst>
+      <p:ext uri="{BB962C8B-B14F-4D97-AF65-F5344CB8AC3E}">
+        <p14:creationId xmlns:p14="http://schemas.microsoft.com/office/powerpoint/2010/main" val="4285848040"/>
+      </p:ext>
+    </p:extLst>
+  </p:cSld>
+  <p:clrMapOvr>
+    <a:masterClrMapping/>
+  </p:clrMapOvr>
+</p:sld>
+</file>
+
+<file path=ppt/slides/slide9.xml><?xml version="1.0" encoding="utf-8"?>
+<p:sld xmlns:a="http://schemas.openxmlformats.org/drawingml/2006/main" xmlns:r="http://schemas.openxmlformats.org/officeDocument/2006/relationships" xmlns:p="http://schemas.openxmlformats.org/presentationml/2006/main">
+  <p:cSld>
+    <p:spTree>
+      <p:nvGrpSpPr>
+        <p:cNvPr id="1" name=""/>
+        <p:cNvGrpSpPr/>
+        <p:nvPr/>
+      </p:nvGrpSpPr>
+      <p:grpSpPr>
+        <a:xfrm>
+          <a:off x="0" y="0"/>
+          <a:ext cx="0" cy="0"/>
+          <a:chOff x="0" y="0"/>
+          <a:chExt cx="0" cy="0"/>
+        </a:xfrm>
+      </p:grpSpPr>
+      <p:sp>
+        <p:nvSpPr>
+          <p:cNvPr id="2" name="Titre 1">
+            <a:extLst>
+              <a:ext uri="{FF2B5EF4-FFF2-40B4-BE49-F238E27FC236}">
+                <a16:creationId xmlns:a16="http://schemas.microsoft.com/office/drawing/2014/main" id="{D04A9D3B-5834-4D83-BB24-D531BB867271}"/>
+              </a:ext>
+            </a:extLst>
+          </p:cNvPr>
+          <p:cNvSpPr>
+            <a:spLocks noGrp="1"/>
+          </p:cNvSpPr>
+          <p:nvPr>
+            <p:ph type="title"/>
+          </p:nvPr>
+        </p:nvSpPr>
+        <p:spPr/>
+        <p:txBody>
+          <a:bodyPr/>
+          <a:lstStyle/>
+          <a:p>
+            <a:r>
+              <a:rPr lang="fr-CH" dirty="0"/>
+              <a:t>Conclusion</a:t>
+            </a:r>
+          </a:p>
+        </p:txBody>
+      </p:sp>
+      <p:sp>
+        <p:nvSpPr>
+          <p:cNvPr id="3" name="Espace réservé du contenu 2">
+            <a:extLst>
+              <a:ext uri="{FF2B5EF4-FFF2-40B4-BE49-F238E27FC236}">
+                <a16:creationId xmlns:a16="http://schemas.microsoft.com/office/drawing/2014/main" id="{BA3E0681-0F7D-4299-8C51-E9FD8D65E3B6}"/>
+              </a:ext>
+            </a:extLst>
+          </p:cNvPr>
+          <p:cNvSpPr>
+            <a:spLocks noGrp="1"/>
+          </p:cNvSpPr>
+          <p:nvPr>
+            <p:ph idx="1"/>
+          </p:nvPr>
+        </p:nvSpPr>
+        <p:spPr/>
+        <p:txBody>
+          <a:bodyPr/>
+          <a:lstStyle/>
+          <a:p>
+            <a:endParaRPr lang="fr-CH"/>
+          </a:p>
+        </p:txBody>
+      </p:sp>
+    </p:spTree>
+    <p:extLst>
+      <p:ext uri="{BB962C8B-B14F-4D97-AF65-F5344CB8AC3E}">
+        <p14:creationId xmlns:p14="http://schemas.microsoft.com/office/powerpoint/2010/main" val="1956688807"/>
       </p:ext>
     </p:extLst>
   </p:cSld>
@@ -3546,9 +6612,9 @@
 </file>
 
 <file path=ppt/theme/theme1.xml><?xml version="1.0" encoding="utf-8"?>
-<a:theme xmlns:a="http://schemas.openxmlformats.org/drawingml/2006/main" name="Thème Office">
+<a:theme xmlns:a="http://schemas.openxmlformats.org/drawingml/2006/main" name="Facette">
   <a:themeElements>
-    <a:clrScheme name="Office">
+    <a:clrScheme name="Blue Warm">
       <a:dk1>
         <a:sysClr val="windowText" lastClr="000000"/>
       </a:dk1>
@@ -3556,143 +6622,49 @@
         <a:sysClr val="window" lastClr="FFFFFF"/>
       </a:lt1>
       <a:dk2>
-        <a:srgbClr val="44546A"/>
+        <a:srgbClr val="242852"/>
       </a:dk2>
       <a:lt2>
-        <a:srgbClr val="E7E6E6"/>
+        <a:srgbClr val="ACCBF9"/>
       </a:lt2>
       <a:accent1>
-        <a:srgbClr val="4472C4"/>
+        <a:srgbClr val="4A66AC"/>
       </a:accent1>
       <a:accent2>
-        <a:srgbClr val="ED7D31"/>
+        <a:srgbClr val="629DD1"/>
       </a:accent2>
       <a:accent3>
-        <a:srgbClr val="A5A5A5"/>
+        <a:srgbClr val="297FD5"/>
       </a:accent3>
       <a:accent4>
-        <a:srgbClr val="FFC000"/>
+        <a:srgbClr val="7F8FA9"/>
       </a:accent4>
       <a:accent5>
-        <a:srgbClr val="5B9BD5"/>
+        <a:srgbClr val="5AA2AE"/>
       </a:accent5>
       <a:accent6>
-        <a:srgbClr val="70AD47"/>
+        <a:srgbClr val="9D90A0"/>
       </a:accent6>
       <a:hlink>
-        <a:srgbClr val="0563C1"/>
+        <a:srgbClr val="9454C3"/>
       </a:hlink>
       <a:folHlink>
-        <a:srgbClr val="954F72"/>
+        <a:srgbClr val="3EBBF0"/>
       </a:folHlink>
     </a:clrScheme>
-    <a:fontScheme name="Office">
+    <a:fontScheme name="Personnalisé 1">
       <a:majorFont>
-        <a:latin typeface="Calibri Light" panose="020F0302020204030204"/>
+        <a:latin typeface="Times New Roman"/>
         <a:ea typeface=""/>
         <a:cs typeface=""/>
-        <a:font script="Jpan" typeface="游ゴシック Light"/>
-        <a:font script="Hang" typeface="맑은 고딕"/>
-        <a:font script="Hans" typeface="等线 Light"/>
-        <a:font script="Hant" typeface="新細明體"/>
-        <a:font script="Arab" typeface="Times New Roman"/>
-        <a:font script="Hebr" typeface="Times New Roman"/>
-        <a:font script="Thai" typeface="Angsana New"/>
-        <a:font script="Ethi" typeface="Nyala"/>
-        <a:font script="Beng" typeface="Vrinda"/>
-        <a:font script="Gujr" typeface="Shruti"/>
-        <a:font script="Khmr" typeface="MoolBoran"/>
-        <a:font script="Knda" typeface="Tunga"/>
-        <a:font script="Guru" typeface="Raavi"/>
-        <a:font script="Cans" typeface="Euphemia"/>
-        <a:font script="Cher" typeface="Plantagenet Cherokee"/>
-        <a:font script="Yiii" typeface="Microsoft Yi Baiti"/>
-        <a:font script="Tibt" typeface="Microsoft Himalaya"/>
-        <a:font script="Thaa" typeface="MV Boli"/>
-        <a:font script="Deva" typeface="Mangal"/>
-        <a:font script="Telu" typeface="Gautami"/>
-        <a:font script="Taml" typeface="Latha"/>
-        <a:font script="Syrc" typeface="Estrangelo Edessa"/>
-        <a:font script="Orya" typeface="Kalinga"/>
-        <a:font script="Mlym" typeface="Kartika"/>
-        <a:font script="Laoo" typeface="DokChampa"/>
-        <a:font script="Sinh" typeface="Iskoola Pota"/>
-        <a:font script="Mong" typeface="Mongolian Baiti"/>
-        <a:font script="Viet" typeface="Times New Roman"/>
-        <a:font script="Uigh" typeface="Microsoft Uighur"/>
-        <a:font script="Geor" typeface="Sylfaen"/>
-        <a:font script="Armn" typeface="Arial"/>
-        <a:font script="Bugi" typeface="Leelawadee UI"/>
-        <a:font script="Bopo" typeface="Microsoft JhengHei"/>
-        <a:font script="Java" typeface="Javanese Text"/>
-        <a:font script="Lisu" typeface="Segoe UI"/>
-        <a:font script="Mymr" typeface="Myanmar Text"/>
-        <a:font script="Nkoo" typeface="Ebrima"/>
-        <a:font script="Olck" typeface="Nirmala UI"/>
-        <a:font script="Osma" typeface="Ebrima"/>
-        <a:font script="Phag" typeface="Phagspa"/>
-        <a:font script="Syrn" typeface="Estrangelo Edessa"/>
-        <a:font script="Syrj" typeface="Estrangelo Edessa"/>
-        <a:font script="Syre" typeface="Estrangelo Edessa"/>
-        <a:font script="Sora" typeface="Nirmala UI"/>
-        <a:font script="Tale" typeface="Microsoft Tai Le"/>
-        <a:font script="Talu" typeface="Microsoft New Tai Lue"/>
-        <a:font script="Tfng" typeface="Ebrima"/>
       </a:majorFont>
       <a:minorFont>
-        <a:latin typeface="Calibri" panose="020F0502020204030204"/>
+        <a:latin typeface="Times New Roman"/>
         <a:ea typeface=""/>
         <a:cs typeface=""/>
-        <a:font script="Jpan" typeface="游ゴシック"/>
-        <a:font script="Hang" typeface="맑은 고딕"/>
-        <a:font script="Hans" typeface="等线"/>
-        <a:font script="Hant" typeface="新細明體"/>
-        <a:font script="Arab" typeface="Arial"/>
-        <a:font script="Hebr" typeface="Arial"/>
-        <a:font script="Thai" typeface="Cordia New"/>
-        <a:font script="Ethi" typeface="Nyala"/>
-        <a:font script="Beng" typeface="Vrinda"/>
-        <a:font script="Gujr" typeface="Shruti"/>
-        <a:font script="Khmr" typeface="DaunPenh"/>
-        <a:font script="Knda" typeface="Tunga"/>
-        <a:font script="Guru" typeface="Raavi"/>
-        <a:font script="Cans" typeface="Euphemia"/>
-        <a:font script="Cher" typeface="Plantagenet Cherokee"/>
-        <a:font script="Yiii" typeface="Microsoft Yi Baiti"/>
-        <a:font script="Tibt" typeface="Microsoft Himalaya"/>
-        <a:font script="Thaa" typeface="MV Boli"/>
-        <a:font script="Deva" typeface="Mangal"/>
-        <a:font script="Telu" typeface="Gautami"/>
-        <a:font script="Taml" typeface="Latha"/>
-        <a:font script="Syrc" typeface="Estrangelo Edessa"/>
-        <a:font script="Orya" typeface="Kalinga"/>
-        <a:font script="Mlym" typeface="Kartika"/>
-        <a:font script="Laoo" typeface="DokChampa"/>
-        <a:font script="Sinh" typeface="Iskoola Pota"/>
-        <a:font script="Mong" typeface="Mongolian Baiti"/>
-        <a:font script="Viet" typeface="Arial"/>
-        <a:font script="Uigh" typeface="Microsoft Uighur"/>
-        <a:font script="Geor" typeface="Sylfaen"/>
-        <a:font script="Armn" typeface="Arial"/>
-        <a:font script="Bugi" typeface="Leelawadee UI"/>
-        <a:font script="Bopo" typeface="Microsoft JhengHei"/>
-        <a:font script="Java" typeface="Javanese Text"/>
-        <a:font script="Lisu" typeface="Segoe UI"/>
-        <a:font script="Mymr" typeface="Myanmar Text"/>
-        <a:font script="Nkoo" typeface="Ebrima"/>
-        <a:font script="Olck" typeface="Nirmala UI"/>
-        <a:font script="Osma" typeface="Ebrima"/>
-        <a:font script="Phag" typeface="Phagspa"/>
-        <a:font script="Syrn" typeface="Estrangelo Edessa"/>
-        <a:font script="Syrj" typeface="Estrangelo Edessa"/>
-        <a:font script="Syre" typeface="Estrangelo Edessa"/>
-        <a:font script="Sora" typeface="Nirmala UI"/>
-        <a:font script="Tale" typeface="Microsoft Tai Le"/>
-        <a:font script="Talu" typeface="Microsoft New Tai Lue"/>
-        <a:font script="Tfng" typeface="Ebrima"/>
       </a:minorFont>
     </a:fontScheme>
-    <a:fmtScheme name="Office">
+    <a:fmtScheme name="Facette">
       <a:fillStyleLst>
         <a:solidFill>
           <a:schemeClr val="phClr"/>
@@ -3701,23 +6673,13 @@
           <a:gsLst>
             <a:gs pos="0">
               <a:schemeClr val="phClr">
+                <a:tint val="65000"/>
                 <a:lumMod val="110000"/>
-                <a:satMod val="105000"/>
-                <a:tint val="67000"/>
               </a:schemeClr>
             </a:gs>
-            <a:gs pos="50000">
+            <a:gs pos="88000">
               <a:schemeClr val="phClr">
-                <a:lumMod val="105000"/>
-                <a:satMod val="103000"/>
-                <a:tint val="73000"/>
-              </a:schemeClr>
-            </a:gs>
-            <a:gs pos="100000">
-              <a:schemeClr val="phClr">
-                <a:lumMod val="105000"/>
-                <a:satMod val="109000"/>
-                <a:tint val="81000"/>
+                <a:tint val="90000"/>
               </a:schemeClr>
             </a:gs>
           </a:gsLst>
@@ -3727,23 +6689,14 @@
           <a:gsLst>
             <a:gs pos="0">
               <a:schemeClr val="phClr">
-                <a:satMod val="103000"/>
-                <a:lumMod val="102000"/>
-                <a:tint val="94000"/>
+                <a:tint val="96000"/>
+                <a:lumMod val="100000"/>
               </a:schemeClr>
             </a:gs>
-            <a:gs pos="50000">
+            <a:gs pos="78000">
               <a:schemeClr val="phClr">
-                <a:satMod val="110000"/>
-                <a:lumMod val="100000"/>
-                <a:shade val="100000"/>
-              </a:schemeClr>
-            </a:gs>
-            <a:gs pos="100000">
-              <a:schemeClr val="phClr">
-                <a:lumMod val="99000"/>
-                <a:satMod val="120000"/>
-                <a:shade val="78000"/>
+                <a:shade val="94000"/>
+                <a:lumMod val="94000"/>
               </a:schemeClr>
             </a:gs>
           </a:gsLst>
@@ -3751,26 +6704,23 @@
         </a:gradFill>
       </a:fillStyleLst>
       <a:lnStyleLst>
-        <a:ln w="6350" cap="flat" cmpd="sng" algn="ctr">
+        <a:ln w="12700" cap="rnd" cmpd="sng" algn="ctr">
           <a:solidFill>
             <a:schemeClr val="phClr"/>
           </a:solidFill>
           <a:prstDash val="solid"/>
-          <a:miter lim="800000"/>
         </a:ln>
-        <a:ln w="12700" cap="flat" cmpd="sng" algn="ctr">
+        <a:ln w="19050" cap="rnd" cmpd="sng" algn="ctr">
           <a:solidFill>
             <a:schemeClr val="phClr"/>
           </a:solidFill>
           <a:prstDash val="solid"/>
-          <a:miter lim="800000"/>
         </a:ln>
-        <a:ln w="19050" cap="flat" cmpd="sng" algn="ctr">
+        <a:ln w="25400" cap="rnd" cmpd="sng" algn="ctr">
           <a:solidFill>
             <a:schemeClr val="phClr"/>
           </a:solidFill>
           <a:prstDash val="solid"/>
-          <a:miter lim="800000"/>
         </a:ln>
       </a:lnStyleLst>
       <a:effectStyleLst>
@@ -3778,54 +6728,72 @@
           <a:effectLst/>
         </a:effectStyle>
         <a:effectStyle>
-          <a:effectLst/>
+          <a:effectLst>
+            <a:outerShdw blurRad="38100" dist="25400" dir="5400000" rotWithShape="0">
+              <a:srgbClr val="000000">
+                <a:alpha val="35000"/>
+              </a:srgbClr>
+            </a:outerShdw>
+          </a:effectLst>
         </a:effectStyle>
         <a:effectStyle>
           <a:effectLst>
-            <a:outerShdw blurRad="57150" dist="19050" dir="5400000" algn="ctr" rotWithShape="0">
+            <a:outerShdw blurRad="50800" dist="38100" dir="5400000" rotWithShape="0">
               <a:srgbClr val="000000">
-                <a:alpha val="63000"/>
+                <a:alpha val="35000"/>
               </a:srgbClr>
             </a:outerShdw>
           </a:effectLst>
+          <a:scene3d>
+            <a:camera prst="orthographicFront">
+              <a:rot lat="0" lon="0" rev="0"/>
+            </a:camera>
+            <a:lightRig rig="threePt" dir="tl"/>
+          </a:scene3d>
+          <a:sp3d prstMaterial="plastic">
+            <a:bevelT w="0" h="0"/>
+          </a:sp3d>
         </a:effectStyle>
       </a:effectStyleLst>
       <a:bgFillStyleLst>
         <a:solidFill>
           <a:schemeClr val="phClr"/>
         </a:solidFill>
-        <a:solidFill>
-          <a:schemeClr val="phClr">
-            <a:tint val="95000"/>
-            <a:satMod val="170000"/>
-          </a:schemeClr>
-        </a:solidFill>
         <a:gradFill rotWithShape="1">
           <a:gsLst>
             <a:gs pos="0">
               <a:schemeClr val="phClr">
-                <a:tint val="93000"/>
-                <a:satMod val="150000"/>
-                <a:shade val="98000"/>
-                <a:lumMod val="102000"/>
+                <a:tint val="90000"/>
+                <a:lumMod val="104000"/>
               </a:schemeClr>
             </a:gs>
-            <a:gs pos="50000">
+            <a:gs pos="94000">
               <a:schemeClr val="phClr">
-                <a:tint val="98000"/>
-                <a:satMod val="130000"/>
-                <a:shade val="90000"/>
-                <a:lumMod val="103000"/>
+                <a:shade val="96000"/>
+                <a:lumMod val="82000"/>
+              </a:schemeClr>
+            </a:gs>
+          </a:gsLst>
+          <a:lin ang="5400000" scaled="0"/>
+        </a:gradFill>
+        <a:gradFill rotWithShape="1">
+          <a:gsLst>
+            <a:gs pos="0">
+              <a:schemeClr val="phClr">
+                <a:tint val="90000"/>
+                <a:lumMod val="110000"/>
               </a:schemeClr>
             </a:gs>
             <a:gs pos="100000">
               <a:schemeClr val="phClr">
-                <a:shade val="63000"/>
-                <a:satMod val="120000"/>
+                <a:shade val="94000"/>
+                <a:lumMod val="96000"/>
               </a:schemeClr>
             </a:gs>
           </a:gsLst>
-          <a:lin ang="5400000" scaled="0"/>
+          <a:path path="circle">
+            <a:fillToRect l="50000" t="50000" r="100000" b="100000"/>
+          </a:path>
         </a:gradFill>
       </a:bgFillStyleLst>
     </a:fmtScheme>
@@ -3834,7 +6802,7 @@
   <a:extraClrSchemeLst/>
   <a:extLst>
     <a:ext uri="{05A4C25C-085E-4340-85A3-A5531E510DB2}">
-      <thm15:themeFamily xmlns:thm15="http://schemas.microsoft.com/office/thememl/2012/main" name="Office Theme" id="{62F939B6-93AF-4DB8-9C6B-D6C7DFDC589F}" vid="{4A3C46E8-61CC-4603-A589-7422A47A8E4A}"/>
+      <thm15:themeFamily xmlns:thm15="http://schemas.microsoft.com/office/thememl/2012/main" name="Facet" id="{C0C680CD-088A-49FC-A102-D699147F32B2}" vid="{CFBC31BA-B70F-4F30-BCAA-4F3011E16C4D}"/>
     </a:ext>
   </a:extLst>
 </a:theme>

--- a/presentation.pptx
+++ b/presentation.pptx
@@ -9,11 +9,16 @@
     <p:sldId id="258" r:id="rId3"/>
     <p:sldId id="259" r:id="rId4"/>
     <p:sldId id="260" r:id="rId5"/>
-    <p:sldId id="261" r:id="rId6"/>
-    <p:sldId id="262" r:id="rId7"/>
-    <p:sldId id="263" r:id="rId8"/>
-    <p:sldId id="264" r:id="rId9"/>
-    <p:sldId id="265" r:id="rId10"/>
+    <p:sldId id="266" r:id="rId6"/>
+    <p:sldId id="267" r:id="rId7"/>
+    <p:sldId id="268" r:id="rId8"/>
+    <p:sldId id="269" r:id="rId9"/>
+    <p:sldId id="261" r:id="rId10"/>
+    <p:sldId id="263" r:id="rId11"/>
+    <p:sldId id="270" r:id="rId12"/>
+    <p:sldId id="271" r:id="rId13"/>
+    <p:sldId id="264" r:id="rId14"/>
+    <p:sldId id="265" r:id="rId15"/>
   </p:sldIdLst>
   <p:sldSz cx="12192000" cy="6858000"/>
   <p:notesSz cx="6858000" cy="9144000"/>
@@ -886,7 +891,7 @@
             <a:fld id="{D57F1E4F-1CFF-5643-939E-217C01CDF565}" type="slidenum">
               <a:rPr lang="en-US" dirty="0"/>
               <a:pPr/>
-              <a:t>‹N°›</a:t>
+              <a:t>‹#›</a:t>
             </a:fld>
             <a:endParaRPr lang="en-US" dirty="0"/>
           </a:p>
@@ -1139,7 +1144,7 @@
             <a:fld id="{D57F1E4F-1CFF-5643-939E-217C01CDF565}" type="slidenum">
               <a:rPr lang="en-US" dirty="0"/>
               <a:pPr/>
-              <a:t>‹N°›</a:t>
+              <a:t>‹#›</a:t>
             </a:fld>
             <a:endParaRPr lang="en-US" dirty="0"/>
           </a:p>
@@ -1455,7 +1460,7 @@
             <a:fld id="{D57F1E4F-1CFF-5643-939E-217C01CDF565}" type="slidenum">
               <a:rPr lang="en-US" dirty="0"/>
               <a:pPr/>
-              <a:t>‹N°›</a:t>
+              <a:t>‹#›</a:t>
             </a:fld>
             <a:endParaRPr lang="en-US" dirty="0"/>
           </a:p>
@@ -1798,7 +1803,7 @@
             <a:fld id="{D57F1E4F-1CFF-5643-939E-217C01CDF565}" type="slidenum">
               <a:rPr lang="en-US" dirty="0"/>
               <a:pPr/>
-              <a:t>‹N°›</a:t>
+              <a:t>‹#›</a:t>
             </a:fld>
             <a:endParaRPr lang="en-US" dirty="0"/>
           </a:p>
@@ -2114,7 +2119,7 @@
             <a:fld id="{D57F1E4F-1CFF-5643-939E-217C01CDF565}" type="slidenum">
               <a:rPr lang="en-US" dirty="0"/>
               <a:pPr/>
-              <a:t>‹N°›</a:t>
+              <a:t>‹#›</a:t>
             </a:fld>
             <a:endParaRPr lang="en-US" dirty="0"/>
           </a:p>
@@ -2509,7 +2514,7 @@
             <a:fld id="{D57F1E4F-1CFF-5643-939E-217C01CDF565}" type="slidenum">
               <a:rPr lang="en-US" dirty="0"/>
               <a:pPr/>
-              <a:t>‹N°›</a:t>
+              <a:t>‹#›</a:t>
             </a:fld>
             <a:endParaRPr lang="en-US" dirty="0"/>
           </a:p>
@@ -2679,7 +2684,7 @@
           <a:p>
             <a:fld id="{89333C77-0158-454C-844F-B7AB9BD7DAD4}" type="slidenum">
               <a:rPr lang="en-US" dirty="0"/>
-              <a:t>‹N°›</a:t>
+              <a:t>‹#›</a:t>
             </a:fld>
             <a:endParaRPr lang="en-US" dirty="0"/>
           </a:p>
@@ -2861,7 +2866,7 @@
             <a:fld id="{D57F1E4F-1CFF-5643-939E-217C01CDF565}" type="slidenum">
               <a:rPr lang="en-US" dirty="0"/>
               <a:pPr/>
-              <a:t>‹N°›</a:t>
+              <a:t>‹#›</a:t>
             </a:fld>
             <a:endParaRPr lang="en-US" dirty="0"/>
           </a:p>
@@ -3039,7 +3044,7 @@
             <a:fld id="{D57F1E4F-1CFF-5643-939E-217C01CDF565}" type="slidenum">
               <a:rPr lang="en-US" dirty="0"/>
               <a:pPr/>
-              <a:t>‹N°›</a:t>
+              <a:t>‹#›</a:t>
             </a:fld>
             <a:endParaRPr lang="en-US" dirty="0"/>
           </a:p>
@@ -3288,7 +3293,7 @@
             <a:fld id="{D57F1E4F-1CFF-5643-939E-217C01CDF565}" type="slidenum">
               <a:rPr lang="en-US" dirty="0"/>
               <a:pPr/>
-              <a:t>‹N°›</a:t>
+              <a:t>‹#›</a:t>
             </a:fld>
             <a:endParaRPr lang="en-US" dirty="0"/>
           </a:p>
@@ -3520,7 +3525,7 @@
           <a:p>
             <a:fld id="{6FF9F0C5-380F-41C2-899A-BAC0F0927E16}" type="slidenum">
               <a:rPr lang="en-US" dirty="0"/>
-              <a:t>‹N°›</a:t>
+              <a:t>‹#›</a:t>
             </a:fld>
             <a:endParaRPr lang="en-US" dirty="0"/>
           </a:p>
@@ -3896,7 +3901,7 @@
             <a:fld id="{D57F1E4F-1CFF-5643-939E-217C01CDF565}" type="slidenum">
               <a:rPr lang="en-US" dirty="0"/>
               <a:pPr/>
-              <a:t>‹N°›</a:t>
+              <a:t>‹#›</a:t>
             </a:fld>
             <a:endParaRPr lang="en-US" dirty="0"/>
           </a:p>
@@ -4021,7 +4026,7 @@
             <a:fld id="{D57F1E4F-1CFF-5643-939E-217C01CDF565}" type="slidenum">
               <a:rPr lang="en-US" dirty="0"/>
               <a:pPr/>
-              <a:t>‹N°›</a:t>
+              <a:t>‹#›</a:t>
             </a:fld>
             <a:endParaRPr lang="en-US" dirty="0"/>
           </a:p>
@@ -4118,7 +4123,7 @@
             <a:fld id="{D57F1E4F-1CFF-5643-939E-217C01CDF565}" type="slidenum">
               <a:rPr lang="en-US" dirty="0"/>
               <a:pPr/>
-              <a:t>‹N°›</a:t>
+              <a:t>‹#›</a:t>
             </a:fld>
             <a:endParaRPr lang="en-US" dirty="0"/>
           </a:p>
@@ -4373,7 +4378,7 @@
           <a:p>
             <a:fld id="{519954A3-9DFD-4C44-94BA-B95130A3BA1C}" type="slidenum">
               <a:rPr lang="en-US" dirty="0"/>
-              <a:t>‹N°›</a:t>
+              <a:t>‹#›</a:t>
             </a:fld>
             <a:endParaRPr lang="en-US" dirty="0"/>
           </a:p>
@@ -4638,7 +4643,7 @@
             <a:fld id="{D57F1E4F-1CFF-5643-939E-217C01CDF565}" type="slidenum">
               <a:rPr lang="en-US" dirty="0"/>
               <a:pPr/>
-              <a:t>‹N°›</a:t>
+              <a:t>‹#›</a:t>
             </a:fld>
             <a:endParaRPr lang="en-US" dirty="0"/>
           </a:p>
@@ -5417,7 +5422,7 @@
             <a:fld id="{D57F1E4F-1CFF-5643-939E-217C01CDF565}" type="slidenum">
               <a:rPr lang="en-US" dirty="0"/>
               <a:pPr/>
-              <a:t>‹N°›</a:t>
+              <a:t>‹#›</a:t>
             </a:fld>
             <a:endParaRPr lang="en-US" dirty="0"/>
           </a:p>
@@ -5947,6 +5952,791 @@
 </p:sld>
 </file>
 
+<file path=ppt/slides/slide10.xml><?xml version="1.0" encoding="utf-8"?>
+<p:sld xmlns:a="http://schemas.openxmlformats.org/drawingml/2006/main" xmlns:r="http://schemas.openxmlformats.org/officeDocument/2006/relationships" xmlns:p="http://schemas.openxmlformats.org/presentationml/2006/main">
+  <p:cSld>
+    <p:spTree>
+      <p:nvGrpSpPr>
+        <p:cNvPr id="1" name=""/>
+        <p:cNvGrpSpPr/>
+        <p:nvPr/>
+      </p:nvGrpSpPr>
+      <p:grpSpPr>
+        <a:xfrm>
+          <a:off x="0" y="0"/>
+          <a:ext cx="0" cy="0"/>
+          <a:chOff x="0" y="0"/>
+          <a:chExt cx="0" cy="0"/>
+        </a:xfrm>
+      </p:grpSpPr>
+      <p:sp>
+        <p:nvSpPr>
+          <p:cNvPr id="2" name="Titre 1">
+            <a:extLst>
+              <a:ext uri="{FF2B5EF4-FFF2-40B4-BE49-F238E27FC236}">
+                <a16:creationId xmlns:a16="http://schemas.microsoft.com/office/drawing/2014/main" id="{64749A3E-07FB-4521-A7D5-AEACECC84081}"/>
+              </a:ext>
+            </a:extLst>
+          </p:cNvPr>
+          <p:cNvSpPr>
+            <a:spLocks noGrp="1"/>
+          </p:cNvSpPr>
+          <p:nvPr>
+            <p:ph type="title"/>
+          </p:nvPr>
+        </p:nvSpPr>
+        <p:spPr/>
+        <p:txBody>
+          <a:bodyPr/>
+          <a:lstStyle/>
+          <a:p>
+            <a:r>
+              <a:rPr lang="fr-CH" dirty="0"/>
+              <a:t>Implémentation: Sanitarisation des entrées utilisateurs</a:t>
+            </a:r>
+          </a:p>
+        </p:txBody>
+      </p:sp>
+      <p:sp>
+        <p:nvSpPr>
+          <p:cNvPr id="3" name="Espace réservé du contenu 2">
+            <a:extLst>
+              <a:ext uri="{FF2B5EF4-FFF2-40B4-BE49-F238E27FC236}">
+                <a16:creationId xmlns:a16="http://schemas.microsoft.com/office/drawing/2014/main" id="{668E8D6C-FC26-45AE-AFAE-1DD8E43FAFAA}"/>
+              </a:ext>
+            </a:extLst>
+          </p:cNvPr>
+          <p:cNvSpPr>
+            <a:spLocks noGrp="1"/>
+          </p:cNvSpPr>
+          <p:nvPr>
+            <p:ph idx="1"/>
+          </p:nvPr>
+        </p:nvSpPr>
+        <p:spPr/>
+        <p:style>
+          <a:lnRef idx="2">
+            <a:schemeClr val="dk1">
+              <a:shade val="50000"/>
+            </a:schemeClr>
+          </a:lnRef>
+          <a:fillRef idx="1">
+            <a:schemeClr val="dk1"/>
+          </a:fillRef>
+          <a:effectRef idx="0">
+            <a:schemeClr val="dk1"/>
+          </a:effectRef>
+          <a:fontRef idx="minor">
+            <a:schemeClr val="lt1"/>
+          </a:fontRef>
+        </p:style>
+        <p:txBody>
+          <a:bodyPr>
+            <a:normAutofit/>
+          </a:bodyPr>
+          <a:lstStyle/>
+          <a:p>
+            <a:pPr marL="0" indent="0">
+              <a:buNone/>
+            </a:pPr>
+            <a:r>
+              <a:rPr lang="en-US" dirty="0"/>
+              <a:t>&lt;?php</a:t>
+            </a:r>
+          </a:p>
+          <a:p>
+            <a:pPr marL="0" indent="0">
+              <a:buNone/>
+            </a:pPr>
+            <a:r>
+              <a:rPr lang="en-US" dirty="0"/>
+              <a:t>function </a:t>
+            </a:r>
+            <a:r>
+              <a:rPr lang="en-US" dirty="0" err="1"/>
+              <a:t>test_input</a:t>
+            </a:r>
+            <a:r>
+              <a:rPr lang="en-US" dirty="0"/>
+              <a:t>($data) {</a:t>
+            </a:r>
+          </a:p>
+          <a:p>
+            <a:pPr marL="0" indent="0">
+              <a:buNone/>
+            </a:pPr>
+            <a:r>
+              <a:rPr lang="en-US" dirty="0"/>
+              <a:t>	$data = trim($data);</a:t>
+            </a:r>
+          </a:p>
+          <a:p>
+            <a:pPr marL="0" indent="0">
+              <a:buNone/>
+            </a:pPr>
+            <a:r>
+              <a:rPr lang="en-US" dirty="0"/>
+              <a:t>	$data = </a:t>
+            </a:r>
+            <a:r>
+              <a:rPr lang="en-US" dirty="0" err="1"/>
+              <a:t>stripslashes</a:t>
+            </a:r>
+            <a:r>
+              <a:rPr lang="en-US" dirty="0"/>
+              <a:t>($data);</a:t>
+            </a:r>
+          </a:p>
+          <a:p>
+            <a:pPr marL="0" indent="0">
+              <a:buNone/>
+            </a:pPr>
+            <a:r>
+              <a:rPr lang="en-US" dirty="0"/>
+              <a:t>	$data = </a:t>
+            </a:r>
+            <a:r>
+              <a:rPr lang="en-US" dirty="0" err="1"/>
+              <a:t>htmlspecialchars</a:t>
+            </a:r>
+            <a:r>
+              <a:rPr lang="en-US" dirty="0"/>
+              <a:t>($data);</a:t>
+            </a:r>
+          </a:p>
+          <a:p>
+            <a:pPr marL="0" indent="0">
+              <a:buNone/>
+            </a:pPr>
+            <a:r>
+              <a:rPr lang="en-US" dirty="0"/>
+              <a:t>	return $data;</a:t>
+            </a:r>
+          </a:p>
+          <a:p>
+            <a:pPr marL="0" indent="0">
+              <a:buNone/>
+            </a:pPr>
+            <a:r>
+              <a:rPr lang="en-US" dirty="0"/>
+              <a:t>}</a:t>
+            </a:r>
+          </a:p>
+          <a:p>
+            <a:pPr marL="0" indent="0">
+              <a:buNone/>
+            </a:pPr>
+            <a:r>
+              <a:rPr lang="en-US" dirty="0"/>
+              <a:t>$username = </a:t>
+            </a:r>
+            <a:r>
+              <a:rPr lang="en-US" dirty="0" err="1"/>
+              <a:t>test_input</a:t>
+            </a:r>
+            <a:r>
+              <a:rPr lang="en-US" dirty="0"/>
+              <a:t>($_POST['username’]);</a:t>
+            </a:r>
+          </a:p>
+          <a:p>
+            <a:pPr marL="0" indent="0">
+              <a:buNone/>
+            </a:pPr>
+            <a:br>
+              <a:rPr lang="en-US" dirty="0"/>
+            </a:br>
+            <a:r>
+              <a:rPr lang="en-US" dirty="0"/>
+              <a:t>?&gt;</a:t>
+            </a:r>
+          </a:p>
+          <a:p>
+            <a:endParaRPr lang="fr-CH" dirty="0"/>
+          </a:p>
+        </p:txBody>
+      </p:sp>
+    </p:spTree>
+    <p:extLst>
+      <p:ext uri="{BB962C8B-B14F-4D97-AF65-F5344CB8AC3E}">
+        <p14:creationId xmlns:p14="http://schemas.microsoft.com/office/powerpoint/2010/main" val="1933545645"/>
+      </p:ext>
+    </p:extLst>
+  </p:cSld>
+  <p:clrMapOvr>
+    <a:masterClrMapping/>
+  </p:clrMapOvr>
+</p:sld>
+</file>
+
+<file path=ppt/slides/slide11.xml><?xml version="1.0" encoding="utf-8"?>
+<p:sld xmlns:a="http://schemas.openxmlformats.org/drawingml/2006/main" xmlns:r="http://schemas.openxmlformats.org/officeDocument/2006/relationships" xmlns:p="http://schemas.openxmlformats.org/presentationml/2006/main">
+  <p:cSld>
+    <p:spTree>
+      <p:nvGrpSpPr>
+        <p:cNvPr id="1" name=""/>
+        <p:cNvGrpSpPr/>
+        <p:nvPr/>
+      </p:nvGrpSpPr>
+      <p:grpSpPr>
+        <a:xfrm>
+          <a:off x="0" y="0"/>
+          <a:ext cx="0" cy="0"/>
+          <a:chOff x="0" y="0"/>
+          <a:chExt cx="0" cy="0"/>
+        </a:xfrm>
+      </p:grpSpPr>
+      <p:sp>
+        <p:nvSpPr>
+          <p:cNvPr id="2" name="Titre 1">
+            <a:extLst>
+              <a:ext uri="{FF2B5EF4-FFF2-40B4-BE49-F238E27FC236}">
+                <a16:creationId xmlns:a16="http://schemas.microsoft.com/office/drawing/2014/main" id="{64749A3E-07FB-4521-A7D5-AEACECC84081}"/>
+              </a:ext>
+            </a:extLst>
+          </p:cNvPr>
+          <p:cNvSpPr>
+            <a:spLocks noGrp="1"/>
+          </p:cNvSpPr>
+          <p:nvPr>
+            <p:ph type="title"/>
+          </p:nvPr>
+        </p:nvSpPr>
+        <p:spPr/>
+        <p:txBody>
+          <a:bodyPr/>
+          <a:lstStyle/>
+          <a:p>
+            <a:r>
+              <a:rPr lang="fr-CH" dirty="0"/>
+              <a:t>Implémentation: </a:t>
+            </a:r>
+            <a:r>
+              <a:rPr lang="fr-CH" dirty="0" err="1"/>
+              <a:t>Prepared</a:t>
+            </a:r>
+            <a:r>
+              <a:rPr lang="fr-CH" dirty="0"/>
+              <a:t> </a:t>
+            </a:r>
+            <a:r>
+              <a:rPr lang="fr-CH" dirty="0" err="1"/>
+              <a:t>Statement</a:t>
+            </a:r>
+            <a:endParaRPr lang="fr-CH" dirty="0"/>
+          </a:p>
+        </p:txBody>
+      </p:sp>
+      <p:sp>
+        <p:nvSpPr>
+          <p:cNvPr id="3" name="Espace réservé du contenu 2">
+            <a:extLst>
+              <a:ext uri="{FF2B5EF4-FFF2-40B4-BE49-F238E27FC236}">
+                <a16:creationId xmlns:a16="http://schemas.microsoft.com/office/drawing/2014/main" id="{668E8D6C-FC26-45AE-AFAE-1DD8E43FAFAA}"/>
+              </a:ext>
+            </a:extLst>
+          </p:cNvPr>
+          <p:cNvSpPr>
+            <a:spLocks noGrp="1"/>
+          </p:cNvSpPr>
+          <p:nvPr>
+            <p:ph idx="1"/>
+          </p:nvPr>
+        </p:nvSpPr>
+        <p:spPr>
+          <a:xfrm>
+            <a:off x="677334" y="2160589"/>
+            <a:ext cx="8596668" cy="3880773"/>
+          </a:xfrm>
+        </p:spPr>
+        <p:style>
+          <a:lnRef idx="2">
+            <a:schemeClr val="dk1">
+              <a:shade val="50000"/>
+            </a:schemeClr>
+          </a:lnRef>
+          <a:fillRef idx="1">
+            <a:schemeClr val="dk1"/>
+          </a:fillRef>
+          <a:effectRef idx="0">
+            <a:schemeClr val="dk1"/>
+          </a:effectRef>
+          <a:fontRef idx="minor">
+            <a:schemeClr val="lt1"/>
+          </a:fontRef>
+        </p:style>
+        <p:txBody>
+          <a:bodyPr>
+            <a:normAutofit/>
+          </a:bodyPr>
+          <a:lstStyle/>
+          <a:p>
+            <a:pPr marL="0" indent="0">
+              <a:buNone/>
+            </a:pPr>
+            <a:r>
+              <a:rPr lang="en-US" dirty="0"/>
+              <a:t>&lt;?php</a:t>
+            </a:r>
+          </a:p>
+          <a:p>
+            <a:pPr marL="0" indent="0">
+              <a:buNone/>
+            </a:pPr>
+            <a:endParaRPr lang="en-US" dirty="0"/>
+          </a:p>
+          <a:p>
+            <a:pPr marL="0" indent="0">
+              <a:buNone/>
+            </a:pPr>
+            <a:r>
+              <a:rPr lang="en-US" dirty="0"/>
+              <a:t>$</a:t>
+            </a:r>
+            <a:r>
+              <a:rPr lang="en-US" dirty="0" err="1"/>
+              <a:t>stmt</a:t>
+            </a:r>
+            <a:r>
+              <a:rPr lang="en-US" dirty="0"/>
+              <a:t> = $</a:t>
+            </a:r>
+            <a:r>
+              <a:rPr lang="en-US" dirty="0" err="1"/>
+              <a:t>file_db</a:t>
+            </a:r>
+            <a:r>
+              <a:rPr lang="en-US" dirty="0"/>
+              <a:t>-&gt;prepare('DELETE FROM users WHERE login = :username');</a:t>
+            </a:r>
+          </a:p>
+          <a:p>
+            <a:pPr marL="0" indent="0">
+              <a:buNone/>
+            </a:pPr>
+            <a:r>
+              <a:rPr lang="en-US" dirty="0"/>
+              <a:t>$</a:t>
+            </a:r>
+            <a:r>
+              <a:rPr lang="en-US" dirty="0" err="1"/>
+              <a:t>stmt</a:t>
+            </a:r>
+            <a:r>
+              <a:rPr lang="en-US" dirty="0"/>
+              <a:t>-&gt;execute(array('username'=&gt;$login));</a:t>
+            </a:r>
+          </a:p>
+          <a:p>
+            <a:pPr marL="0" indent="0">
+              <a:buNone/>
+            </a:pPr>
+            <a:br>
+              <a:rPr lang="en-US" dirty="0"/>
+            </a:br>
+            <a:r>
+              <a:rPr lang="en-US" dirty="0"/>
+              <a:t>?&gt;</a:t>
+            </a:r>
+          </a:p>
+          <a:p>
+            <a:endParaRPr lang="fr-CH" dirty="0"/>
+          </a:p>
+        </p:txBody>
+      </p:sp>
+    </p:spTree>
+    <p:extLst>
+      <p:ext uri="{BB962C8B-B14F-4D97-AF65-F5344CB8AC3E}">
+        <p14:creationId xmlns:p14="http://schemas.microsoft.com/office/powerpoint/2010/main" val="1983973738"/>
+      </p:ext>
+    </p:extLst>
+  </p:cSld>
+  <p:clrMapOvr>
+    <a:masterClrMapping/>
+  </p:clrMapOvr>
+</p:sld>
+</file>
+
+<file path=ppt/slides/slide12.xml><?xml version="1.0" encoding="utf-8"?>
+<p:sld xmlns:a="http://schemas.openxmlformats.org/drawingml/2006/main" xmlns:r="http://schemas.openxmlformats.org/officeDocument/2006/relationships" xmlns:p="http://schemas.openxmlformats.org/presentationml/2006/main">
+  <p:cSld>
+    <p:spTree>
+      <p:nvGrpSpPr>
+        <p:cNvPr id="1" name=""/>
+        <p:cNvGrpSpPr/>
+        <p:nvPr/>
+      </p:nvGrpSpPr>
+      <p:grpSpPr>
+        <a:xfrm>
+          <a:off x="0" y="0"/>
+          <a:ext cx="0" cy="0"/>
+          <a:chOff x="0" y="0"/>
+          <a:chExt cx="0" cy="0"/>
+        </a:xfrm>
+      </p:grpSpPr>
+      <p:sp>
+        <p:nvSpPr>
+          <p:cNvPr id="2" name="Titre 1">
+            <a:extLst>
+              <a:ext uri="{FF2B5EF4-FFF2-40B4-BE49-F238E27FC236}">
+                <a16:creationId xmlns:a16="http://schemas.microsoft.com/office/drawing/2014/main" id="{64749A3E-07FB-4521-A7D5-AEACECC84081}"/>
+              </a:ext>
+            </a:extLst>
+          </p:cNvPr>
+          <p:cNvSpPr>
+            <a:spLocks noGrp="1"/>
+          </p:cNvSpPr>
+          <p:nvPr>
+            <p:ph type="title"/>
+          </p:nvPr>
+        </p:nvSpPr>
+        <p:spPr/>
+        <p:txBody>
+          <a:bodyPr/>
+          <a:lstStyle/>
+          <a:p>
+            <a:r>
+              <a:rPr lang="fr-CH" dirty="0"/>
+              <a:t>Implémentation: </a:t>
+            </a:r>
+            <a:r>
+              <a:rPr lang="fr-CH" dirty="0" err="1"/>
+              <a:t>Token</a:t>
+            </a:r>
+            <a:r>
+              <a:rPr lang="fr-CH" dirty="0"/>
+              <a:t> anti-CSRF</a:t>
+            </a:r>
+          </a:p>
+        </p:txBody>
+      </p:sp>
+      <p:sp>
+        <p:nvSpPr>
+          <p:cNvPr id="3" name="Espace réservé du contenu 2">
+            <a:extLst>
+              <a:ext uri="{FF2B5EF4-FFF2-40B4-BE49-F238E27FC236}">
+                <a16:creationId xmlns:a16="http://schemas.microsoft.com/office/drawing/2014/main" id="{668E8D6C-FC26-45AE-AFAE-1DD8E43FAFAA}"/>
+              </a:ext>
+            </a:extLst>
+          </p:cNvPr>
+          <p:cNvSpPr>
+            <a:spLocks noGrp="1"/>
+          </p:cNvSpPr>
+          <p:nvPr>
+            <p:ph idx="1"/>
+          </p:nvPr>
+        </p:nvSpPr>
+        <p:spPr/>
+        <p:style>
+          <a:lnRef idx="2">
+            <a:schemeClr val="dk1">
+              <a:shade val="50000"/>
+            </a:schemeClr>
+          </a:lnRef>
+          <a:fillRef idx="1">
+            <a:schemeClr val="dk1"/>
+          </a:fillRef>
+          <a:effectRef idx="0">
+            <a:schemeClr val="dk1"/>
+          </a:effectRef>
+          <a:fontRef idx="minor">
+            <a:schemeClr val="lt1"/>
+          </a:fontRef>
+        </p:style>
+        <p:txBody>
+          <a:bodyPr>
+            <a:normAutofit/>
+          </a:bodyPr>
+          <a:lstStyle/>
+          <a:p>
+            <a:pPr marL="0" indent="0">
+              <a:buNone/>
+            </a:pPr>
+            <a:r>
+              <a:rPr lang="en-US" dirty="0"/>
+              <a:t>&lt;?php</a:t>
+            </a:r>
+          </a:p>
+          <a:p>
+            <a:pPr marL="0" indent="0">
+              <a:buNone/>
+            </a:pPr>
+            <a:r>
+              <a:rPr lang="en-US" dirty="0"/>
+              <a:t>$_SESSION['CSRF']=base64_encode(</a:t>
+            </a:r>
+            <a:r>
+              <a:rPr lang="en-US" dirty="0" err="1"/>
+              <a:t>openssl_random_pseudo_bytes</a:t>
+            </a:r>
+            <a:r>
+              <a:rPr lang="en-US" dirty="0"/>
+              <a:t>(32));</a:t>
+            </a:r>
+          </a:p>
+          <a:p>
+            <a:pPr marL="0" indent="0">
+              <a:buNone/>
+            </a:pPr>
+            <a:endParaRPr lang="en-US" dirty="0"/>
+          </a:p>
+          <a:p>
+            <a:pPr marL="0" indent="0">
+              <a:buNone/>
+            </a:pPr>
+            <a:r>
+              <a:rPr lang="en-US" dirty="0"/>
+              <a:t>if( </a:t>
+            </a:r>
+            <a:r>
+              <a:rPr lang="en-US" dirty="0" err="1"/>
+              <a:t>isset</a:t>
+            </a:r>
+            <a:r>
+              <a:rPr lang="en-US" dirty="0"/>
+              <a:t>($_SESSION['CSRF']) and </a:t>
+            </a:r>
+            <a:r>
+              <a:rPr lang="en-US" dirty="0" err="1"/>
+              <a:t>isset</a:t>
+            </a:r>
+            <a:r>
+              <a:rPr lang="en-US" dirty="0"/>
+              <a:t>($_POST['CSRF’]) </a:t>
+            </a:r>
+          </a:p>
+          <a:p>
+            <a:pPr marL="0" indent="0">
+              <a:buNone/>
+            </a:pPr>
+            <a:r>
+              <a:rPr lang="en-US" dirty="0"/>
+              <a:t>    and $_SESSION['CSRF'] == $_POST['CSRF’])</a:t>
+            </a:r>
+          </a:p>
+          <a:p>
+            <a:pPr marL="0" indent="0">
+              <a:buNone/>
+            </a:pPr>
+            <a:r>
+              <a:rPr lang="en-US" dirty="0"/>
+              <a:t>{</a:t>
+            </a:r>
+          </a:p>
+          <a:p>
+            <a:pPr marL="0" indent="0">
+              <a:buNone/>
+            </a:pPr>
+            <a:r>
+              <a:rPr lang="en-US" dirty="0"/>
+              <a:t>	…</a:t>
+            </a:r>
+          </a:p>
+          <a:p>
+            <a:pPr marL="0" indent="0">
+              <a:buNone/>
+            </a:pPr>
+            <a:r>
+              <a:rPr lang="en-US" dirty="0"/>
+              <a:t>}</a:t>
+            </a:r>
+          </a:p>
+          <a:p>
+            <a:pPr marL="0" indent="0">
+              <a:buNone/>
+            </a:pPr>
+            <a:br>
+              <a:rPr lang="en-US" dirty="0"/>
+            </a:br>
+            <a:r>
+              <a:rPr lang="en-US" dirty="0"/>
+              <a:t>?&gt;</a:t>
+            </a:r>
+          </a:p>
+          <a:p>
+            <a:endParaRPr lang="fr-CH" dirty="0"/>
+          </a:p>
+        </p:txBody>
+      </p:sp>
+    </p:spTree>
+    <p:extLst>
+      <p:ext uri="{BB962C8B-B14F-4D97-AF65-F5344CB8AC3E}">
+        <p14:creationId xmlns:p14="http://schemas.microsoft.com/office/powerpoint/2010/main" val="1802051071"/>
+      </p:ext>
+    </p:extLst>
+  </p:cSld>
+  <p:clrMapOvr>
+    <a:masterClrMapping/>
+  </p:clrMapOvr>
+</p:sld>
+</file>
+
+<file path=ppt/slides/slide13.xml><?xml version="1.0" encoding="utf-8"?>
+<p:sld xmlns:a="http://schemas.openxmlformats.org/drawingml/2006/main" xmlns:r="http://schemas.openxmlformats.org/officeDocument/2006/relationships" xmlns:p="http://schemas.openxmlformats.org/presentationml/2006/main">
+  <p:cSld>
+    <p:spTree>
+      <p:nvGrpSpPr>
+        <p:cNvPr id="1" name=""/>
+        <p:cNvGrpSpPr/>
+        <p:nvPr/>
+      </p:nvGrpSpPr>
+      <p:grpSpPr>
+        <a:xfrm>
+          <a:off x="0" y="0"/>
+          <a:ext cx="0" cy="0"/>
+          <a:chOff x="0" y="0"/>
+          <a:chExt cx="0" cy="0"/>
+        </a:xfrm>
+      </p:grpSpPr>
+      <p:sp>
+        <p:nvSpPr>
+          <p:cNvPr id="2" name="Titre 1">
+            <a:extLst>
+              <a:ext uri="{FF2B5EF4-FFF2-40B4-BE49-F238E27FC236}">
+                <a16:creationId xmlns:a16="http://schemas.microsoft.com/office/drawing/2014/main" id="{EAD430AE-1616-4BAB-A00C-49481D4247B5}"/>
+              </a:ext>
+            </a:extLst>
+          </p:cNvPr>
+          <p:cNvSpPr>
+            <a:spLocks noGrp="1"/>
+          </p:cNvSpPr>
+          <p:nvPr>
+            <p:ph type="title"/>
+          </p:nvPr>
+        </p:nvSpPr>
+        <p:spPr/>
+        <p:txBody>
+          <a:bodyPr/>
+          <a:lstStyle/>
+          <a:p>
+            <a:r>
+              <a:rPr lang="fr-CH" dirty="0"/>
+              <a:t>Problèmes rencontrés</a:t>
+            </a:r>
+          </a:p>
+        </p:txBody>
+      </p:sp>
+      <p:sp>
+        <p:nvSpPr>
+          <p:cNvPr id="3" name="Espace réservé du contenu 2">
+            <a:extLst>
+              <a:ext uri="{FF2B5EF4-FFF2-40B4-BE49-F238E27FC236}">
+                <a16:creationId xmlns:a16="http://schemas.microsoft.com/office/drawing/2014/main" id="{54FF68CE-57C4-4B00-BD53-98F6AA4820A4}"/>
+              </a:ext>
+            </a:extLst>
+          </p:cNvPr>
+          <p:cNvSpPr>
+            <a:spLocks noGrp="1"/>
+          </p:cNvSpPr>
+          <p:nvPr>
+            <p:ph idx="1"/>
+          </p:nvPr>
+        </p:nvSpPr>
+        <p:spPr/>
+        <p:txBody>
+          <a:bodyPr/>
+          <a:lstStyle/>
+          <a:p>
+            <a:endParaRPr lang="fr-CH"/>
+          </a:p>
+        </p:txBody>
+      </p:sp>
+    </p:spTree>
+    <p:extLst>
+      <p:ext uri="{BB962C8B-B14F-4D97-AF65-F5344CB8AC3E}">
+        <p14:creationId xmlns:p14="http://schemas.microsoft.com/office/powerpoint/2010/main" val="4285848040"/>
+      </p:ext>
+    </p:extLst>
+  </p:cSld>
+  <p:clrMapOvr>
+    <a:masterClrMapping/>
+  </p:clrMapOvr>
+</p:sld>
+</file>
+
+<file path=ppt/slides/slide14.xml><?xml version="1.0" encoding="utf-8"?>
+<p:sld xmlns:a="http://schemas.openxmlformats.org/drawingml/2006/main" xmlns:r="http://schemas.openxmlformats.org/officeDocument/2006/relationships" xmlns:p="http://schemas.openxmlformats.org/presentationml/2006/main">
+  <p:cSld>
+    <p:spTree>
+      <p:nvGrpSpPr>
+        <p:cNvPr id="1" name=""/>
+        <p:cNvGrpSpPr/>
+        <p:nvPr/>
+      </p:nvGrpSpPr>
+      <p:grpSpPr>
+        <a:xfrm>
+          <a:off x="0" y="0"/>
+          <a:ext cx="0" cy="0"/>
+          <a:chOff x="0" y="0"/>
+          <a:chExt cx="0" cy="0"/>
+        </a:xfrm>
+      </p:grpSpPr>
+      <p:sp>
+        <p:nvSpPr>
+          <p:cNvPr id="2" name="Titre 1">
+            <a:extLst>
+              <a:ext uri="{FF2B5EF4-FFF2-40B4-BE49-F238E27FC236}">
+                <a16:creationId xmlns:a16="http://schemas.microsoft.com/office/drawing/2014/main" id="{D04A9D3B-5834-4D83-BB24-D531BB867271}"/>
+              </a:ext>
+            </a:extLst>
+          </p:cNvPr>
+          <p:cNvSpPr>
+            <a:spLocks noGrp="1"/>
+          </p:cNvSpPr>
+          <p:nvPr>
+            <p:ph type="title"/>
+          </p:nvPr>
+        </p:nvSpPr>
+        <p:spPr/>
+        <p:txBody>
+          <a:bodyPr/>
+          <a:lstStyle/>
+          <a:p>
+            <a:r>
+              <a:rPr lang="fr-CH" dirty="0"/>
+              <a:t>Conclusion</a:t>
+            </a:r>
+          </a:p>
+        </p:txBody>
+      </p:sp>
+      <p:sp>
+        <p:nvSpPr>
+          <p:cNvPr id="3" name="Espace réservé du contenu 2">
+            <a:extLst>
+              <a:ext uri="{FF2B5EF4-FFF2-40B4-BE49-F238E27FC236}">
+                <a16:creationId xmlns:a16="http://schemas.microsoft.com/office/drawing/2014/main" id="{BA3E0681-0F7D-4299-8C51-E9FD8D65E3B6}"/>
+              </a:ext>
+            </a:extLst>
+          </p:cNvPr>
+          <p:cNvSpPr>
+            <a:spLocks noGrp="1"/>
+          </p:cNvSpPr>
+          <p:nvPr>
+            <p:ph idx="1"/>
+          </p:nvPr>
+        </p:nvSpPr>
+        <p:spPr/>
+        <p:txBody>
+          <a:bodyPr/>
+          <a:lstStyle/>
+          <a:p>
+            <a:endParaRPr lang="fr-CH"/>
+          </a:p>
+        </p:txBody>
+      </p:sp>
+    </p:spTree>
+    <p:extLst>
+      <p:ext uri="{BB962C8B-B14F-4D97-AF65-F5344CB8AC3E}">
+        <p14:creationId xmlns:p14="http://schemas.microsoft.com/office/powerpoint/2010/main" val="1956688807"/>
+      </p:ext>
+    </p:extLst>
+  </p:cSld>
+  <p:clrMapOvr>
+    <a:masterClrMapping/>
+  </p:clrMapOvr>
+</p:sld>
+</file>
+
 <file path=ppt/slides/slide2.xml><?xml version="1.0" encoding="utf-8"?>
 <p:sld xmlns:a="http://schemas.openxmlformats.org/drawingml/2006/main" xmlns:r="http://schemas.openxmlformats.org/officeDocument/2006/relationships" xmlns:p="http://schemas.openxmlformats.org/presentationml/2006/main">
   <p:cSld>
@@ -6179,7 +6969,47 @@
           <a:bodyPr/>
           <a:lstStyle/>
           <a:p>
-            <a:endParaRPr lang="fr-CH"/>
+            <a:r>
+              <a:rPr lang="fr-CH" dirty="0" err="1"/>
+              <a:t>Credentials</a:t>
+            </a:r>
+            <a:r>
+              <a:rPr lang="fr-CH" dirty="0"/>
+              <a:t> spoofing</a:t>
+            </a:r>
+          </a:p>
+          <a:p>
+            <a:r>
+              <a:rPr lang="fr-CH" dirty="0" err="1"/>
+              <a:t>Databse</a:t>
+            </a:r>
+            <a:r>
+              <a:rPr lang="fr-CH" dirty="0"/>
+              <a:t> </a:t>
+            </a:r>
+            <a:r>
+              <a:rPr lang="fr-CH" dirty="0" err="1"/>
+              <a:t>tampering</a:t>
+            </a:r>
+            <a:endParaRPr lang="fr-CH" dirty="0"/>
+          </a:p>
+          <a:p>
+            <a:r>
+              <a:rPr lang="fr-CH" dirty="0"/>
+              <a:t>Information </a:t>
+            </a:r>
+            <a:r>
+              <a:rPr lang="fr-CH" dirty="0" err="1"/>
+              <a:t>disclosure</a:t>
+            </a:r>
+            <a:endParaRPr lang="fr-CH" dirty="0"/>
+          </a:p>
+          <a:p>
+            <a:r>
+              <a:rPr lang="fr-CH" dirty="0" err="1"/>
+              <a:t>DoS</a:t>
+            </a:r>
+            <a:endParaRPr lang="fr-CH" dirty="0"/>
           </a:p>
         </p:txBody>
       </p:sp>
@@ -6215,10 +7045,10 @@
       </p:grpSpPr>
       <p:sp>
         <p:nvSpPr>
-          <p:cNvPr id="2" name="Titre 1">
+          <p:cNvPr id="2" name="Title 1">
             <a:extLst>
               <a:ext uri="{FF2B5EF4-FFF2-40B4-BE49-F238E27FC236}">
-                <a16:creationId xmlns:a16="http://schemas.microsoft.com/office/drawing/2014/main" id="{17043DAD-7159-434A-844F-E1DB542A4306}"/>
+                <a16:creationId xmlns:a16="http://schemas.microsoft.com/office/drawing/2014/main" id="{B38792F0-0D64-4787-8865-4BAA85436F6E}"/>
               </a:ext>
             </a:extLst>
           </p:cNvPr>
@@ -6235,18 +7065,19 @@
           <a:lstStyle/>
           <a:p>
             <a:r>
-              <a:rPr lang="fr-CH" dirty="0"/>
-              <a:t>Mécanismes de sécurité</a:t>
-            </a:r>
-          </a:p>
-        </p:txBody>
-      </p:sp>
-      <p:sp>
-        <p:nvSpPr>
-          <p:cNvPr id="3" name="Espace réservé du contenu 2">
+              <a:rPr lang="en-US" dirty="0"/>
+              <a:t>Credentials Spoofing</a:t>
+            </a:r>
+            <a:endParaRPr lang="en-CH" dirty="0"/>
+          </a:p>
+        </p:txBody>
+      </p:sp>
+      <p:sp>
+        <p:nvSpPr>
+          <p:cNvPr id="3" name="Content Placeholder 2">
             <a:extLst>
               <a:ext uri="{FF2B5EF4-FFF2-40B4-BE49-F238E27FC236}">
-                <a16:creationId xmlns:a16="http://schemas.microsoft.com/office/drawing/2014/main" id="{093BC9CE-F30A-4886-8AC9-4A86AF20D4E2}"/>
+                <a16:creationId xmlns:a16="http://schemas.microsoft.com/office/drawing/2014/main" id="{5184D72C-137C-4090-8FED-DFDC2F5E5282}"/>
               </a:ext>
             </a:extLst>
           </p:cNvPr>
@@ -6257,19 +7088,125 @@
             <p:ph idx="1"/>
           </p:nvPr>
         </p:nvSpPr>
-        <p:spPr/>
+        <p:spPr>
+          <a:xfrm>
+            <a:off x="677334" y="1379621"/>
+            <a:ext cx="8596668" cy="4661742"/>
+          </a:xfrm>
+        </p:spPr>
         <p:txBody>
           <a:bodyPr/>
           <a:lstStyle/>
           <a:p>
-            <a:endParaRPr lang="fr-CH"/>
+            <a:r>
+              <a:rPr lang="en-US" dirty="0" err="1"/>
+              <a:t>Scénarios</a:t>
+            </a:r>
+            <a:r>
+              <a:rPr lang="en-US" dirty="0"/>
+              <a:t> </a:t>
+            </a:r>
+            <a:r>
+              <a:rPr lang="en-US" dirty="0" err="1"/>
+              <a:t>d’attaques</a:t>
+            </a:r>
+            <a:r>
+              <a:rPr lang="en-US" dirty="0"/>
+              <a:t>:</a:t>
+            </a:r>
+          </a:p>
+          <a:p>
+            <a:pPr lvl="1"/>
+            <a:r>
+              <a:rPr lang="en-US" dirty="0"/>
+              <a:t>Sniffing</a:t>
+            </a:r>
+          </a:p>
+          <a:p>
+            <a:pPr lvl="1"/>
+            <a:r>
+              <a:rPr lang="en-US" dirty="0"/>
+              <a:t>Brute force</a:t>
+            </a:r>
+          </a:p>
+          <a:p>
+            <a:pPr lvl="1"/>
+            <a:r>
+              <a:rPr lang="en-US" dirty="0"/>
+              <a:t>XSS (vol du token de session)</a:t>
+            </a:r>
+          </a:p>
+          <a:p>
+            <a:pPr lvl="1"/>
+            <a:r>
+              <a:rPr lang="en-US" dirty="0"/>
+              <a:t>Injection SQL</a:t>
+            </a:r>
+          </a:p>
+          <a:p>
+            <a:endParaRPr lang="en-US" dirty="0"/>
+          </a:p>
+          <a:p>
+            <a:r>
+              <a:rPr lang="en-US" dirty="0" err="1"/>
+              <a:t>Faisaiblité</a:t>
+            </a:r>
+            <a:r>
+              <a:rPr lang="en-US" dirty="0"/>
+              <a:t>: facile</a:t>
+            </a:r>
+          </a:p>
+          <a:p>
+            <a:r>
+              <a:rPr lang="en-US" dirty="0"/>
+              <a:t>Business impact: </a:t>
+            </a:r>
+            <a:r>
+              <a:rPr lang="en-US" dirty="0" err="1"/>
+              <a:t>Très</a:t>
+            </a:r>
+            <a:r>
+              <a:rPr lang="en-US" dirty="0"/>
+              <a:t> </a:t>
+            </a:r>
+            <a:r>
+              <a:rPr lang="en-US" dirty="0" err="1"/>
+              <a:t>élevé</a:t>
+            </a:r>
+            <a:r>
+              <a:rPr lang="en-US" dirty="0"/>
+              <a:t> </a:t>
+            </a:r>
+          </a:p>
+          <a:p>
+            <a:r>
+              <a:rPr lang="en-US" dirty="0" err="1"/>
+              <a:t>Risque</a:t>
+            </a:r>
+            <a:r>
+              <a:rPr lang="en-US" dirty="0"/>
+              <a:t>: </a:t>
+            </a:r>
+            <a:r>
+              <a:rPr lang="en-US" dirty="0" err="1"/>
+              <a:t>Très</a:t>
+            </a:r>
+            <a:r>
+              <a:rPr lang="en-US" dirty="0"/>
+              <a:t> </a:t>
+            </a:r>
+            <a:r>
+              <a:rPr lang="en-US" dirty="0" err="1"/>
+              <a:t>élevé</a:t>
+            </a:r>
+            <a:endParaRPr lang="en-CH" dirty="0"/>
           </a:p>
         </p:txBody>
       </p:sp>
     </p:spTree>
     <p:extLst>
       <p:ext uri="{BB962C8B-B14F-4D97-AF65-F5344CB8AC3E}">
-        <p14:creationId xmlns:p14="http://schemas.microsoft.com/office/powerpoint/2010/main" val="1677329676"/>
+        <p14:creationId xmlns:p14="http://schemas.microsoft.com/office/powerpoint/2010/main" val="1243682900"/>
       </p:ext>
     </p:extLst>
   </p:cSld>
@@ -6298,10 +7235,10 @@
       </p:grpSpPr>
       <p:sp>
         <p:nvSpPr>
-          <p:cNvPr id="2" name="Titre 1">
+          <p:cNvPr id="2" name="Title 1">
             <a:extLst>
               <a:ext uri="{FF2B5EF4-FFF2-40B4-BE49-F238E27FC236}">
-                <a16:creationId xmlns:a16="http://schemas.microsoft.com/office/drawing/2014/main" id="{8C21362A-01B3-43CC-800A-F0022C476951}"/>
+                <a16:creationId xmlns:a16="http://schemas.microsoft.com/office/drawing/2014/main" id="{B38792F0-0D64-4787-8865-4BAA85436F6E}"/>
               </a:ext>
             </a:extLst>
           </p:cNvPr>
@@ -6318,18 +7255,19 @@
           <a:lstStyle/>
           <a:p>
             <a:r>
-              <a:rPr lang="fr-CH" dirty="0"/>
-              <a:t>Implémentation générale (fonctionnelle)</a:t>
-            </a:r>
-          </a:p>
-        </p:txBody>
-      </p:sp>
-      <p:sp>
-        <p:nvSpPr>
-          <p:cNvPr id="3" name="Espace réservé du contenu 2">
+              <a:rPr lang="en-US" dirty="0"/>
+              <a:t>Database Tampering</a:t>
+            </a:r>
+            <a:endParaRPr lang="en-CH" dirty="0"/>
+          </a:p>
+        </p:txBody>
+      </p:sp>
+      <p:sp>
+        <p:nvSpPr>
+          <p:cNvPr id="3" name="Content Placeholder 2">
             <a:extLst>
               <a:ext uri="{FF2B5EF4-FFF2-40B4-BE49-F238E27FC236}">
-                <a16:creationId xmlns:a16="http://schemas.microsoft.com/office/drawing/2014/main" id="{9C2AD74A-F5AC-4E8C-9842-8E5E1F2F83C9}"/>
+                <a16:creationId xmlns:a16="http://schemas.microsoft.com/office/drawing/2014/main" id="{5184D72C-137C-4090-8FED-DFDC2F5E5282}"/>
               </a:ext>
             </a:extLst>
           </p:cNvPr>
@@ -6340,19 +7278,128 @@
             <p:ph idx="1"/>
           </p:nvPr>
         </p:nvSpPr>
-        <p:spPr/>
+        <p:spPr>
+          <a:xfrm>
+            <a:off x="677334" y="1379621"/>
+            <a:ext cx="8596668" cy="4661742"/>
+          </a:xfrm>
+        </p:spPr>
         <p:txBody>
           <a:bodyPr/>
           <a:lstStyle/>
           <a:p>
-            <a:endParaRPr lang="fr-CH"/>
+            <a:r>
+              <a:rPr lang="en-US" dirty="0" err="1"/>
+              <a:t>Scénarios</a:t>
+            </a:r>
+            <a:r>
+              <a:rPr lang="en-US" dirty="0"/>
+              <a:t> </a:t>
+            </a:r>
+            <a:r>
+              <a:rPr lang="en-US" dirty="0" err="1"/>
+              <a:t>d’attaques</a:t>
+            </a:r>
+            <a:r>
+              <a:rPr lang="en-US" dirty="0"/>
+              <a:t>:</a:t>
+            </a:r>
+          </a:p>
+          <a:p>
+            <a:pPr lvl="1"/>
+            <a:r>
+              <a:rPr lang="en-US" dirty="0"/>
+              <a:t>Injection SQL</a:t>
+            </a:r>
+          </a:p>
+          <a:p>
+            <a:pPr lvl="1"/>
+            <a:r>
+              <a:rPr lang="en-US" dirty="0"/>
+              <a:t>Horizontal privilege escalation: suppression de messages</a:t>
+            </a:r>
+          </a:p>
+          <a:p>
+            <a:pPr lvl="1"/>
+            <a:r>
+              <a:rPr lang="en-US" dirty="0"/>
+              <a:t>CSRF: suppression </a:t>
+            </a:r>
+            <a:r>
+              <a:rPr lang="en-US" dirty="0" err="1"/>
+              <a:t>d’utilisateur</a:t>
+            </a:r>
+            <a:endParaRPr lang="en-US" dirty="0"/>
+          </a:p>
+          <a:p>
+            <a:endParaRPr lang="en-US" dirty="0"/>
+          </a:p>
+          <a:p>
+            <a:r>
+              <a:rPr lang="en-US" dirty="0" err="1"/>
+              <a:t>Faisaiblité</a:t>
+            </a:r>
+            <a:r>
+              <a:rPr lang="en-US" dirty="0"/>
+              <a:t>: facile à </a:t>
+            </a:r>
+            <a:r>
+              <a:rPr lang="en-US" dirty="0" err="1"/>
+              <a:t>moyen</a:t>
+            </a:r>
+            <a:endParaRPr lang="en-US" dirty="0"/>
+          </a:p>
+          <a:p>
+            <a:r>
+              <a:rPr lang="en-US" dirty="0"/>
+              <a:t>Business impact: </a:t>
+            </a:r>
+            <a:r>
+              <a:rPr lang="en-US" dirty="0" err="1"/>
+              <a:t>Très</a:t>
+            </a:r>
+            <a:r>
+              <a:rPr lang="en-US" dirty="0"/>
+              <a:t> </a:t>
+            </a:r>
+            <a:r>
+              <a:rPr lang="en-US" dirty="0" err="1"/>
+              <a:t>élevé</a:t>
+            </a:r>
+            <a:r>
+              <a:rPr lang="en-US" dirty="0"/>
+              <a:t> </a:t>
+            </a:r>
+          </a:p>
+          <a:p>
+            <a:r>
+              <a:rPr lang="en-US" dirty="0" err="1"/>
+              <a:t>Risque</a:t>
+            </a:r>
+            <a:r>
+              <a:rPr lang="en-US" dirty="0"/>
+              <a:t>: </a:t>
+            </a:r>
+            <a:r>
+              <a:rPr lang="en-US" dirty="0" err="1"/>
+              <a:t>Très</a:t>
+            </a:r>
+            <a:r>
+              <a:rPr lang="en-US" dirty="0"/>
+              <a:t> </a:t>
+            </a:r>
+            <a:r>
+              <a:rPr lang="en-US" dirty="0" err="1"/>
+              <a:t>élevé</a:t>
+            </a:r>
+            <a:endParaRPr lang="en-CH" dirty="0"/>
           </a:p>
         </p:txBody>
       </p:sp>
     </p:spTree>
     <p:extLst>
       <p:ext uri="{BB962C8B-B14F-4D97-AF65-F5344CB8AC3E}">
-        <p14:creationId xmlns:p14="http://schemas.microsoft.com/office/powerpoint/2010/main" val="654812995"/>
+        <p14:creationId xmlns:p14="http://schemas.microsoft.com/office/powerpoint/2010/main" val="2615121428"/>
       </p:ext>
     </p:extLst>
   </p:cSld>
@@ -6381,10 +7428,10 @@
       </p:grpSpPr>
       <p:sp>
         <p:nvSpPr>
-          <p:cNvPr id="2" name="Titre 1">
+          <p:cNvPr id="2" name="Title 1">
             <a:extLst>
               <a:ext uri="{FF2B5EF4-FFF2-40B4-BE49-F238E27FC236}">
-                <a16:creationId xmlns:a16="http://schemas.microsoft.com/office/drawing/2014/main" id="{64749A3E-07FB-4521-A7D5-AEACECC84081}"/>
+                <a16:creationId xmlns:a16="http://schemas.microsoft.com/office/drawing/2014/main" id="{B38792F0-0D64-4787-8865-4BAA85436F6E}"/>
               </a:ext>
             </a:extLst>
           </p:cNvPr>
@@ -6401,18 +7448,19 @@
           <a:lstStyle/>
           <a:p>
             <a:r>
-              <a:rPr lang="fr-CH" dirty="0"/>
-              <a:t>Implémentation des mécanismes de sécurité</a:t>
-            </a:r>
-          </a:p>
-        </p:txBody>
-      </p:sp>
-      <p:sp>
-        <p:nvSpPr>
-          <p:cNvPr id="3" name="Espace réservé du contenu 2">
+              <a:rPr lang="en-US" dirty="0"/>
+              <a:t>Information disclosure</a:t>
+            </a:r>
+            <a:endParaRPr lang="en-CH" dirty="0"/>
+          </a:p>
+        </p:txBody>
+      </p:sp>
+      <p:sp>
+        <p:nvSpPr>
+          <p:cNvPr id="3" name="Content Placeholder 2">
             <a:extLst>
               <a:ext uri="{FF2B5EF4-FFF2-40B4-BE49-F238E27FC236}">
-                <a16:creationId xmlns:a16="http://schemas.microsoft.com/office/drawing/2014/main" id="{668E8D6C-FC26-45AE-AFAE-1DD8E43FAFAA}"/>
+                <a16:creationId xmlns:a16="http://schemas.microsoft.com/office/drawing/2014/main" id="{5184D72C-137C-4090-8FED-DFDC2F5E5282}"/>
               </a:ext>
             </a:extLst>
           </p:cNvPr>
@@ -6423,19 +7471,111 @@
             <p:ph idx="1"/>
           </p:nvPr>
         </p:nvSpPr>
-        <p:spPr/>
+        <p:spPr>
+          <a:xfrm>
+            <a:off x="677334" y="1379621"/>
+            <a:ext cx="8596668" cy="4661742"/>
+          </a:xfrm>
+        </p:spPr>
         <p:txBody>
           <a:bodyPr/>
           <a:lstStyle/>
           <a:p>
-            <a:endParaRPr lang="fr-CH"/>
+            <a:r>
+              <a:rPr lang="en-US" dirty="0" err="1"/>
+              <a:t>Scénarios</a:t>
+            </a:r>
+            <a:r>
+              <a:rPr lang="en-US" dirty="0"/>
+              <a:t> </a:t>
+            </a:r>
+            <a:r>
+              <a:rPr lang="en-US" dirty="0" err="1"/>
+              <a:t>d’attaques</a:t>
+            </a:r>
+            <a:r>
+              <a:rPr lang="en-US" dirty="0"/>
+              <a:t>:</a:t>
+            </a:r>
+          </a:p>
+          <a:p>
+            <a:pPr lvl="1"/>
+            <a:r>
+              <a:rPr lang="en-US" dirty="0"/>
+              <a:t>Sniffing</a:t>
+            </a:r>
+          </a:p>
+          <a:p>
+            <a:pPr lvl="1"/>
+            <a:r>
+              <a:rPr lang="en-US" dirty="0"/>
+              <a:t>XSS</a:t>
+            </a:r>
+          </a:p>
+          <a:p>
+            <a:pPr marL="457200" lvl="1" indent="0">
+              <a:buNone/>
+            </a:pPr>
+            <a:endParaRPr lang="en-US" dirty="0"/>
+          </a:p>
+          <a:p>
+            <a:r>
+              <a:rPr lang="en-US" dirty="0" err="1"/>
+              <a:t>Faisaiblité</a:t>
+            </a:r>
+            <a:r>
+              <a:rPr lang="en-US" dirty="0"/>
+              <a:t>: facile</a:t>
+            </a:r>
+          </a:p>
+          <a:p>
+            <a:r>
+              <a:rPr lang="en-US" dirty="0"/>
+              <a:t>Business impact: </a:t>
+            </a:r>
+            <a:r>
+              <a:rPr lang="en-US" dirty="0" err="1"/>
+              <a:t>Très</a:t>
+            </a:r>
+            <a:r>
+              <a:rPr lang="en-US" dirty="0"/>
+              <a:t> </a:t>
+            </a:r>
+            <a:r>
+              <a:rPr lang="en-US" dirty="0" err="1"/>
+              <a:t>élevé</a:t>
+            </a:r>
+            <a:endParaRPr lang="en-US" dirty="0"/>
+          </a:p>
+          <a:p>
+            <a:r>
+              <a:rPr lang="en-US" dirty="0" err="1"/>
+              <a:t>Risque</a:t>
+            </a:r>
+            <a:r>
+              <a:rPr lang="en-US" dirty="0"/>
+              <a:t>: </a:t>
+            </a:r>
+            <a:r>
+              <a:rPr lang="en-US" dirty="0" err="1"/>
+              <a:t>Très</a:t>
+            </a:r>
+            <a:r>
+              <a:rPr lang="en-US" dirty="0"/>
+              <a:t> </a:t>
+            </a:r>
+            <a:r>
+              <a:rPr lang="en-US" dirty="0" err="1"/>
+              <a:t>élevé</a:t>
+            </a:r>
+            <a:endParaRPr lang="en-CH" dirty="0"/>
           </a:p>
         </p:txBody>
       </p:sp>
     </p:spTree>
     <p:extLst>
       <p:ext uri="{BB962C8B-B14F-4D97-AF65-F5344CB8AC3E}">
-        <p14:creationId xmlns:p14="http://schemas.microsoft.com/office/powerpoint/2010/main" val="1933545645"/>
+        <p14:creationId xmlns:p14="http://schemas.microsoft.com/office/powerpoint/2010/main" val="1409893071"/>
       </p:ext>
     </p:extLst>
   </p:cSld>
@@ -6464,10 +7604,10 @@
       </p:grpSpPr>
       <p:sp>
         <p:nvSpPr>
-          <p:cNvPr id="2" name="Titre 1">
+          <p:cNvPr id="2" name="Title 1">
             <a:extLst>
               <a:ext uri="{FF2B5EF4-FFF2-40B4-BE49-F238E27FC236}">
-                <a16:creationId xmlns:a16="http://schemas.microsoft.com/office/drawing/2014/main" id="{EAD430AE-1616-4BAB-A00C-49481D4247B5}"/>
+                <a16:creationId xmlns:a16="http://schemas.microsoft.com/office/drawing/2014/main" id="{B38792F0-0D64-4787-8865-4BAA85436F6E}"/>
               </a:ext>
             </a:extLst>
           </p:cNvPr>
@@ -6484,18 +7624,19 @@
           <a:lstStyle/>
           <a:p>
             <a:r>
-              <a:rPr lang="fr-CH" dirty="0"/>
-              <a:t>Problèmes rencontrés</a:t>
-            </a:r>
-          </a:p>
-        </p:txBody>
-      </p:sp>
-      <p:sp>
-        <p:nvSpPr>
-          <p:cNvPr id="3" name="Espace réservé du contenu 2">
+              <a:rPr lang="en-US" dirty="0"/>
+              <a:t>DoS</a:t>
+            </a:r>
+            <a:endParaRPr lang="en-CH" dirty="0"/>
+          </a:p>
+        </p:txBody>
+      </p:sp>
+      <p:sp>
+        <p:nvSpPr>
+          <p:cNvPr id="3" name="Content Placeholder 2">
             <a:extLst>
               <a:ext uri="{FF2B5EF4-FFF2-40B4-BE49-F238E27FC236}">
-                <a16:creationId xmlns:a16="http://schemas.microsoft.com/office/drawing/2014/main" id="{54FF68CE-57C4-4B00-BD53-98F6AA4820A4}"/>
+                <a16:creationId xmlns:a16="http://schemas.microsoft.com/office/drawing/2014/main" id="{5184D72C-137C-4090-8FED-DFDC2F5E5282}"/>
               </a:ext>
             </a:extLst>
           </p:cNvPr>
@@ -6506,19 +7647,92 @@
             <p:ph idx="1"/>
           </p:nvPr>
         </p:nvSpPr>
-        <p:spPr/>
+        <p:spPr>
+          <a:xfrm>
+            <a:off x="677334" y="1379621"/>
+            <a:ext cx="8596668" cy="4661742"/>
+          </a:xfrm>
+        </p:spPr>
         <p:txBody>
           <a:bodyPr/>
           <a:lstStyle/>
           <a:p>
-            <a:endParaRPr lang="fr-CH"/>
+            <a:r>
+              <a:rPr lang="en-US" dirty="0" err="1"/>
+              <a:t>Scénarios</a:t>
+            </a:r>
+            <a:r>
+              <a:rPr lang="en-US" dirty="0"/>
+              <a:t> </a:t>
+            </a:r>
+            <a:r>
+              <a:rPr lang="en-US" dirty="0" err="1"/>
+              <a:t>d’attaques</a:t>
+            </a:r>
+            <a:r>
+              <a:rPr lang="en-US" dirty="0"/>
+              <a:t>:</a:t>
+            </a:r>
+          </a:p>
+          <a:p>
+            <a:pPr lvl="1"/>
+            <a:r>
+              <a:rPr lang="en-US" dirty="0"/>
+              <a:t>HTML injection: redirection de page</a:t>
+            </a:r>
+          </a:p>
+          <a:p>
+            <a:pPr lvl="1"/>
+            <a:r>
+              <a:rPr lang="en-US" dirty="0"/>
+              <a:t>XSS</a:t>
+            </a:r>
+          </a:p>
+          <a:p>
+            <a:endParaRPr lang="en-US" dirty="0"/>
+          </a:p>
+          <a:p>
+            <a:r>
+              <a:rPr lang="en-US" dirty="0" err="1"/>
+              <a:t>Faisaiblité</a:t>
+            </a:r>
+            <a:r>
+              <a:rPr lang="en-US" dirty="0"/>
+              <a:t>: facile</a:t>
+            </a:r>
+          </a:p>
+          <a:p>
+            <a:r>
+              <a:rPr lang="en-US" dirty="0"/>
+              <a:t>Business impact: </a:t>
+            </a:r>
+            <a:r>
+              <a:rPr lang="en-US" dirty="0" err="1"/>
+              <a:t>Moyen</a:t>
+            </a:r>
+            <a:endParaRPr lang="en-US" dirty="0"/>
+          </a:p>
+          <a:p>
+            <a:r>
+              <a:rPr lang="en-US" dirty="0" err="1"/>
+              <a:t>Risque</a:t>
+            </a:r>
+            <a:r>
+              <a:rPr lang="en-US" dirty="0"/>
+              <a:t>: </a:t>
+            </a:r>
+            <a:r>
+              <a:rPr lang="en-US" dirty="0" err="1"/>
+              <a:t>Elevé</a:t>
+            </a:r>
+            <a:endParaRPr lang="en-CH" dirty="0"/>
           </a:p>
         </p:txBody>
       </p:sp>
     </p:spTree>
     <p:extLst>
       <p:ext uri="{BB962C8B-B14F-4D97-AF65-F5344CB8AC3E}">
-        <p14:creationId xmlns:p14="http://schemas.microsoft.com/office/powerpoint/2010/main" val="4285848040"/>
+        <p14:creationId xmlns:p14="http://schemas.microsoft.com/office/powerpoint/2010/main" val="452523470"/>
       </p:ext>
     </p:extLst>
   </p:cSld>
@@ -6550,7 +7764,7 @@
           <p:cNvPr id="2" name="Titre 1">
             <a:extLst>
               <a:ext uri="{FF2B5EF4-FFF2-40B4-BE49-F238E27FC236}">
-                <a16:creationId xmlns:a16="http://schemas.microsoft.com/office/drawing/2014/main" id="{D04A9D3B-5834-4D83-BB24-D531BB867271}"/>
+                <a16:creationId xmlns:a16="http://schemas.microsoft.com/office/drawing/2014/main" id="{17043DAD-7159-434A-844F-E1DB542A4306}"/>
               </a:ext>
             </a:extLst>
           </p:cNvPr>
@@ -6568,7 +7782,7 @@
           <a:p>
             <a:r>
               <a:rPr lang="fr-CH" dirty="0"/>
-              <a:t>Conclusion</a:t>
+              <a:t>Mécanismes de sécurité</a:t>
             </a:r>
           </a:p>
         </p:txBody>
@@ -6578,7 +7792,7 @@
           <p:cNvPr id="3" name="Espace réservé du contenu 2">
             <a:extLst>
               <a:ext uri="{FF2B5EF4-FFF2-40B4-BE49-F238E27FC236}">
-                <a16:creationId xmlns:a16="http://schemas.microsoft.com/office/drawing/2014/main" id="{BA3E0681-0F7D-4299-8C51-E9FD8D65E3B6}"/>
+                <a16:creationId xmlns:a16="http://schemas.microsoft.com/office/drawing/2014/main" id="{093BC9CE-F30A-4886-8AC9-4A86AF20D4E2}"/>
               </a:ext>
             </a:extLst>
           </p:cNvPr>
@@ -6594,14 +7808,55 @@
           <a:bodyPr/>
           <a:lstStyle/>
           <a:p>
-            <a:endParaRPr lang="fr-CH"/>
+            <a:r>
+              <a:rPr lang="fr-CH" dirty="0"/>
+              <a:t>Sanitarisation des entrées utilisateur</a:t>
+            </a:r>
+          </a:p>
+          <a:p>
+            <a:r>
+              <a:rPr lang="fr-CH" dirty="0" err="1"/>
+              <a:t>Prepared</a:t>
+            </a:r>
+            <a:r>
+              <a:rPr lang="fr-CH" dirty="0"/>
+              <a:t> </a:t>
+            </a:r>
+            <a:r>
+              <a:rPr lang="fr-CH" dirty="0" err="1"/>
+              <a:t>statement</a:t>
+            </a:r>
+            <a:endParaRPr lang="fr-CH" dirty="0"/>
+          </a:p>
+          <a:p>
+            <a:r>
+              <a:rPr lang="fr-CH" dirty="0" err="1"/>
+              <a:t>Token</a:t>
+            </a:r>
+            <a:r>
+              <a:rPr lang="fr-CH" dirty="0"/>
+              <a:t> anti CSRF</a:t>
+            </a:r>
+          </a:p>
+          <a:p>
+            <a:r>
+              <a:rPr lang="fr-CH" dirty="0"/>
+              <a:t>Logique améliorée</a:t>
+            </a:r>
+          </a:p>
+          <a:p>
+            <a:pPr lvl="1"/>
+            <a:r>
+              <a:rPr lang="fr-CH" dirty="0"/>
+              <a:t>On vérifie que message à supprimer appartient à l’utilisateur effectuant la demande</a:t>
+            </a:r>
           </a:p>
         </p:txBody>
       </p:sp>
     </p:spTree>
     <p:extLst>
       <p:ext uri="{BB962C8B-B14F-4D97-AF65-F5344CB8AC3E}">
-        <p14:creationId xmlns:p14="http://schemas.microsoft.com/office/powerpoint/2010/main" val="1956688807"/>
+        <p14:creationId xmlns:p14="http://schemas.microsoft.com/office/powerpoint/2010/main" val="1677329676"/>
       </p:ext>
     </p:extLst>
   </p:cSld>
